--- a/Presentasi Materi Basic Query.pptx
+++ b/Presentasi Materi Basic Query.pptx
@@ -4,6 +4,9 @@
   <p:sldMasterIdLst>
     <p:sldMasterId id="2147483648" r:id="rId1"/>
   </p:sldMasterIdLst>
+  <p:notesMasterIdLst>
+    <p:notesMasterId r:id="rId22"/>
+  </p:notesMasterIdLst>
   <p:sldIdLst>
     <p:sldId id="256" r:id="rId2"/>
     <p:sldId id="257" r:id="rId3"/>
@@ -16,11 +19,15 @@
     <p:sldId id="264" r:id="rId10"/>
     <p:sldId id="265" r:id="rId11"/>
     <p:sldId id="266" r:id="rId12"/>
-    <p:sldId id="267" r:id="rId13"/>
-    <p:sldId id="268" r:id="rId14"/>
-    <p:sldId id="269" r:id="rId15"/>
-    <p:sldId id="270" r:id="rId16"/>
-    <p:sldId id="271" r:id="rId17"/>
+    <p:sldId id="272" r:id="rId13"/>
+    <p:sldId id="275" r:id="rId14"/>
+    <p:sldId id="274" r:id="rId15"/>
+    <p:sldId id="277" r:id="rId16"/>
+    <p:sldId id="267" r:id="rId17"/>
+    <p:sldId id="268" r:id="rId18"/>
+    <p:sldId id="269" r:id="rId19"/>
+    <p:sldId id="270" r:id="rId20"/>
+    <p:sldId id="271" r:id="rId21"/>
   </p:sldIdLst>
   <p:sldSz cx="12192000" cy="6858000"/>
   <p:notesSz cx="6858000" cy="9144000"/>
@@ -119,7 +126,361 @@
       </a:defRPr>
     </a:lvl9pPr>
   </p:defaultTextStyle>
+  <p:extLst>
+    <p:ext uri="{EFAFB233-063F-42B5-8137-9DF3F51BA10A}">
+      <p15:sldGuideLst xmlns:p15="http://schemas.microsoft.com/office/powerpoint/2012/main"/>
+    </p:ext>
+  </p:extLst>
 </p:presentation>
+</file>
+
+<file path=ppt/notesMasters/notesMaster1.xml><?xml version="1.0" encoding="utf-8"?>
+<p:notesMaster xmlns:a="http://schemas.openxmlformats.org/drawingml/2006/main" xmlns:r="http://schemas.openxmlformats.org/officeDocument/2006/relationships" xmlns:p="http://schemas.openxmlformats.org/presentationml/2006/main">
+  <p:cSld>
+    <p:bg>
+      <p:bgRef idx="1001">
+        <a:schemeClr val="bg1"/>
+      </p:bgRef>
+    </p:bg>
+    <p:spTree>
+      <p:nvGrpSpPr>
+        <p:cNvPr id="1" name=""/>
+        <p:cNvGrpSpPr/>
+        <p:nvPr/>
+      </p:nvGrpSpPr>
+      <p:grpSpPr>
+        <a:xfrm>
+          <a:off x="0" y="0"/>
+          <a:ext cx="0" cy="0"/>
+          <a:chOff x="0" y="0"/>
+          <a:chExt cx="0" cy="0"/>
+        </a:xfrm>
+      </p:grpSpPr>
+      <p:sp>
+        <p:nvSpPr>
+          <p:cNvPr id="2" name="Header Placeholder 1"/>
+          <p:cNvSpPr>
+            <a:spLocks noGrp="1"/>
+          </p:cNvSpPr>
+          <p:nvPr>
+            <p:ph type="hdr" sz="quarter"/>
+          </p:nvPr>
+        </p:nvSpPr>
+        <p:spPr>
+          <a:xfrm>
+            <a:off x="0" y="0"/>
+            <a:ext cx="2971800" cy="458788"/>
+          </a:xfrm>
+          <a:prstGeom prst="rect">
+            <a:avLst/>
+          </a:prstGeom>
+        </p:spPr>
+        <p:txBody>
+          <a:bodyPr vert="horz" lIns="91440" tIns="45720" rIns="91440" bIns="45720" rtlCol="0"/>
+          <a:lstStyle>
+            <a:lvl1pPr algn="l">
+              <a:defRPr sz="1200"/>
+            </a:lvl1pPr>
+          </a:lstStyle>
+          <a:p>
+            <a:endParaRPr lang="en-US"/>
+          </a:p>
+        </p:txBody>
+      </p:sp>
+      <p:sp>
+        <p:nvSpPr>
+          <p:cNvPr id="3" name="Date Placeholder 2"/>
+          <p:cNvSpPr>
+            <a:spLocks noGrp="1"/>
+          </p:cNvSpPr>
+          <p:nvPr>
+            <p:ph type="dt" idx="1"/>
+          </p:nvPr>
+        </p:nvSpPr>
+        <p:spPr>
+          <a:xfrm>
+            <a:off x="3884613" y="0"/>
+            <a:ext cx="2971800" cy="458788"/>
+          </a:xfrm>
+          <a:prstGeom prst="rect">
+            <a:avLst/>
+          </a:prstGeom>
+        </p:spPr>
+        <p:txBody>
+          <a:bodyPr vert="horz" lIns="91440" tIns="45720" rIns="91440" bIns="45720" rtlCol="0"/>
+          <a:lstStyle>
+            <a:lvl1pPr algn="r">
+              <a:defRPr sz="1200"/>
+            </a:lvl1pPr>
+          </a:lstStyle>
+          <a:p>
+            <a:fld id="{8DAA34E7-970B-4D78-810E-DC7A64CBD6C6}" type="datetimeFigureOut">
+              <a:rPr lang="en-US" smtClean="0"/>
+              <a:t>6/28/2024</a:t>
+            </a:fld>
+            <a:endParaRPr lang="en-US"/>
+          </a:p>
+        </p:txBody>
+      </p:sp>
+      <p:sp>
+        <p:nvSpPr>
+          <p:cNvPr id="4" name="Slide Image Placeholder 3"/>
+          <p:cNvSpPr>
+            <a:spLocks noGrp="1" noRot="1" noChangeAspect="1"/>
+          </p:cNvSpPr>
+          <p:nvPr>
+            <p:ph type="sldImg" idx="2"/>
+          </p:nvPr>
+        </p:nvSpPr>
+        <p:spPr>
+          <a:xfrm>
+            <a:off x="685800" y="1143000"/>
+            <a:ext cx="5486400" cy="3086100"/>
+          </a:xfrm>
+          <a:prstGeom prst="rect">
+            <a:avLst/>
+          </a:prstGeom>
+          <a:noFill/>
+          <a:ln w="12700">
+            <a:solidFill>
+              <a:prstClr val="black"/>
+            </a:solidFill>
+          </a:ln>
+        </p:spPr>
+        <p:txBody>
+          <a:bodyPr vert="horz" lIns="91440" tIns="45720" rIns="91440" bIns="45720" rtlCol="0" anchor="ctr"/>
+          <a:lstStyle/>
+          <a:p>
+            <a:endParaRPr lang="en-US"/>
+          </a:p>
+        </p:txBody>
+      </p:sp>
+      <p:sp>
+        <p:nvSpPr>
+          <p:cNvPr id="5" name="Notes Placeholder 4"/>
+          <p:cNvSpPr>
+            <a:spLocks noGrp="1"/>
+          </p:cNvSpPr>
+          <p:nvPr>
+            <p:ph type="body" sz="quarter" idx="3"/>
+          </p:nvPr>
+        </p:nvSpPr>
+        <p:spPr>
+          <a:xfrm>
+            <a:off x="685800" y="4400550"/>
+            <a:ext cx="5486400" cy="3600450"/>
+          </a:xfrm>
+          <a:prstGeom prst="rect">
+            <a:avLst/>
+          </a:prstGeom>
+        </p:spPr>
+        <p:txBody>
+          <a:bodyPr vert="horz" lIns="91440" tIns="45720" rIns="91440" bIns="45720" rtlCol="0"/>
+          <a:lstStyle/>
+          <a:p>
+            <a:pPr lvl="0"/>
+            <a:r>
+              <a:rPr lang="en-US"/>
+              <a:t>Click to edit Master text styles</a:t>
+            </a:r>
+          </a:p>
+          <a:p>
+            <a:pPr lvl="1"/>
+            <a:r>
+              <a:rPr lang="en-US"/>
+              <a:t>Second level</a:t>
+            </a:r>
+          </a:p>
+          <a:p>
+            <a:pPr lvl="2"/>
+            <a:r>
+              <a:rPr lang="en-US"/>
+              <a:t>Third level</a:t>
+            </a:r>
+          </a:p>
+          <a:p>
+            <a:pPr lvl="3"/>
+            <a:r>
+              <a:rPr lang="en-US"/>
+              <a:t>Fourth level</a:t>
+            </a:r>
+          </a:p>
+          <a:p>
+            <a:pPr lvl="4"/>
+            <a:r>
+              <a:rPr lang="en-US"/>
+              <a:t>Fifth level</a:t>
+            </a:r>
+          </a:p>
+        </p:txBody>
+      </p:sp>
+      <p:sp>
+        <p:nvSpPr>
+          <p:cNvPr id="6" name="Footer Placeholder 5"/>
+          <p:cNvSpPr>
+            <a:spLocks noGrp="1"/>
+          </p:cNvSpPr>
+          <p:nvPr>
+            <p:ph type="ftr" sz="quarter" idx="4"/>
+          </p:nvPr>
+        </p:nvSpPr>
+        <p:spPr>
+          <a:xfrm>
+            <a:off x="0" y="8685213"/>
+            <a:ext cx="2971800" cy="458787"/>
+          </a:xfrm>
+          <a:prstGeom prst="rect">
+            <a:avLst/>
+          </a:prstGeom>
+        </p:spPr>
+        <p:txBody>
+          <a:bodyPr vert="horz" lIns="91440" tIns="45720" rIns="91440" bIns="45720" rtlCol="0" anchor="b"/>
+          <a:lstStyle>
+            <a:lvl1pPr algn="l">
+              <a:defRPr sz="1200"/>
+            </a:lvl1pPr>
+          </a:lstStyle>
+          <a:p>
+            <a:endParaRPr lang="en-US"/>
+          </a:p>
+        </p:txBody>
+      </p:sp>
+      <p:sp>
+        <p:nvSpPr>
+          <p:cNvPr id="7" name="Slide Number Placeholder 6"/>
+          <p:cNvSpPr>
+            <a:spLocks noGrp="1"/>
+          </p:cNvSpPr>
+          <p:nvPr>
+            <p:ph type="sldNum" sz="quarter" idx="5"/>
+          </p:nvPr>
+        </p:nvSpPr>
+        <p:spPr>
+          <a:xfrm>
+            <a:off x="3884613" y="8685213"/>
+            <a:ext cx="2971800" cy="458787"/>
+          </a:xfrm>
+          <a:prstGeom prst="rect">
+            <a:avLst/>
+          </a:prstGeom>
+        </p:spPr>
+        <p:txBody>
+          <a:bodyPr vert="horz" lIns="91440" tIns="45720" rIns="91440" bIns="45720" rtlCol="0" anchor="b"/>
+          <a:lstStyle>
+            <a:lvl1pPr algn="r">
+              <a:defRPr sz="1200"/>
+            </a:lvl1pPr>
+          </a:lstStyle>
+          <a:p>
+            <a:fld id="{169B6112-D692-47FF-B990-B2B08F2D891B}" type="slidenum">
+              <a:rPr lang="en-US" smtClean="0"/>
+              <a:t>‹#›</a:t>
+            </a:fld>
+            <a:endParaRPr lang="en-US"/>
+          </a:p>
+        </p:txBody>
+      </p:sp>
+    </p:spTree>
+    <p:extLst>
+      <p:ext uri="{BB962C8B-B14F-4D97-AF65-F5344CB8AC3E}">
+        <p14:creationId xmlns:p14="http://schemas.microsoft.com/office/powerpoint/2010/main" val="1514192738"/>
+      </p:ext>
+    </p:extLst>
+  </p:cSld>
+  <p:clrMap bg1="lt1" tx1="dk1" bg2="lt2" tx2="dk2" accent1="accent1" accent2="accent2" accent3="accent3" accent4="accent4" accent5="accent5" accent6="accent6" hlink="hlink" folHlink="folHlink"/>
+  <p:notesStyle>
+    <a:lvl1pPr marL="0" algn="l" defTabSz="914400" rtl="0" eaLnBrk="1" latinLnBrk="0" hangingPunct="1">
+      <a:defRPr sz="1200" kern="1200">
+        <a:solidFill>
+          <a:schemeClr val="tx1"/>
+        </a:solidFill>
+        <a:latin typeface="+mn-lt"/>
+        <a:ea typeface="+mn-ea"/>
+        <a:cs typeface="+mn-cs"/>
+      </a:defRPr>
+    </a:lvl1pPr>
+    <a:lvl2pPr marL="457200" algn="l" defTabSz="914400" rtl="0" eaLnBrk="1" latinLnBrk="0" hangingPunct="1">
+      <a:defRPr sz="1200" kern="1200">
+        <a:solidFill>
+          <a:schemeClr val="tx1"/>
+        </a:solidFill>
+        <a:latin typeface="+mn-lt"/>
+        <a:ea typeface="+mn-ea"/>
+        <a:cs typeface="+mn-cs"/>
+      </a:defRPr>
+    </a:lvl2pPr>
+    <a:lvl3pPr marL="914400" algn="l" defTabSz="914400" rtl="0" eaLnBrk="1" latinLnBrk="0" hangingPunct="1">
+      <a:defRPr sz="1200" kern="1200">
+        <a:solidFill>
+          <a:schemeClr val="tx1"/>
+        </a:solidFill>
+        <a:latin typeface="+mn-lt"/>
+        <a:ea typeface="+mn-ea"/>
+        <a:cs typeface="+mn-cs"/>
+      </a:defRPr>
+    </a:lvl3pPr>
+    <a:lvl4pPr marL="1371600" algn="l" defTabSz="914400" rtl="0" eaLnBrk="1" latinLnBrk="0" hangingPunct="1">
+      <a:defRPr sz="1200" kern="1200">
+        <a:solidFill>
+          <a:schemeClr val="tx1"/>
+        </a:solidFill>
+        <a:latin typeface="+mn-lt"/>
+        <a:ea typeface="+mn-ea"/>
+        <a:cs typeface="+mn-cs"/>
+      </a:defRPr>
+    </a:lvl4pPr>
+    <a:lvl5pPr marL="1828800" algn="l" defTabSz="914400" rtl="0" eaLnBrk="1" latinLnBrk="0" hangingPunct="1">
+      <a:defRPr sz="1200" kern="1200">
+        <a:solidFill>
+          <a:schemeClr val="tx1"/>
+        </a:solidFill>
+        <a:latin typeface="+mn-lt"/>
+        <a:ea typeface="+mn-ea"/>
+        <a:cs typeface="+mn-cs"/>
+      </a:defRPr>
+    </a:lvl5pPr>
+    <a:lvl6pPr marL="2286000" algn="l" defTabSz="914400" rtl="0" eaLnBrk="1" latinLnBrk="0" hangingPunct="1">
+      <a:defRPr sz="1200" kern="1200">
+        <a:solidFill>
+          <a:schemeClr val="tx1"/>
+        </a:solidFill>
+        <a:latin typeface="+mn-lt"/>
+        <a:ea typeface="+mn-ea"/>
+        <a:cs typeface="+mn-cs"/>
+      </a:defRPr>
+    </a:lvl6pPr>
+    <a:lvl7pPr marL="2743200" algn="l" defTabSz="914400" rtl="0" eaLnBrk="1" latinLnBrk="0" hangingPunct="1">
+      <a:defRPr sz="1200" kern="1200">
+        <a:solidFill>
+          <a:schemeClr val="tx1"/>
+        </a:solidFill>
+        <a:latin typeface="+mn-lt"/>
+        <a:ea typeface="+mn-ea"/>
+        <a:cs typeface="+mn-cs"/>
+      </a:defRPr>
+    </a:lvl7pPr>
+    <a:lvl8pPr marL="3200400" algn="l" defTabSz="914400" rtl="0" eaLnBrk="1" latinLnBrk="0" hangingPunct="1">
+      <a:defRPr sz="1200" kern="1200">
+        <a:solidFill>
+          <a:schemeClr val="tx1"/>
+        </a:solidFill>
+        <a:latin typeface="+mn-lt"/>
+        <a:ea typeface="+mn-ea"/>
+        <a:cs typeface="+mn-cs"/>
+      </a:defRPr>
+    </a:lvl8pPr>
+    <a:lvl9pPr marL="3657600" algn="l" defTabSz="914400" rtl="0" eaLnBrk="1" latinLnBrk="0" hangingPunct="1">
+      <a:defRPr sz="1200" kern="1200">
+        <a:solidFill>
+          <a:schemeClr val="tx1"/>
+        </a:solidFill>
+        <a:latin typeface="+mn-lt"/>
+        <a:ea typeface="+mn-ea"/>
+        <a:cs typeface="+mn-cs"/>
+      </a:defRPr>
+    </a:lvl9pPr>
+  </p:notesStyle>
+</p:notesMaster>
 </file>
 
 <file path=ppt/slideLayouts/slideLayout1.xml><?xml version="1.0" encoding="utf-8"?>
@@ -267,7 +628,7 @@
           <a:bodyPr/>
           <a:lstStyle/>
           <a:p>
-            <a:fld id="{C0B5C9CF-FF0E-4CB6-97E0-D1BE92E5F88E}" type="datetimeFigureOut">
+            <a:fld id="{AB6D790B-E5DA-4547-AE20-13F33D75B8CD}" type="datetime1">
               <a:rPr lang="en-US" smtClean="0"/>
               <a:t>6/28/2024</a:t>
             </a:fld>
@@ -296,7 +657,10 @@
           <a:bodyPr/>
           <a:lstStyle/>
           <a:p>
-            <a:endParaRPr lang="en-US"/>
+            <a:r>
+              <a:rPr lang="en-US"/>
+              <a:t>Presentasi By Candra A</a:t>
+            </a:r>
           </a:p>
         </p:txBody>
       </p:sp>
@@ -465,7 +829,7 @@
           <a:bodyPr/>
           <a:lstStyle/>
           <a:p>
-            <a:fld id="{C0B5C9CF-FF0E-4CB6-97E0-D1BE92E5F88E}" type="datetimeFigureOut">
+            <a:fld id="{B65B0055-9779-4BCA-B406-3147F727B6B5}" type="datetime1">
               <a:rPr lang="en-US" smtClean="0"/>
               <a:t>6/28/2024</a:t>
             </a:fld>
@@ -494,7 +858,10 @@
           <a:bodyPr/>
           <a:lstStyle/>
           <a:p>
-            <a:endParaRPr lang="en-US"/>
+            <a:r>
+              <a:rPr lang="en-US"/>
+              <a:t>Presentasi By Candra A</a:t>
+            </a:r>
           </a:p>
         </p:txBody>
       </p:sp>
@@ -673,7 +1040,7 @@
           <a:bodyPr/>
           <a:lstStyle/>
           <a:p>
-            <a:fld id="{C0B5C9CF-FF0E-4CB6-97E0-D1BE92E5F88E}" type="datetimeFigureOut">
+            <a:fld id="{4F604C1C-6E2D-48F8-BCBD-B03281AABD04}" type="datetime1">
               <a:rPr lang="en-US" smtClean="0"/>
               <a:t>6/28/2024</a:t>
             </a:fld>
@@ -702,7 +1069,10 @@
           <a:bodyPr/>
           <a:lstStyle/>
           <a:p>
-            <a:endParaRPr lang="en-US"/>
+            <a:r>
+              <a:rPr lang="en-US"/>
+              <a:t>Presentasi By Candra A</a:t>
+            </a:r>
           </a:p>
         </p:txBody>
       </p:sp>
@@ -871,7 +1241,7 @@
           <a:bodyPr/>
           <a:lstStyle/>
           <a:p>
-            <a:fld id="{C0B5C9CF-FF0E-4CB6-97E0-D1BE92E5F88E}" type="datetimeFigureOut">
+            <a:fld id="{8782AC28-7919-4FE7-AA5F-0422F37ED316}" type="datetime1">
               <a:rPr lang="en-US" smtClean="0"/>
               <a:t>6/28/2024</a:t>
             </a:fld>
@@ -900,7 +1270,10 @@
           <a:bodyPr/>
           <a:lstStyle/>
           <a:p>
-            <a:endParaRPr lang="en-US"/>
+            <a:r>
+              <a:rPr lang="en-US"/>
+              <a:t>Presentasi By Candra A</a:t>
+            </a:r>
           </a:p>
         </p:txBody>
       </p:sp>
@@ -1146,7 +1519,7 @@
           <a:bodyPr/>
           <a:lstStyle/>
           <a:p>
-            <a:fld id="{C0B5C9CF-FF0E-4CB6-97E0-D1BE92E5F88E}" type="datetimeFigureOut">
+            <a:fld id="{AB9F5436-575D-44EE-87E9-F3C6F368A920}" type="datetime1">
               <a:rPr lang="en-US" smtClean="0"/>
               <a:t>6/28/2024</a:t>
             </a:fld>
@@ -1175,7 +1548,10 @@
           <a:bodyPr/>
           <a:lstStyle/>
           <a:p>
-            <a:endParaRPr lang="en-US"/>
+            <a:r>
+              <a:rPr lang="en-US"/>
+              <a:t>Presentasi By Candra A</a:t>
+            </a:r>
           </a:p>
         </p:txBody>
       </p:sp>
@@ -1411,7 +1787,7 @@
           <a:bodyPr/>
           <a:lstStyle/>
           <a:p>
-            <a:fld id="{C0B5C9CF-FF0E-4CB6-97E0-D1BE92E5F88E}" type="datetimeFigureOut">
+            <a:fld id="{A1310FAA-B53A-4774-B69F-8F8FB32B5A01}" type="datetime1">
               <a:rPr lang="en-US" smtClean="0"/>
               <a:t>6/28/2024</a:t>
             </a:fld>
@@ -1440,7 +1816,10 @@
           <a:bodyPr/>
           <a:lstStyle/>
           <a:p>
-            <a:endParaRPr lang="en-US"/>
+            <a:r>
+              <a:rPr lang="en-US"/>
+              <a:t>Presentasi By Candra A</a:t>
+            </a:r>
           </a:p>
         </p:txBody>
       </p:sp>
@@ -1823,7 +2202,7 @@
           <a:bodyPr/>
           <a:lstStyle/>
           <a:p>
-            <a:fld id="{C0B5C9CF-FF0E-4CB6-97E0-D1BE92E5F88E}" type="datetimeFigureOut">
+            <a:fld id="{1A0967CA-0552-4695-BC85-1DEA99DDC548}" type="datetime1">
               <a:rPr lang="en-US" smtClean="0"/>
               <a:t>6/28/2024</a:t>
             </a:fld>
@@ -1852,7 +2231,10 @@
           <a:bodyPr/>
           <a:lstStyle/>
           <a:p>
-            <a:endParaRPr lang="en-US"/>
+            <a:r>
+              <a:rPr lang="en-US"/>
+              <a:t>Presentasi By Candra A</a:t>
+            </a:r>
           </a:p>
         </p:txBody>
       </p:sp>
@@ -1964,7 +2346,7 @@
           <a:bodyPr/>
           <a:lstStyle/>
           <a:p>
-            <a:fld id="{C0B5C9CF-FF0E-4CB6-97E0-D1BE92E5F88E}" type="datetimeFigureOut">
+            <a:fld id="{0EB56583-A2D0-4EEF-B359-D2B166383A72}" type="datetime1">
               <a:rPr lang="en-US" smtClean="0"/>
               <a:t>6/28/2024</a:t>
             </a:fld>
@@ -1993,7 +2375,10 @@
           <a:bodyPr/>
           <a:lstStyle/>
           <a:p>
-            <a:endParaRPr lang="en-US"/>
+            <a:r>
+              <a:rPr lang="en-US"/>
+              <a:t>Presentasi By Candra A</a:t>
+            </a:r>
           </a:p>
         </p:txBody>
       </p:sp>
@@ -2077,7 +2462,7 @@
           <a:bodyPr/>
           <a:lstStyle/>
           <a:p>
-            <a:fld id="{C0B5C9CF-FF0E-4CB6-97E0-D1BE92E5F88E}" type="datetimeFigureOut">
+            <a:fld id="{179FA1B2-8C1B-42C6-A5A6-CE96315D0C8B}" type="datetime1">
               <a:rPr lang="en-US" smtClean="0"/>
               <a:t>6/28/2024</a:t>
             </a:fld>
@@ -2106,7 +2491,10 @@
           <a:bodyPr/>
           <a:lstStyle/>
           <a:p>
-            <a:endParaRPr lang="en-US"/>
+            <a:r>
+              <a:rPr lang="en-US"/>
+              <a:t>Presentasi By Candra A</a:t>
+            </a:r>
           </a:p>
         </p:txBody>
       </p:sp>
@@ -2388,7 +2776,7 @@
           <a:bodyPr/>
           <a:lstStyle/>
           <a:p>
-            <a:fld id="{C0B5C9CF-FF0E-4CB6-97E0-D1BE92E5F88E}" type="datetimeFigureOut">
+            <a:fld id="{BA803572-1223-4AB5-93FB-7C614A438853}" type="datetime1">
               <a:rPr lang="en-US" smtClean="0"/>
               <a:t>6/28/2024</a:t>
             </a:fld>
@@ -2417,7 +2805,10 @@
           <a:bodyPr/>
           <a:lstStyle/>
           <a:p>
-            <a:endParaRPr lang="en-US"/>
+            <a:r>
+              <a:rPr lang="en-US"/>
+              <a:t>Presentasi By Candra A</a:t>
+            </a:r>
           </a:p>
         </p:txBody>
       </p:sp>
@@ -2676,7 +3067,7 @@
           <a:bodyPr/>
           <a:lstStyle/>
           <a:p>
-            <a:fld id="{C0B5C9CF-FF0E-4CB6-97E0-D1BE92E5F88E}" type="datetimeFigureOut">
+            <a:fld id="{7A80A6C1-68B4-4FE5-B9B3-13AB41019390}" type="datetime1">
               <a:rPr lang="en-US" smtClean="0"/>
               <a:t>6/28/2024</a:t>
             </a:fld>
@@ -2705,7 +3096,10 @@
           <a:bodyPr/>
           <a:lstStyle/>
           <a:p>
-            <a:endParaRPr lang="en-US"/>
+            <a:r>
+              <a:rPr lang="en-US"/>
+              <a:t>Presentasi By Candra A</a:t>
+            </a:r>
           </a:p>
         </p:txBody>
       </p:sp>
@@ -2917,7 +3311,7 @@
             </a:lvl1pPr>
           </a:lstStyle>
           <a:p>
-            <a:fld id="{C0B5C9CF-FF0E-4CB6-97E0-D1BE92E5F88E}" type="datetimeFigureOut">
+            <a:fld id="{6229B3DD-A282-43C1-924C-FCE4DEB4194D}" type="datetime1">
               <a:rPr lang="en-US" smtClean="0"/>
               <a:t>6/28/2024</a:t>
             </a:fld>
@@ -2964,7 +3358,10 @@
             </a:lvl1pPr>
           </a:lstStyle>
           <a:p>
-            <a:endParaRPr lang="en-US"/>
+            <a:r>
+              <a:rPr lang="en-US"/>
+              <a:t>Presentasi By Candra A</a:t>
+            </a:r>
           </a:p>
         </p:txBody>
       </p:sp>
@@ -3036,6 +3433,7 @@
     <p:sldLayoutId id="2147483658" r:id="rId10"/>
     <p:sldLayoutId id="2147483659" r:id="rId11"/>
   </p:sldLayoutIdLst>
+  <p:hf sldNum="0" hdr="0" dt="0"/>
   <p:txStyles>
     <p:titleStyle>
       <a:lvl1pPr algn="l" defTabSz="914400" rtl="0" eaLnBrk="1" latinLnBrk="0" hangingPunct="1">
@@ -3397,7 +3795,71 @@
           <a:bodyPr/>
           <a:lstStyle/>
           <a:p>
+            <a:r>
+              <a:rPr lang="en-US" dirty="0" err="1"/>
+              <a:t>Memahami</a:t>
+            </a:r>
+            <a:r>
+              <a:rPr lang="en-US" dirty="0"/>
+              <a:t> </a:t>
+            </a:r>
+            <a:r>
+              <a:rPr lang="en-US" dirty="0" err="1"/>
+              <a:t>cara</a:t>
+            </a:r>
+            <a:r>
+              <a:rPr lang="en-US" dirty="0"/>
+              <a:t> </a:t>
+            </a:r>
+            <a:r>
+              <a:rPr lang="en-US" dirty="0" err="1"/>
+              <a:t>kerja</a:t>
+            </a:r>
+            <a:r>
+              <a:rPr lang="en-US" dirty="0"/>
+              <a:t> query </a:t>
+            </a:r>
+            <a:r>
+              <a:rPr lang="en-US" dirty="0" err="1"/>
+              <a:t>dengan</a:t>
+            </a:r>
+            <a:r>
+              <a:rPr lang="en-US" dirty="0"/>
+              <a:t> </a:t>
+            </a:r>
+            <a:r>
+              <a:rPr lang="en-US" dirty="0" err="1"/>
+              <a:t>mudah</a:t>
+            </a:r>
             <a:endParaRPr lang="en-US" dirty="0"/>
+          </a:p>
+        </p:txBody>
+      </p:sp>
+      <p:sp>
+        <p:nvSpPr>
+          <p:cNvPr id="4" name="Footer Placeholder 3">
+            <a:extLst>
+              <a:ext uri="{FF2B5EF4-FFF2-40B4-BE49-F238E27FC236}">
+                <a16:creationId xmlns:a16="http://schemas.microsoft.com/office/drawing/2014/main" id="{0598B09C-67A0-187C-C529-C2955423C20B}"/>
+              </a:ext>
+            </a:extLst>
+          </p:cNvPr>
+          <p:cNvSpPr>
+            <a:spLocks noGrp="1"/>
+          </p:cNvSpPr>
+          <p:nvPr>
+            <p:ph type="ftr" sz="quarter" idx="11"/>
+          </p:nvPr>
+        </p:nvSpPr>
+        <p:spPr/>
+        <p:txBody>
+          <a:bodyPr/>
+          <a:lstStyle/>
+          <a:p>
+            <a:r>
+              <a:rPr lang="en-US"/>
+              <a:t>Presentasi By Candra A</a:t>
+            </a:r>
           </a:p>
         </p:txBody>
       </p:sp>
@@ -3833,6 +4295,34 @@
           </a:p>
         </p:txBody>
       </p:sp>
+      <p:sp>
+        <p:nvSpPr>
+          <p:cNvPr id="4" name="Footer Placeholder 3">
+            <a:extLst>
+              <a:ext uri="{FF2B5EF4-FFF2-40B4-BE49-F238E27FC236}">
+                <a16:creationId xmlns:a16="http://schemas.microsoft.com/office/drawing/2014/main" id="{BDDD68B0-A064-9DC4-5F5C-AE5516D60A54}"/>
+              </a:ext>
+            </a:extLst>
+          </p:cNvPr>
+          <p:cNvSpPr>
+            <a:spLocks noGrp="1"/>
+          </p:cNvSpPr>
+          <p:nvPr>
+            <p:ph type="ftr" sz="quarter" idx="11"/>
+          </p:nvPr>
+        </p:nvSpPr>
+        <p:spPr/>
+        <p:txBody>
+          <a:bodyPr/>
+          <a:lstStyle/>
+          <a:p>
+            <a:r>
+              <a:rPr lang="en-US"/>
+              <a:t>Presentasi By Candra A</a:t>
+            </a:r>
+          </a:p>
+        </p:txBody>
+      </p:sp>
     </p:spTree>
     <p:extLst>
       <p:ext uri="{BB962C8B-B14F-4D97-AF65-F5344CB8AC3E}">
@@ -4304,6 +4794,34 @@
           </a:p>
         </p:txBody>
       </p:sp>
+      <p:sp>
+        <p:nvSpPr>
+          <p:cNvPr id="4" name="Footer Placeholder 3">
+            <a:extLst>
+              <a:ext uri="{FF2B5EF4-FFF2-40B4-BE49-F238E27FC236}">
+                <a16:creationId xmlns:a16="http://schemas.microsoft.com/office/drawing/2014/main" id="{93D4FEB1-957D-A46E-20A6-A69B3C54D588}"/>
+              </a:ext>
+            </a:extLst>
+          </p:cNvPr>
+          <p:cNvSpPr>
+            <a:spLocks noGrp="1"/>
+          </p:cNvSpPr>
+          <p:nvPr>
+            <p:ph type="ftr" sz="quarter" idx="11"/>
+          </p:nvPr>
+        </p:nvSpPr>
+        <p:spPr/>
+        <p:txBody>
+          <a:bodyPr/>
+          <a:lstStyle/>
+          <a:p>
+            <a:r>
+              <a:rPr lang="en-US"/>
+              <a:t>Presentasi By Candra A</a:t>
+            </a:r>
+          </a:p>
+        </p:txBody>
+      </p:sp>
     </p:spTree>
     <p:extLst>
       <p:ext uri="{BB962C8B-B14F-4D97-AF65-F5344CB8AC3E}">
@@ -4339,7 +4857,7 @@
           <p:cNvPr id="2" name="Title 1">
             <a:extLst>
               <a:ext uri="{FF2B5EF4-FFF2-40B4-BE49-F238E27FC236}">
-                <a16:creationId xmlns:a16="http://schemas.microsoft.com/office/drawing/2014/main" id="{695D738E-C9BC-C718-F23C-752B363ACC59}"/>
+                <a16:creationId xmlns:a16="http://schemas.microsoft.com/office/drawing/2014/main" id="{C1201EC0-98B9-E027-E3C8-637571A7C84C}"/>
               </a:ext>
             </a:extLst>
           </p:cNvPr>
@@ -4356,10 +4874,9 @@
           <a:lstStyle/>
           <a:p>
             <a:r>
-              <a:rPr lang="en-US" dirty="0" err="1"/>
-              <a:t>Permainan</a:t>
-            </a:r>
-            <a:endParaRPr lang="en-US" dirty="0"/>
+              <a:rPr lang="en-US" dirty="0"/>
+              <a:t>Alias</a:t>
+            </a:r>
           </a:p>
         </p:txBody>
       </p:sp>
@@ -4368,7 +4885,7 @@
           <p:cNvPr id="3" name="Content Placeholder 2">
             <a:extLst>
               <a:ext uri="{FF2B5EF4-FFF2-40B4-BE49-F238E27FC236}">
-                <a16:creationId xmlns:a16="http://schemas.microsoft.com/office/drawing/2014/main" id="{153D86EC-6292-6BBF-B1C1-CA30B99ABE8C}"/>
+                <a16:creationId xmlns:a16="http://schemas.microsoft.com/office/drawing/2014/main" id="{E6C9D6FF-8937-2B47-06DF-0BF2EB15181F}"/>
               </a:ext>
             </a:extLst>
           </p:cNvPr>
@@ -4396,66 +4913,11 @@
             </a:br>
             <a:r>
               <a:rPr lang="en-US" dirty="0"/>
-              <a:t>Mari </a:t>
-            </a:r>
-            <a:r>
-              <a:rPr lang="en-US" dirty="0" err="1"/>
-              <a:t>kita</a:t>
-            </a:r>
-            <a:r>
-              <a:rPr lang="en-US" dirty="0"/>
-              <a:t> </a:t>
-            </a:r>
-            <a:r>
-              <a:rPr lang="en-US" dirty="0" err="1"/>
-              <a:t>mainkan</a:t>
-            </a:r>
-            <a:r>
-              <a:rPr lang="en-US" dirty="0"/>
-              <a:t> </a:t>
-            </a:r>
-            <a:r>
-              <a:rPr lang="en-US" dirty="0" err="1"/>
-              <a:t>permainan</a:t>
-            </a:r>
-            <a:r>
-              <a:rPr lang="en-US" dirty="0"/>
-              <a:t> </a:t>
-            </a:r>
-            <a:r>
-              <a:rPr lang="en-US" dirty="0" err="1"/>
-              <a:t>pencarian</a:t>
-            </a:r>
-            <a:r>
-              <a:rPr lang="en-US" dirty="0"/>
-              <a:t> data </a:t>
-            </a:r>
-            <a:r>
-              <a:rPr lang="en-US" dirty="0" err="1"/>
-              <a:t>menggunakan</a:t>
-            </a:r>
-            <a:r>
-              <a:rPr lang="en-US" dirty="0"/>
-              <a:t> query!</a:t>
-            </a:r>
-            <a:br>
-              <a:rPr lang="en-US" dirty="0"/>
-            </a:br>
-            <a:r>
-              <a:rPr lang="en-US" dirty="0"/>
-              <a:t>Saya </a:t>
-            </a:r>
-            <a:r>
-              <a:rPr lang="en-US" dirty="0" err="1"/>
-              <a:t>akan</a:t>
-            </a:r>
-            <a:r>
-              <a:rPr lang="en-US" dirty="0"/>
-              <a:t> </a:t>
-            </a:r>
-            <a:r>
-              <a:rPr lang="en-US" dirty="0" err="1"/>
-              <a:t>ajak</a:t>
+              <a:t>Alias </a:t>
+            </a:r>
+            <a:r>
+              <a:rPr lang="en-US" dirty="0" err="1"/>
+              <a:t>digunakan</a:t>
             </a:r>
             <a:r>
               <a:rPr lang="en-US" dirty="0"/>
@@ -4471,63 +4933,47 @@
             </a:r>
             <a:r>
               <a:rPr lang="en-US" dirty="0" err="1"/>
-              <a:t>membuat</a:t>
-            </a:r>
-            <a:r>
-              <a:rPr lang="en-US" dirty="0"/>
-              <a:t> </a:t>
-            </a:r>
-            <a:r>
-              <a:rPr lang="en-US" dirty="0" err="1"/>
-              <a:t>pertanyaan</a:t>
-            </a:r>
-            <a:r>
-              <a:rPr lang="en-US" dirty="0"/>
-              <a:t> </a:t>
-            </a:r>
-            <a:r>
-              <a:rPr lang="en-US" dirty="0" err="1"/>
-              <a:t>anda</a:t>
-            </a:r>
-            <a:r>
-              <a:rPr lang="en-US" dirty="0"/>
-              <a:t> </a:t>
-            </a:r>
-            <a:r>
-              <a:rPr lang="en-US" dirty="0" err="1"/>
-              <a:t>sendiri</a:t>
-            </a:r>
-            <a:r>
-              <a:rPr lang="en-US" dirty="0"/>
-              <a:t> dan </a:t>
-            </a:r>
-            <a:r>
-              <a:rPr lang="en-US" dirty="0" err="1"/>
-              <a:t>kita</a:t>
-            </a:r>
-            <a:r>
-              <a:rPr lang="en-US" dirty="0"/>
-              <a:t> Bersama </a:t>
-            </a:r>
-            <a:r>
-              <a:rPr lang="en-US" dirty="0" err="1"/>
-              <a:t>sama</a:t>
-            </a:r>
-            <a:r>
-              <a:rPr lang="en-US" dirty="0"/>
-              <a:t> </a:t>
-            </a:r>
-            <a:r>
-              <a:rPr lang="en-US" dirty="0" err="1"/>
-              <a:t>buat</a:t>
-            </a:r>
-            <a:r>
-              <a:rPr lang="en-US" dirty="0"/>
-              <a:t> </a:t>
-            </a:r>
-            <a:r>
-              <a:rPr lang="en-US" dirty="0" err="1"/>
-              <a:t>querynya</a:t>
+              <a:t>memberikan</a:t>
+            </a:r>
+            <a:r>
+              <a:rPr lang="en-US" dirty="0"/>
+              <a:t> </a:t>
+            </a:r>
+            <a:r>
+              <a:rPr lang="en-US" dirty="0" err="1"/>
+              <a:t>nama</a:t>
+            </a:r>
+            <a:r>
+              <a:rPr lang="en-US" dirty="0"/>
+              <a:t> </a:t>
+            </a:r>
+            <a:r>
+              <a:rPr lang="en-US" dirty="0" err="1"/>
+              <a:t>sementara</a:t>
+            </a:r>
+            <a:r>
+              <a:rPr lang="en-US" dirty="0"/>
+              <a:t> pada </a:t>
+            </a:r>
+            <a:r>
+              <a:rPr lang="en-US" dirty="0" err="1"/>
+              <a:t>kolom</a:t>
+            </a:r>
+            <a:r>
+              <a:rPr lang="en-US" dirty="0"/>
+              <a:t> </a:t>
+            </a:r>
+            <a:r>
+              <a:rPr lang="en-US" dirty="0" err="1"/>
+              <a:t>atau</a:t>
+            </a:r>
+            <a:r>
+              <a:rPr lang="en-US" dirty="0"/>
+              <a:t> </a:t>
+            </a:r>
+            <a:r>
+              <a:rPr lang="en-US" dirty="0" err="1"/>
+              <a:t>tabel</a:t>
             </a:r>
             <a:r>
               <a:rPr lang="en-US" dirty="0"/>
@@ -4538,9 +4984,60 @@
             <a:pPr marL="0" indent="0">
               <a:buNone/>
             </a:pPr>
-            <a:br>
-              <a:rPr lang="en-US" dirty="0"/>
-            </a:br>
+            <a:r>
+              <a:rPr lang="en-US" sz="2000" dirty="0">
+                <a:latin typeface="Courier New" panose="02070309020205020404" pitchFamily="49" charset="0"/>
+                <a:cs typeface="Courier New" panose="02070309020205020404" pitchFamily="49" charset="0"/>
+              </a:rPr>
+              <a:t>SELECT </a:t>
+            </a:r>
+            <a:r>
+              <a:rPr lang="en-US" sz="2000" dirty="0" err="1">
+                <a:latin typeface="Courier New" panose="02070309020205020404" pitchFamily="49" charset="0"/>
+                <a:cs typeface="Courier New" panose="02070309020205020404" pitchFamily="49" charset="0"/>
+              </a:rPr>
+              <a:t>nama</a:t>
+            </a:r>
+            <a:r>
+              <a:rPr lang="en-US" sz="2000" dirty="0">
+                <a:latin typeface="Courier New" panose="02070309020205020404" pitchFamily="49" charset="0"/>
+                <a:cs typeface="Courier New" panose="02070309020205020404" pitchFamily="49" charset="0"/>
+              </a:rPr>
+              <a:t> AS 'Nama </a:t>
+            </a:r>
+            <a:r>
+              <a:rPr lang="en-US" sz="2000" dirty="0" err="1">
+                <a:latin typeface="Courier New" panose="02070309020205020404" pitchFamily="49" charset="0"/>
+                <a:cs typeface="Courier New" panose="02070309020205020404" pitchFamily="49" charset="0"/>
+              </a:rPr>
+              <a:t>Teman</a:t>
+            </a:r>
+            <a:r>
+              <a:rPr lang="en-US" sz="2000" dirty="0">
+                <a:latin typeface="Courier New" panose="02070309020205020404" pitchFamily="49" charset="0"/>
+                <a:cs typeface="Courier New" panose="02070309020205020404" pitchFamily="49" charset="0"/>
+              </a:rPr>
+              <a:t>' FROM </a:t>
+            </a:r>
+            <a:r>
+              <a:rPr lang="en-US" sz="2000" dirty="0" err="1">
+                <a:latin typeface="Courier New" panose="02070309020205020404" pitchFamily="49" charset="0"/>
+                <a:cs typeface="Courier New" panose="02070309020205020404" pitchFamily="49" charset="0"/>
+              </a:rPr>
+              <a:t>daftar_kelas</a:t>
+            </a:r>
+            <a:r>
+              <a:rPr lang="en-US" sz="2000" dirty="0">
+                <a:latin typeface="Courier New" panose="02070309020205020404" pitchFamily="49" charset="0"/>
+                <a:cs typeface="Courier New" panose="02070309020205020404" pitchFamily="49" charset="0"/>
+              </a:rPr>
+              <a:t>;</a:t>
+            </a:r>
+          </a:p>
+          <a:p>
+            <a:pPr marL="0" indent="0">
+              <a:buNone/>
+            </a:pPr>
             <a:r>
               <a:rPr lang="en-US" b="1" dirty="0" err="1"/>
               <a:t>Analogi</a:t>
@@ -4562,65 +5059,113 @@
             </a:r>
             <a:r>
               <a:rPr lang="en-US" dirty="0" err="1"/>
-              <a:t>bermain</a:t>
-            </a:r>
-            <a:r>
-              <a:rPr lang="en-US" dirty="0"/>
-              <a:t> </a:t>
-            </a:r>
-            <a:r>
-              <a:rPr lang="en-US" dirty="0" err="1"/>
-              <a:t>detektif</a:t>
-            </a:r>
-            <a:r>
-              <a:rPr lang="en-US" dirty="0"/>
-              <a:t> </a:t>
-            </a:r>
-            <a:r>
-              <a:rPr lang="en-US" dirty="0" err="1"/>
-              <a:t>mencari</a:t>
-            </a:r>
-            <a:r>
-              <a:rPr lang="en-US" dirty="0"/>
-              <a:t> </a:t>
-            </a:r>
-            <a:r>
-              <a:rPr lang="en-US" dirty="0" err="1"/>
-              <a:t>informasi</a:t>
-            </a:r>
-            <a:r>
-              <a:rPr lang="en-US" dirty="0"/>
-              <a:t> </a:t>
-            </a:r>
-            <a:r>
-              <a:rPr lang="en-US" dirty="0" err="1"/>
-              <a:t>dari</a:t>
-            </a:r>
-            <a:r>
-              <a:rPr lang="en-US" dirty="0"/>
-              <a:t> </a:t>
-            </a:r>
-            <a:r>
-              <a:rPr lang="en-US" dirty="0" err="1"/>
-              <a:t>perpustakaan</a:t>
-            </a:r>
-            <a:r>
-              <a:rPr lang="en-US" dirty="0"/>
-              <a:t>.</a:t>
-            </a:r>
+              <a:t>memberi</a:t>
+            </a:r>
+            <a:r>
+              <a:rPr lang="en-US" dirty="0"/>
+              <a:t> </a:t>
+            </a:r>
+            <a:r>
+              <a:rPr lang="en-US" dirty="0" err="1"/>
+              <a:t>nama</a:t>
+            </a:r>
+            <a:r>
+              <a:rPr lang="en-US" dirty="0"/>
+              <a:t> </a:t>
+            </a:r>
+            <a:r>
+              <a:rPr lang="en-US" dirty="0" err="1"/>
+              <a:t>panggilan</a:t>
+            </a:r>
+            <a:r>
+              <a:rPr lang="en-US" dirty="0"/>
+              <a:t> </a:t>
+            </a:r>
+            <a:r>
+              <a:rPr lang="en-US" dirty="0" err="1"/>
+              <a:t>untuk</a:t>
+            </a:r>
+            <a:r>
+              <a:rPr lang="en-US" dirty="0"/>
+              <a:t> </a:t>
+            </a:r>
+            <a:r>
+              <a:rPr lang="en-US" dirty="0" err="1"/>
+              <a:t>teman</a:t>
+            </a:r>
+            <a:r>
+              <a:rPr lang="en-US" dirty="0"/>
+              <a:t> </a:t>
+            </a:r>
+            <a:r>
+              <a:rPr lang="en-US" dirty="0" err="1"/>
+              <a:t>kita</a:t>
+            </a:r>
+            <a:r>
+              <a:rPr lang="en-US" dirty="0"/>
+              <a:t>. </a:t>
+            </a:r>
+            <a:r>
+              <a:rPr lang="en-US" dirty="0" err="1"/>
+              <a:t>Misalnya</a:t>
+            </a:r>
+            <a:r>
+              <a:rPr lang="en-US" dirty="0"/>
+              <a:t>, "Robert" </a:t>
+            </a:r>
+            <a:r>
+              <a:rPr lang="en-US" dirty="0" err="1"/>
+              <a:t>menjadi</a:t>
+            </a:r>
+            <a:r>
+              <a:rPr lang="en-US" dirty="0"/>
+              <a:t> "Rob".</a:t>
+            </a:r>
+            <a:endParaRPr lang="en-US" dirty="0">
+              <a:latin typeface="Courier New" panose="02070309020205020404" pitchFamily="49" charset="0"/>
+              <a:cs typeface="Courier New" panose="02070309020205020404" pitchFamily="49" charset="0"/>
+            </a:endParaRPr>
           </a:p>
           <a:p>
             <a:pPr marL="0" indent="0">
               <a:buNone/>
             </a:pPr>
             <a:endParaRPr lang="en-US" dirty="0"/>
+          </a:p>
+        </p:txBody>
+      </p:sp>
+      <p:sp>
+        <p:nvSpPr>
+          <p:cNvPr id="4" name="Footer Placeholder 3">
+            <a:extLst>
+              <a:ext uri="{FF2B5EF4-FFF2-40B4-BE49-F238E27FC236}">
+                <a16:creationId xmlns:a16="http://schemas.microsoft.com/office/drawing/2014/main" id="{984A9A9F-6954-5B9E-380F-BADBAD75A203}"/>
+              </a:ext>
+            </a:extLst>
+          </p:cNvPr>
+          <p:cNvSpPr>
+            <a:spLocks noGrp="1"/>
+          </p:cNvSpPr>
+          <p:nvPr>
+            <p:ph type="ftr" sz="quarter" idx="11"/>
+          </p:nvPr>
+        </p:nvSpPr>
+        <p:spPr/>
+        <p:txBody>
+          <a:bodyPr/>
+          <a:lstStyle/>
+          <a:p>
+            <a:r>
+              <a:rPr lang="en-US"/>
+              <a:t>Presentasi By Candra A</a:t>
+            </a:r>
           </a:p>
         </p:txBody>
       </p:sp>
     </p:spTree>
     <p:extLst>
       <p:ext uri="{BB962C8B-B14F-4D97-AF65-F5344CB8AC3E}">
-        <p14:creationId xmlns:p14="http://schemas.microsoft.com/office/powerpoint/2010/main" val="749849759"/>
+        <p14:creationId xmlns:p14="http://schemas.microsoft.com/office/powerpoint/2010/main" val="216107356"/>
       </p:ext>
     </p:extLst>
   </p:cSld>
@@ -4652,7 +5197,7 @@
           <p:cNvPr id="2" name="Title 1">
             <a:extLst>
               <a:ext uri="{FF2B5EF4-FFF2-40B4-BE49-F238E27FC236}">
-                <a16:creationId xmlns:a16="http://schemas.microsoft.com/office/drawing/2014/main" id="{4299626E-4C2B-8814-BC74-2C33D4F520A3}"/>
+                <a16:creationId xmlns:a16="http://schemas.microsoft.com/office/drawing/2014/main" id="{D8ED27F2-F15D-795D-517A-E15FE3E31699}"/>
               </a:ext>
             </a:extLst>
           </p:cNvPr>
@@ -4670,20 +5215,17 @@
           <a:p>
             <a:r>
               <a:rPr lang="en-US" dirty="0" err="1"/>
-              <a:t>Persiapan</a:t>
-            </a:r>
-            <a:r>
-              <a:rPr lang="en-US" dirty="0"/>
-              <a:t> </a:t>
-            </a:r>
-            <a:r>
-              <a:rPr lang="en-US" dirty="0" err="1"/>
-              <a:t>Praktik</a:t>
-            </a:r>
-            <a:r>
-              <a:rPr lang="en-US" dirty="0"/>
-              <a:t> Query</a:t>
-            </a:r>
+              <a:t>Fungsi</a:t>
+            </a:r>
+            <a:r>
+              <a:rPr lang="en-US" dirty="0"/>
+              <a:t> </a:t>
+            </a:r>
+            <a:r>
+              <a:rPr lang="en-US" dirty="0" err="1"/>
+              <a:t>Agregat</a:t>
+            </a:r>
+            <a:endParaRPr lang="en-US" dirty="0"/>
           </a:p>
         </p:txBody>
       </p:sp>
@@ -4692,7 +5234,7 @@
           <p:cNvPr id="3" name="Content Placeholder 2">
             <a:extLst>
               <a:ext uri="{FF2B5EF4-FFF2-40B4-BE49-F238E27FC236}">
-                <a16:creationId xmlns:a16="http://schemas.microsoft.com/office/drawing/2014/main" id="{8EE8700D-752E-1DEE-8B56-93E1E61AB3AD}"/>
+                <a16:creationId xmlns:a16="http://schemas.microsoft.com/office/drawing/2014/main" id="{9D713D84-1EFB-8F0D-30F2-668A5103E4FF}"/>
               </a:ext>
             </a:extLst>
           </p:cNvPr>
@@ -4719,31 +5261,178 @@
               <a:rPr lang="en-US" dirty="0"/>
             </a:br>
             <a:r>
+              <a:rPr lang="en-US" dirty="0" err="1"/>
+              <a:t>Fungsi</a:t>
+            </a:r>
+            <a:r>
+              <a:rPr lang="en-US" dirty="0"/>
+              <a:t> </a:t>
+            </a:r>
+            <a:r>
+              <a:rPr lang="en-US" dirty="0" err="1"/>
+              <a:t>agregat</a:t>
+            </a:r>
+            <a:r>
+              <a:rPr lang="en-US" dirty="0"/>
+              <a:t> </a:t>
+            </a:r>
+            <a:r>
+              <a:rPr lang="en-US" dirty="0" err="1"/>
+              <a:t>digunakan</a:t>
+            </a:r>
+            <a:r>
+              <a:rPr lang="en-US" dirty="0"/>
+              <a:t> </a:t>
+            </a:r>
+            <a:r>
+              <a:rPr lang="en-US" dirty="0" err="1"/>
+              <a:t>untuk</a:t>
+            </a:r>
+            <a:r>
+              <a:rPr lang="en-US" dirty="0"/>
+              <a:t> </a:t>
+            </a:r>
+            <a:r>
+              <a:rPr lang="en-US" dirty="0" err="1"/>
+              <a:t>melakukan</a:t>
+            </a:r>
+            <a:r>
+              <a:rPr lang="en-US" dirty="0"/>
+              <a:t> </a:t>
+            </a:r>
+            <a:r>
+              <a:rPr lang="en-US" dirty="0" err="1"/>
+              <a:t>operasi</a:t>
+            </a:r>
+            <a:r>
+              <a:rPr lang="en-US" dirty="0"/>
+              <a:t> </a:t>
+            </a:r>
+            <a:r>
+              <a:rPr lang="en-US" dirty="0" err="1"/>
+              <a:t>matematis</a:t>
+            </a:r>
+            <a:r>
+              <a:rPr lang="en-US" dirty="0"/>
+              <a:t> pada data.</a:t>
+            </a:r>
+          </a:p>
+          <a:p>
+            <a:pPr marL="0" indent="0">
+              <a:buNone/>
+            </a:pPr>
+            <a:r>
+              <a:rPr lang="en-US" sz="2000" dirty="0">
+                <a:latin typeface="Courier New" panose="02070309020205020404" pitchFamily="49" charset="0"/>
+                <a:cs typeface="Courier New" panose="02070309020205020404" pitchFamily="49" charset="0"/>
+              </a:rPr>
+              <a:t>SELECT COUNT(*) FROM </a:t>
+            </a:r>
+            <a:r>
+              <a:rPr lang="en-US" sz="2000" dirty="0" err="1">
+                <a:latin typeface="Courier New" panose="02070309020205020404" pitchFamily="49" charset="0"/>
+                <a:cs typeface="Courier New" panose="02070309020205020404" pitchFamily="49" charset="0"/>
+              </a:rPr>
+              <a:t>daftar_kelas</a:t>
+            </a:r>
+            <a:r>
+              <a:rPr lang="en-US" sz="2000" dirty="0">
+                <a:latin typeface="Courier New" panose="02070309020205020404" pitchFamily="49" charset="0"/>
+                <a:cs typeface="Courier New" panose="02070309020205020404" pitchFamily="49" charset="0"/>
+              </a:rPr>
+              <a:t>;</a:t>
+            </a:r>
+          </a:p>
+          <a:p>
+            <a:pPr marL="0" indent="0">
+              <a:buNone/>
+            </a:pPr>
+            <a:r>
+              <a:rPr lang="en-US" sz="2000" dirty="0">
+                <a:latin typeface="Courier New" panose="02070309020205020404" pitchFamily="49" charset="0"/>
+                <a:cs typeface="Courier New" panose="02070309020205020404" pitchFamily="49" charset="0"/>
+              </a:rPr>
+              <a:t>SELECT AVG(</a:t>
+            </a:r>
+            <a:r>
+              <a:rPr lang="en-US" sz="2000" dirty="0" err="1">
+                <a:latin typeface="Courier New" panose="02070309020205020404" pitchFamily="49" charset="0"/>
+                <a:cs typeface="Courier New" panose="02070309020205020404" pitchFamily="49" charset="0"/>
+              </a:rPr>
+              <a:t>usia</a:t>
+            </a:r>
+            <a:r>
+              <a:rPr lang="en-US" sz="2000" dirty="0">
+                <a:latin typeface="Courier New" panose="02070309020205020404" pitchFamily="49" charset="0"/>
+                <a:cs typeface="Courier New" panose="02070309020205020404" pitchFamily="49" charset="0"/>
+              </a:rPr>
+              <a:t>) FROM </a:t>
+            </a:r>
+            <a:r>
+              <a:rPr lang="en-US" sz="2000" dirty="0" err="1">
+                <a:latin typeface="Courier New" panose="02070309020205020404" pitchFamily="49" charset="0"/>
+                <a:cs typeface="Courier New" panose="02070309020205020404" pitchFamily="49" charset="0"/>
+              </a:rPr>
+              <a:t>daftar_kelas</a:t>
+            </a:r>
+            <a:r>
+              <a:rPr lang="en-US" sz="2000" dirty="0">
+                <a:latin typeface="Courier New" panose="02070309020205020404" pitchFamily="49" charset="0"/>
+                <a:cs typeface="Courier New" panose="02070309020205020404" pitchFamily="49" charset="0"/>
+              </a:rPr>
+              <a:t>;</a:t>
+            </a:r>
+          </a:p>
+          <a:p>
+            <a:pPr marL="0" indent="0">
+              <a:buNone/>
+            </a:pPr>
+            <a:r>
               <a:rPr lang="en-US" b="1" dirty="0" err="1"/>
-              <a:t>Peralatan</a:t>
-            </a:r>
-            <a:r>
-              <a:rPr lang="en-US" b="1" dirty="0"/>
-              <a:t> yang </a:t>
-            </a:r>
-            <a:r>
-              <a:rPr lang="en-US" b="1" dirty="0" err="1"/>
-              <a:t>Diperlukan</a:t>
+              <a:t>Analogi</a:t>
             </a:r>
             <a:r>
               <a:rPr lang="en-US" b="1" dirty="0"/>
               <a:t>:</a:t>
             </a:r>
-            <a:endParaRPr lang="en-US" dirty="0"/>
-          </a:p>
-          <a:p>
-            <a:pPr>
-              <a:buFont typeface="+mj-lt"/>
-              <a:buAutoNum type="arabicPeriod"/>
-            </a:pPr>
-            <a:r>
-              <a:rPr lang="en-US" dirty="0" err="1"/>
-              <a:t>Komputer</a:t>
+            <a:br>
+              <a:rPr lang="en-US" dirty="0"/>
+            </a:br>
+            <a:r>
+              <a:rPr lang="en-US" dirty="0" err="1"/>
+              <a:t>Seperti</a:t>
+            </a:r>
+            <a:r>
+              <a:rPr lang="en-US" dirty="0"/>
+              <a:t> </a:t>
+            </a:r>
+            <a:r>
+              <a:rPr lang="en-US" dirty="0" err="1"/>
+              <a:t>menghitung</a:t>
+            </a:r>
+            <a:r>
+              <a:rPr lang="en-US" dirty="0"/>
+              <a:t> </a:t>
+            </a:r>
+            <a:r>
+              <a:rPr lang="en-US" dirty="0" err="1"/>
+              <a:t>jumlah</a:t>
+            </a:r>
+            <a:r>
+              <a:rPr lang="en-US" dirty="0"/>
+              <a:t> </a:t>
+            </a:r>
+            <a:r>
+              <a:rPr lang="en-US" dirty="0" err="1"/>
+              <a:t>buku</a:t>
+            </a:r>
+            <a:r>
+              <a:rPr lang="en-US" dirty="0"/>
+              <a:t> di </a:t>
+            </a:r>
+            <a:r>
+              <a:rPr lang="en-US" dirty="0" err="1"/>
+              <a:t>perpustakaan</a:t>
             </a:r>
             <a:r>
               <a:rPr lang="en-US" dirty="0"/>
@@ -4755,147 +5444,75 @@
             </a:r>
             <a:r>
               <a:rPr lang="en-US" dirty="0"/>
-              <a:t> Laptop</a:t>
-            </a:r>
-          </a:p>
-          <a:p>
-            <a:pPr>
-              <a:buFont typeface="+mj-lt"/>
-              <a:buAutoNum type="arabicPeriod"/>
-            </a:pPr>
-            <a:r>
-              <a:rPr lang="en-US" dirty="0" err="1"/>
-              <a:t>Akses</a:t>
-            </a:r>
-            <a:r>
-              <a:rPr lang="en-US" dirty="0"/>
-              <a:t> </a:t>
-            </a:r>
-            <a:r>
-              <a:rPr lang="en-US" dirty="0" err="1"/>
-              <a:t>ke</a:t>
-            </a:r>
-            <a:r>
-              <a:rPr lang="en-US" dirty="0"/>
-              <a:t> database online </a:t>
-            </a:r>
-            <a:r>
-              <a:rPr lang="en-US" dirty="0" err="1"/>
-              <a:t>seperti</a:t>
-            </a:r>
-            <a:r>
-              <a:rPr lang="en-US" dirty="0"/>
-              <a:t> </a:t>
-            </a:r>
-            <a:r>
-              <a:rPr lang="en-US" dirty="0">
-                <a:hlinkClick r:id="rId2"/>
-              </a:rPr>
-              <a:t>SQL Fiddle</a:t>
-            </a:r>
-            <a:r>
-              <a:rPr lang="en-US" dirty="0"/>
-              <a:t> https://sqlfiddle.com/</a:t>
-            </a:r>
-          </a:p>
-          <a:p>
-            <a:pPr>
-              <a:buFont typeface="+mj-lt"/>
-              <a:buAutoNum type="arabicPeriod"/>
-            </a:pPr>
-            <a:r>
-              <a:rPr lang="en-US" dirty="0" err="1"/>
-              <a:t>Koneksi</a:t>
-            </a:r>
-            <a:r>
-              <a:rPr lang="en-US" dirty="0"/>
-              <a:t> Internet</a:t>
-            </a:r>
-          </a:p>
-          <a:p>
-            <a:pPr marL="0" indent="0">
-              <a:buNone/>
-            </a:pPr>
-            <a:r>
-              <a:rPr lang="en-US" b="1" dirty="0" err="1"/>
-              <a:t>Analogi</a:t>
-            </a:r>
-            <a:r>
-              <a:rPr lang="en-US" b="1" dirty="0"/>
-              <a:t>:</a:t>
-            </a:r>
-            <a:br>
-              <a:rPr lang="en-US" dirty="0"/>
-            </a:br>
-            <a:r>
-              <a:rPr lang="en-US" dirty="0" err="1"/>
-              <a:t>Seperti</a:t>
-            </a:r>
-            <a:r>
-              <a:rPr lang="en-US" dirty="0"/>
-              <a:t> </a:t>
-            </a:r>
-            <a:r>
-              <a:rPr lang="en-US" dirty="0" err="1"/>
-              <a:t>mempersiapkan</a:t>
-            </a:r>
-            <a:r>
-              <a:rPr lang="en-US" dirty="0"/>
-              <a:t> </a:t>
-            </a:r>
-            <a:r>
-              <a:rPr lang="en-US" dirty="0" err="1"/>
-              <a:t>alat</a:t>
-            </a:r>
-            <a:r>
-              <a:rPr lang="en-US" dirty="0"/>
-              <a:t> </a:t>
-            </a:r>
-            <a:r>
-              <a:rPr lang="en-US" dirty="0" err="1"/>
-              <a:t>tulis</a:t>
-            </a:r>
-            <a:r>
-              <a:rPr lang="en-US" dirty="0"/>
-              <a:t> dan </a:t>
-            </a:r>
-            <a:r>
-              <a:rPr lang="en-US" dirty="0" err="1"/>
-              <a:t>buku</a:t>
-            </a:r>
-            <a:r>
-              <a:rPr lang="en-US" dirty="0"/>
-              <a:t> </a:t>
-            </a:r>
-            <a:r>
-              <a:rPr lang="en-US" dirty="0" err="1"/>
-              <a:t>sebelum</a:t>
-            </a:r>
-            <a:r>
-              <a:rPr lang="en-US" dirty="0"/>
-              <a:t> </a:t>
-            </a:r>
-            <a:r>
-              <a:rPr lang="en-US" dirty="0" err="1"/>
-              <a:t>belajar</a:t>
+              <a:t> </a:t>
+            </a:r>
+            <a:r>
+              <a:rPr lang="en-US" dirty="0" err="1"/>
+              <a:t>menghitung</a:t>
+            </a:r>
+            <a:r>
+              <a:rPr lang="en-US" dirty="0"/>
+              <a:t> rata-rata </a:t>
+            </a:r>
+            <a:r>
+              <a:rPr lang="en-US" dirty="0" err="1"/>
+              <a:t>umur</a:t>
+            </a:r>
+            <a:r>
+              <a:rPr lang="en-US" dirty="0"/>
+              <a:t> </a:t>
+            </a:r>
+            <a:r>
+              <a:rPr lang="en-US" dirty="0" err="1"/>
+              <a:t>anak-anak</a:t>
+            </a:r>
+            <a:r>
+              <a:rPr lang="en-US" dirty="0"/>
+              <a:t> di </a:t>
+            </a:r>
+            <a:r>
+              <a:rPr lang="en-US" dirty="0" err="1"/>
+              <a:t>kelas</a:t>
             </a:r>
             <a:r>
               <a:rPr lang="en-US" dirty="0"/>
               <a:t>.</a:t>
             </a:r>
           </a:p>
-          <a:p>
-            <a:pPr marL="0" indent="0">
-              <a:buNone/>
-            </a:pPr>
-            <a:endParaRPr lang="en-US" dirty="0"/>
+        </p:txBody>
+      </p:sp>
+      <p:sp>
+        <p:nvSpPr>
+          <p:cNvPr id="4" name="Footer Placeholder 3">
+            <a:extLst>
+              <a:ext uri="{FF2B5EF4-FFF2-40B4-BE49-F238E27FC236}">
+                <a16:creationId xmlns:a16="http://schemas.microsoft.com/office/drawing/2014/main" id="{F99187CB-BCC5-D5FD-4023-6FCB0EFBAC00}"/>
+              </a:ext>
+            </a:extLst>
+          </p:cNvPr>
+          <p:cNvSpPr>
+            <a:spLocks noGrp="1"/>
+          </p:cNvSpPr>
+          <p:nvPr>
+            <p:ph type="ftr" sz="quarter" idx="11"/>
+          </p:nvPr>
+        </p:nvSpPr>
+        <p:spPr/>
+        <p:txBody>
+          <a:bodyPr/>
+          <a:lstStyle/>
+          <a:p>
+            <a:r>
+              <a:rPr lang="en-US"/>
+              <a:t>Presentasi By Candra A</a:t>
+            </a:r>
           </a:p>
         </p:txBody>
       </p:sp>
     </p:spTree>
     <p:extLst>
       <p:ext uri="{BB962C8B-B14F-4D97-AF65-F5344CB8AC3E}">
-        <p14:creationId xmlns:p14="http://schemas.microsoft.com/office/powerpoint/2010/main" val="684185534"/>
+        <p14:creationId xmlns:p14="http://schemas.microsoft.com/office/powerpoint/2010/main" val="1469305316"/>
       </p:ext>
     </p:extLst>
   </p:cSld>
@@ -4924,10 +5541,38 @@
       </p:grpSpPr>
       <p:sp>
         <p:nvSpPr>
+          <p:cNvPr id="2" name="Title 1">
+            <a:extLst>
+              <a:ext uri="{FF2B5EF4-FFF2-40B4-BE49-F238E27FC236}">
+                <a16:creationId xmlns:a16="http://schemas.microsoft.com/office/drawing/2014/main" id="{93CBABD1-A0BB-C748-84FE-9D4759DD1F81}"/>
+              </a:ext>
+            </a:extLst>
+          </p:cNvPr>
+          <p:cNvSpPr>
+            <a:spLocks noGrp="1"/>
+          </p:cNvSpPr>
+          <p:nvPr>
+            <p:ph type="title"/>
+          </p:nvPr>
+        </p:nvSpPr>
+        <p:spPr/>
+        <p:txBody>
+          <a:bodyPr/>
+          <a:lstStyle/>
+          <a:p>
+            <a:r>
+              <a:rPr lang="en-US" dirty="0"/>
+              <a:t>Order by	</a:t>
+            </a:r>
+          </a:p>
+        </p:txBody>
+      </p:sp>
+      <p:sp>
+        <p:nvSpPr>
           <p:cNvPr id="3" name="Content Placeholder 2">
             <a:extLst>
               <a:ext uri="{FF2B5EF4-FFF2-40B4-BE49-F238E27FC236}">
-                <a16:creationId xmlns:a16="http://schemas.microsoft.com/office/drawing/2014/main" id="{D3D61696-3BF0-4CF9-2817-1E3127DBB06B}"/>
+                <a16:creationId xmlns:a16="http://schemas.microsoft.com/office/drawing/2014/main" id="{A79FB509-AFC1-C38C-7876-03684AB1B614}"/>
               </a:ext>
             </a:extLst>
           </p:cNvPr>
@@ -4938,738 +5583,274 @@
             <p:ph idx="1"/>
           </p:nvPr>
         </p:nvSpPr>
-        <p:spPr>
-          <a:xfrm>
-            <a:off x="838200" y="539496"/>
-            <a:ext cx="10515600" cy="5637467"/>
-          </a:xfrm>
-        </p:spPr>
-        <p:txBody>
-          <a:bodyPr>
-            <a:normAutofit fontScale="92500" lnSpcReduction="20000"/>
-          </a:bodyPr>
+        <p:spPr/>
+        <p:txBody>
+          <a:bodyPr/>
           <a:lstStyle/>
           <a:p>
             <a:pPr marL="0" indent="0">
               <a:buNone/>
             </a:pPr>
             <a:r>
-              <a:rPr lang="en-US" sz="1600" b="1" dirty="0" err="1"/>
-              <a:t>Buat</a:t>
-            </a:r>
-            <a:r>
-              <a:rPr lang="en-US" sz="1600" b="1" dirty="0"/>
-              <a:t> Database dan </a:t>
-            </a:r>
-            <a:r>
-              <a:rPr lang="en-US" sz="1600" b="1" dirty="0" err="1"/>
-              <a:t>Tabel</a:t>
+              <a:rPr lang="en-US" b="1" dirty="0"/>
+              <a:t>Content:</a:t>
             </a:r>
             <a:br>
-              <a:rPr lang="en-US" sz="1600" dirty="0"/>
+              <a:rPr lang="en-US" dirty="0"/>
             </a:br>
             <a:r>
-              <a:rPr lang="en-US" sz="1600" dirty="0" err="1"/>
-              <a:t>Buat</a:t>
-            </a:r>
-            <a:r>
-              <a:rPr lang="en-US" sz="1600" dirty="0"/>
-              <a:t> database </a:t>
-            </a:r>
-            <a:r>
-              <a:rPr lang="en-US" sz="1600" dirty="0" err="1"/>
-              <a:t>baru</a:t>
-            </a:r>
-            <a:r>
-              <a:rPr lang="en-US" sz="1600" dirty="0"/>
-              <a:t> dan </a:t>
-            </a:r>
-            <a:r>
-              <a:rPr lang="en-US" sz="1600" dirty="0" err="1"/>
-              <a:t>tabel</a:t>
-            </a:r>
-            <a:r>
-              <a:rPr lang="en-US" sz="1600" dirty="0"/>
-              <a:t> '</a:t>
-            </a:r>
-            <a:r>
-              <a:rPr lang="en-US" sz="1600" dirty="0" err="1"/>
+              <a:rPr lang="en-US" dirty="0"/>
+              <a:t>Order By </a:t>
+            </a:r>
+            <a:r>
+              <a:rPr lang="en-US" dirty="0" err="1"/>
+              <a:t>digunakan</a:t>
+            </a:r>
+            <a:r>
+              <a:rPr lang="en-US" dirty="0"/>
+              <a:t> </a:t>
+            </a:r>
+            <a:r>
+              <a:rPr lang="en-US" dirty="0" err="1"/>
+              <a:t>untuk</a:t>
+            </a:r>
+            <a:r>
+              <a:rPr lang="en-US" dirty="0"/>
+              <a:t> </a:t>
+            </a:r>
+            <a:r>
+              <a:rPr lang="en-US" dirty="0" err="1"/>
+              <a:t>mengurutkan</a:t>
+            </a:r>
+            <a:r>
+              <a:rPr lang="en-US" dirty="0"/>
+              <a:t> data.</a:t>
+            </a:r>
+          </a:p>
+          <a:p>
+            <a:pPr marL="0" indent="0">
+              <a:buNone/>
+            </a:pPr>
+            <a:r>
+              <a:rPr lang="en-US" b="1" dirty="0" err="1"/>
+              <a:t>Contoh</a:t>
+            </a:r>
+            <a:r>
+              <a:rPr lang="en-US" b="1" dirty="0"/>
+              <a:t>:</a:t>
+            </a:r>
+            <a:endParaRPr lang="en-US" dirty="0"/>
+          </a:p>
+          <a:p>
+            <a:r>
+              <a:rPr lang="en-US" dirty="0" err="1"/>
+              <a:t>Mengurutkan</a:t>
+            </a:r>
+            <a:r>
+              <a:rPr lang="en-US" dirty="0"/>
+              <a:t> </a:t>
+            </a:r>
+            <a:r>
+              <a:rPr lang="en-US" dirty="0" err="1"/>
+              <a:t>nama</a:t>
+            </a:r>
+            <a:r>
+              <a:rPr lang="en-US" dirty="0"/>
+              <a:t> </a:t>
+            </a:r>
+            <a:r>
+              <a:rPr lang="en-US" dirty="0" err="1"/>
+              <a:t>teman</a:t>
+            </a:r>
+            <a:r>
+              <a:rPr lang="en-US" dirty="0"/>
+              <a:t> </a:t>
+            </a:r>
+            <a:r>
+              <a:rPr lang="en-US" dirty="0" err="1"/>
+              <a:t>berdasarkan</a:t>
+            </a:r>
+            <a:r>
+              <a:rPr lang="en-US" dirty="0"/>
+              <a:t> </a:t>
+            </a:r>
+            <a:r>
+              <a:rPr lang="en-US" dirty="0" err="1"/>
+              <a:t>usia</a:t>
+            </a:r>
+            <a:r>
+              <a:rPr lang="en-US" dirty="0"/>
+              <a:t>:</a:t>
+            </a:r>
+          </a:p>
+          <a:p>
+            <a:pPr marL="0" indent="0">
+              <a:buNone/>
+            </a:pPr>
+            <a:r>
+              <a:rPr lang="en-US" sz="2000" dirty="0">
+                <a:latin typeface="Courier New" panose="02070309020205020404" pitchFamily="49" charset="0"/>
+                <a:cs typeface="Courier New" panose="02070309020205020404" pitchFamily="49" charset="0"/>
+              </a:rPr>
+              <a:t>SELECT </a:t>
+            </a:r>
+            <a:r>
+              <a:rPr lang="en-US" sz="2000" dirty="0" err="1">
+                <a:latin typeface="Courier New" panose="02070309020205020404" pitchFamily="49" charset="0"/>
+                <a:cs typeface="Courier New" panose="02070309020205020404" pitchFamily="49" charset="0"/>
+              </a:rPr>
+              <a:t>nama</a:t>
+            </a:r>
+            <a:r>
+              <a:rPr lang="en-US" sz="2000" dirty="0">
+                <a:latin typeface="Courier New" panose="02070309020205020404" pitchFamily="49" charset="0"/>
+                <a:cs typeface="Courier New" panose="02070309020205020404" pitchFamily="49" charset="0"/>
+              </a:rPr>
+              <a:t> FROM </a:t>
+            </a:r>
+            <a:r>
+              <a:rPr lang="en-US" sz="2000" dirty="0" err="1">
+                <a:latin typeface="Courier New" panose="02070309020205020404" pitchFamily="49" charset="0"/>
+                <a:cs typeface="Courier New" panose="02070309020205020404" pitchFamily="49" charset="0"/>
+              </a:rPr>
               <a:t>daftar_kelas</a:t>
             </a:r>
             <a:r>
-              <a:rPr lang="en-US" sz="1600" dirty="0"/>
-              <a:t>' </a:t>
-            </a:r>
-            <a:r>
-              <a:rPr lang="en-US" sz="1600" dirty="0" err="1"/>
-              <a:t>dengan</a:t>
-            </a:r>
-            <a:r>
-              <a:rPr lang="en-US" sz="1600" dirty="0"/>
-              <a:t> </a:t>
-            </a:r>
-            <a:r>
-              <a:rPr lang="en-US" sz="1600" dirty="0" err="1"/>
-              <a:t>kolom-kolom</a:t>
-            </a:r>
-            <a:r>
-              <a:rPr lang="en-US" sz="1600" dirty="0"/>
-              <a:t> </a:t>
-            </a:r>
-            <a:r>
-              <a:rPr lang="en-US" sz="1600" dirty="0" err="1"/>
-              <a:t>seperti</a:t>
-            </a:r>
-            <a:r>
-              <a:rPr lang="en-US" sz="1600" dirty="0"/>
-              <a:t> '</a:t>
-            </a:r>
-            <a:r>
-              <a:rPr lang="en-US" sz="1600" dirty="0" err="1"/>
-              <a:t>nama</a:t>
-            </a:r>
-            <a:r>
-              <a:rPr lang="en-US" sz="1600" dirty="0"/>
-              <a:t>', '</a:t>
-            </a:r>
-            <a:r>
-              <a:rPr lang="en-US" sz="1600" dirty="0" err="1"/>
+              <a:rPr lang="en-US" sz="2000" dirty="0">
+                <a:latin typeface="Courier New" panose="02070309020205020404" pitchFamily="49" charset="0"/>
+                <a:cs typeface="Courier New" panose="02070309020205020404" pitchFamily="49" charset="0"/>
+              </a:rPr>
+              <a:t> ORDER BY </a:t>
+            </a:r>
+            <a:r>
+              <a:rPr lang="en-US" sz="2000" dirty="0" err="1">
+                <a:latin typeface="Courier New" panose="02070309020205020404" pitchFamily="49" charset="0"/>
+                <a:cs typeface="Courier New" panose="02070309020205020404" pitchFamily="49" charset="0"/>
+              </a:rPr>
               <a:t>usia</a:t>
             </a:r>
             <a:r>
-              <a:rPr lang="en-US" sz="1600" dirty="0"/>
-              <a:t>', '</a:t>
-            </a:r>
-            <a:r>
-              <a:rPr lang="en-US" sz="1600" dirty="0" err="1"/>
-              <a:t>hobi</a:t>
-            </a:r>
-            <a:r>
-              <a:rPr lang="en-US" sz="1600" dirty="0"/>
-              <a:t>', '</a:t>
-            </a:r>
-            <a:r>
-              <a:rPr lang="en-US" sz="1600" dirty="0" err="1"/>
-              <a:t>warna_favorit</a:t>
-            </a:r>
-            <a:r>
-              <a:rPr lang="en-US" sz="1600" dirty="0"/>
-              <a:t>', '</a:t>
-            </a:r>
-            <a:r>
-              <a:rPr lang="en-US" sz="1600" dirty="0" err="1"/>
-              <a:t>kota</a:t>
-            </a:r>
-            <a:r>
-              <a:rPr lang="en-US" sz="1600" dirty="0"/>
-              <a:t>’.</a:t>
+              <a:rPr lang="en-US" sz="2000" dirty="0">
+                <a:latin typeface="Courier New" panose="02070309020205020404" pitchFamily="49" charset="0"/>
+                <a:cs typeface="Courier New" panose="02070309020205020404" pitchFamily="49" charset="0"/>
+              </a:rPr>
+              <a:t>;</a:t>
             </a:r>
           </a:p>
           <a:p>
             <a:pPr marL="0" indent="0">
               <a:buNone/>
             </a:pPr>
-            <a:endParaRPr lang="en-US" sz="1600" dirty="0"/>
-          </a:p>
-          <a:p>
-            <a:pPr marL="0" indent="0">
-              <a:buNone/>
-            </a:pPr>
-            <a:r>
-              <a:rPr lang="en-US" sz="1600" dirty="0">
-                <a:latin typeface="Courier New" panose="02070309020205020404" pitchFamily="49" charset="0"/>
-                <a:cs typeface="Courier New" panose="02070309020205020404" pitchFamily="49" charset="0"/>
-              </a:rPr>
-              <a:t>CREATE TABLE </a:t>
-            </a:r>
-            <a:r>
-              <a:rPr lang="en-US" sz="1600" dirty="0" err="1">
-                <a:latin typeface="Courier New" panose="02070309020205020404" pitchFamily="49" charset="0"/>
-                <a:cs typeface="Courier New" panose="02070309020205020404" pitchFamily="49" charset="0"/>
-              </a:rPr>
-              <a:t>daftar_kelas</a:t>
-            </a:r>
-            <a:r>
-              <a:rPr lang="en-US" sz="1600" dirty="0">
-                <a:latin typeface="Courier New" panose="02070309020205020404" pitchFamily="49" charset="0"/>
-                <a:cs typeface="Courier New" panose="02070309020205020404" pitchFamily="49" charset="0"/>
-              </a:rPr>
-              <a:t> (</a:t>
-            </a:r>
-          </a:p>
-          <a:p>
-            <a:pPr marL="0" indent="0">
-              <a:buNone/>
-            </a:pPr>
-            <a:r>
-              <a:rPr lang="en-US" sz="1600" dirty="0">
-                <a:latin typeface="Courier New" panose="02070309020205020404" pitchFamily="49" charset="0"/>
-                <a:cs typeface="Courier New" panose="02070309020205020404" pitchFamily="49" charset="0"/>
-              </a:rPr>
-              <a:t>  </a:t>
-            </a:r>
-            <a:r>
-              <a:rPr lang="en-US" sz="1600" dirty="0" err="1">
-                <a:latin typeface="Courier New" panose="02070309020205020404" pitchFamily="49" charset="0"/>
-                <a:cs typeface="Courier New" panose="02070309020205020404" pitchFamily="49" charset="0"/>
-              </a:rPr>
-              <a:t>nama</a:t>
-            </a:r>
-            <a:r>
-              <a:rPr lang="en-US" sz="1600" dirty="0">
-                <a:latin typeface="Courier New" panose="02070309020205020404" pitchFamily="49" charset="0"/>
-                <a:cs typeface="Courier New" panose="02070309020205020404" pitchFamily="49" charset="0"/>
-              </a:rPr>
-              <a:t> VARCHAR(50),</a:t>
-            </a:r>
-          </a:p>
-          <a:p>
-            <a:pPr marL="0" indent="0">
-              <a:buNone/>
-            </a:pPr>
-            <a:r>
-              <a:rPr lang="en-US" sz="1600" dirty="0">
-                <a:latin typeface="Courier New" panose="02070309020205020404" pitchFamily="49" charset="0"/>
-                <a:cs typeface="Courier New" panose="02070309020205020404" pitchFamily="49" charset="0"/>
-              </a:rPr>
-              <a:t>  </a:t>
-            </a:r>
-            <a:r>
-              <a:rPr lang="en-US" sz="1600" dirty="0" err="1">
-                <a:latin typeface="Courier New" panose="02070309020205020404" pitchFamily="49" charset="0"/>
-                <a:cs typeface="Courier New" panose="02070309020205020404" pitchFamily="49" charset="0"/>
-              </a:rPr>
-              <a:t>usia</a:t>
-            </a:r>
-            <a:r>
-              <a:rPr lang="en-US" sz="1600" dirty="0">
-                <a:latin typeface="Courier New" panose="02070309020205020404" pitchFamily="49" charset="0"/>
-                <a:cs typeface="Courier New" panose="02070309020205020404" pitchFamily="49" charset="0"/>
-              </a:rPr>
-              <a:t> INT,</a:t>
-            </a:r>
-          </a:p>
-          <a:p>
-            <a:pPr marL="0" indent="0">
-              <a:buNone/>
-            </a:pPr>
-            <a:r>
-              <a:rPr lang="en-US" sz="1600" dirty="0">
-                <a:latin typeface="Courier New" panose="02070309020205020404" pitchFamily="49" charset="0"/>
-                <a:cs typeface="Courier New" panose="02070309020205020404" pitchFamily="49" charset="0"/>
-              </a:rPr>
-              <a:t>  </a:t>
-            </a:r>
-            <a:r>
-              <a:rPr lang="en-US" sz="1600" dirty="0" err="1">
-                <a:latin typeface="Courier New" panose="02070309020205020404" pitchFamily="49" charset="0"/>
-                <a:cs typeface="Courier New" panose="02070309020205020404" pitchFamily="49" charset="0"/>
-              </a:rPr>
-              <a:t>hobi</a:t>
-            </a:r>
-            <a:r>
-              <a:rPr lang="en-US" sz="1600" dirty="0">
-                <a:latin typeface="Courier New" panose="02070309020205020404" pitchFamily="49" charset="0"/>
-                <a:cs typeface="Courier New" panose="02070309020205020404" pitchFamily="49" charset="0"/>
-              </a:rPr>
-              <a:t> VARCHAR(50),</a:t>
-            </a:r>
-          </a:p>
-          <a:p>
-            <a:pPr marL="0" indent="0">
-              <a:buNone/>
-            </a:pPr>
-            <a:r>
-              <a:rPr lang="en-US" sz="1600" dirty="0">
-                <a:latin typeface="Courier New" panose="02070309020205020404" pitchFamily="49" charset="0"/>
-                <a:cs typeface="Courier New" panose="02070309020205020404" pitchFamily="49" charset="0"/>
-              </a:rPr>
-              <a:t>  </a:t>
-            </a:r>
-            <a:r>
-              <a:rPr lang="en-US" sz="1600" dirty="0" err="1">
-                <a:latin typeface="Courier New" panose="02070309020205020404" pitchFamily="49" charset="0"/>
-                <a:cs typeface="Courier New" panose="02070309020205020404" pitchFamily="49" charset="0"/>
-              </a:rPr>
-              <a:t>warna_favorit</a:t>
-            </a:r>
-            <a:r>
-              <a:rPr lang="en-US" sz="1600" dirty="0">
-                <a:latin typeface="Courier New" panose="02070309020205020404" pitchFamily="49" charset="0"/>
-                <a:cs typeface="Courier New" panose="02070309020205020404" pitchFamily="49" charset="0"/>
-              </a:rPr>
-              <a:t> VARCHAR(50),</a:t>
-            </a:r>
-          </a:p>
-          <a:p>
-            <a:pPr marL="0" indent="0">
-              <a:buNone/>
-            </a:pPr>
-            <a:r>
-              <a:rPr lang="en-US" sz="1600" dirty="0">
-                <a:latin typeface="Courier New" panose="02070309020205020404" pitchFamily="49" charset="0"/>
-                <a:cs typeface="Courier New" panose="02070309020205020404" pitchFamily="49" charset="0"/>
-              </a:rPr>
-              <a:t>  </a:t>
-            </a:r>
-            <a:r>
-              <a:rPr lang="en-US" sz="1600" dirty="0" err="1">
-                <a:latin typeface="Courier New" panose="02070309020205020404" pitchFamily="49" charset="0"/>
-                <a:cs typeface="Courier New" panose="02070309020205020404" pitchFamily="49" charset="0"/>
-              </a:rPr>
-              <a:t>kota</a:t>
-            </a:r>
-            <a:r>
-              <a:rPr lang="en-US" sz="1600" dirty="0">
-                <a:latin typeface="Courier New" panose="02070309020205020404" pitchFamily="49" charset="0"/>
-                <a:cs typeface="Courier New" panose="02070309020205020404" pitchFamily="49" charset="0"/>
-              </a:rPr>
-              <a:t> VARCHAR(50)</a:t>
-            </a:r>
-          </a:p>
-          <a:p>
-            <a:pPr marL="0" indent="0">
-              <a:buNone/>
-            </a:pPr>
-            <a:r>
-              <a:rPr lang="en-US" sz="1600" dirty="0">
-                <a:latin typeface="Courier New" panose="02070309020205020404" pitchFamily="49" charset="0"/>
-                <a:cs typeface="Courier New" panose="02070309020205020404" pitchFamily="49" charset="0"/>
-              </a:rPr>
-              <a:t>);</a:t>
-            </a:r>
-          </a:p>
-          <a:p>
-            <a:pPr marL="0" indent="0">
-              <a:buNone/>
-            </a:pPr>
-            <a:r>
-              <a:rPr lang="en-US" sz="1600" b="1" dirty="0"/>
-              <a:t>Masukkan Data</a:t>
+            <a:r>
+              <a:rPr lang="en-US" b="1" dirty="0" err="1"/>
+              <a:t>Analogi</a:t>
+            </a:r>
+            <a:r>
+              <a:rPr lang="en-US" b="1" dirty="0"/>
+              <a:t>:</a:t>
             </a:r>
             <a:br>
-              <a:rPr lang="en-US" sz="1600" dirty="0"/>
+              <a:rPr lang="en-US" dirty="0"/>
             </a:br>
             <a:r>
-              <a:rPr lang="en-US" sz="1600" dirty="0"/>
-              <a:t>Masukkan </a:t>
-            </a:r>
-            <a:r>
-              <a:rPr lang="en-US" sz="1600" dirty="0" err="1"/>
-              <a:t>beberapa</a:t>
-            </a:r>
-            <a:r>
-              <a:rPr lang="en-US" sz="1600" dirty="0"/>
-              <a:t> data </a:t>
-            </a:r>
-            <a:r>
-              <a:rPr lang="en-US" sz="1600" dirty="0" err="1"/>
-              <a:t>contoh</a:t>
-            </a:r>
-            <a:r>
-              <a:rPr lang="en-US" sz="1600" dirty="0"/>
-              <a:t> </a:t>
-            </a:r>
-            <a:r>
-              <a:rPr lang="en-US" sz="1600" dirty="0" err="1"/>
-              <a:t>ke</a:t>
-            </a:r>
-            <a:r>
-              <a:rPr lang="en-US" sz="1600" dirty="0"/>
-              <a:t> </a:t>
-            </a:r>
-            <a:r>
-              <a:rPr lang="en-US" sz="1600" dirty="0" err="1"/>
-              <a:t>dalam</a:t>
-            </a:r>
-            <a:r>
-              <a:rPr lang="en-US" sz="1600" dirty="0"/>
-              <a:t> </a:t>
-            </a:r>
-            <a:r>
-              <a:rPr lang="en-US" sz="1600" dirty="0" err="1"/>
-              <a:t>tabel</a:t>
-            </a:r>
-            <a:r>
-              <a:rPr lang="en-US" sz="1600" dirty="0"/>
-              <a:t> '</a:t>
-            </a:r>
-            <a:r>
-              <a:rPr lang="en-US" sz="1600" dirty="0" err="1"/>
-              <a:t>daftar_kelas</a:t>
-            </a:r>
-            <a:r>
-              <a:rPr lang="en-US" sz="1600" dirty="0"/>
-              <a:t>’.</a:t>
-            </a:r>
-          </a:p>
-          <a:p>
-            <a:pPr marL="0" indent="0">
-              <a:buNone/>
-            </a:pPr>
-            <a:r>
-              <a:rPr lang="en-US" sz="1600" dirty="0">
-                <a:latin typeface="Courier New" panose="02070309020205020404" pitchFamily="49" charset="0"/>
-                <a:cs typeface="Courier New" panose="02070309020205020404" pitchFamily="49" charset="0"/>
-              </a:rPr>
-              <a:t>INSERT INTO </a:t>
-            </a:r>
-            <a:r>
-              <a:rPr lang="en-US" sz="1600" dirty="0" err="1">
-                <a:latin typeface="Courier New" panose="02070309020205020404" pitchFamily="49" charset="0"/>
-                <a:cs typeface="Courier New" panose="02070309020205020404" pitchFamily="49" charset="0"/>
-              </a:rPr>
-              <a:t>daftar_kelas</a:t>
-            </a:r>
-            <a:r>
-              <a:rPr lang="en-US" sz="1600" dirty="0">
-                <a:latin typeface="Courier New" panose="02070309020205020404" pitchFamily="49" charset="0"/>
-                <a:cs typeface="Courier New" panose="02070309020205020404" pitchFamily="49" charset="0"/>
-              </a:rPr>
-              <a:t> (</a:t>
-            </a:r>
-            <a:r>
-              <a:rPr lang="en-US" sz="1600" dirty="0" err="1">
-                <a:latin typeface="Courier New" panose="02070309020205020404" pitchFamily="49" charset="0"/>
-                <a:cs typeface="Courier New" panose="02070309020205020404" pitchFamily="49" charset="0"/>
-              </a:rPr>
-              <a:t>nama</a:t>
-            </a:r>
-            <a:r>
-              <a:rPr lang="en-US" sz="1600" dirty="0">
-                <a:latin typeface="Courier New" panose="02070309020205020404" pitchFamily="49" charset="0"/>
-                <a:cs typeface="Courier New" panose="02070309020205020404" pitchFamily="49" charset="0"/>
-              </a:rPr>
-              <a:t>, </a:t>
-            </a:r>
-            <a:r>
-              <a:rPr lang="en-US" sz="1600" dirty="0" err="1">
-                <a:latin typeface="Courier New" panose="02070309020205020404" pitchFamily="49" charset="0"/>
-                <a:cs typeface="Courier New" panose="02070309020205020404" pitchFamily="49" charset="0"/>
-              </a:rPr>
-              <a:t>usia</a:t>
-            </a:r>
-            <a:r>
-              <a:rPr lang="en-US" sz="1600" dirty="0">
-                <a:latin typeface="Courier New" panose="02070309020205020404" pitchFamily="49" charset="0"/>
-                <a:cs typeface="Courier New" panose="02070309020205020404" pitchFamily="49" charset="0"/>
-              </a:rPr>
-              <a:t>, </a:t>
-            </a:r>
-            <a:r>
-              <a:rPr lang="en-US" sz="1600" dirty="0" err="1">
-                <a:latin typeface="Courier New" panose="02070309020205020404" pitchFamily="49" charset="0"/>
-                <a:cs typeface="Courier New" panose="02070309020205020404" pitchFamily="49" charset="0"/>
-              </a:rPr>
-              <a:t>hobi</a:t>
-            </a:r>
-            <a:r>
-              <a:rPr lang="en-US" sz="1600" dirty="0">
-                <a:latin typeface="Courier New" panose="02070309020205020404" pitchFamily="49" charset="0"/>
-                <a:cs typeface="Courier New" panose="02070309020205020404" pitchFamily="49" charset="0"/>
-              </a:rPr>
-              <a:t>, </a:t>
-            </a:r>
-            <a:r>
-              <a:rPr lang="en-US" sz="1600" dirty="0" err="1">
-                <a:latin typeface="Courier New" panose="02070309020205020404" pitchFamily="49" charset="0"/>
-                <a:cs typeface="Courier New" panose="02070309020205020404" pitchFamily="49" charset="0"/>
-              </a:rPr>
-              <a:t>warna_favorit</a:t>
-            </a:r>
-            <a:r>
-              <a:rPr lang="en-US" sz="1600" dirty="0">
-                <a:latin typeface="Courier New" panose="02070309020205020404" pitchFamily="49" charset="0"/>
-                <a:cs typeface="Courier New" panose="02070309020205020404" pitchFamily="49" charset="0"/>
-              </a:rPr>
-              <a:t>, </a:t>
-            </a:r>
-            <a:r>
-              <a:rPr lang="en-US" sz="1600" dirty="0" err="1">
-                <a:latin typeface="Courier New" panose="02070309020205020404" pitchFamily="49" charset="0"/>
-                <a:cs typeface="Courier New" panose="02070309020205020404" pitchFamily="49" charset="0"/>
-              </a:rPr>
-              <a:t>kota</a:t>
-            </a:r>
-            <a:r>
-              <a:rPr lang="en-US" sz="1600" dirty="0">
-                <a:latin typeface="Courier New" panose="02070309020205020404" pitchFamily="49" charset="0"/>
-                <a:cs typeface="Courier New" panose="02070309020205020404" pitchFamily="49" charset="0"/>
-              </a:rPr>
-              <a:t>)</a:t>
-            </a:r>
-          </a:p>
-          <a:p>
-            <a:pPr marL="0" indent="0">
-              <a:buNone/>
-            </a:pPr>
-            <a:r>
-              <a:rPr lang="en-US" sz="1600" dirty="0">
-                <a:latin typeface="Courier New" panose="02070309020205020404" pitchFamily="49" charset="0"/>
-                <a:cs typeface="Courier New" panose="02070309020205020404" pitchFamily="49" charset="0"/>
-              </a:rPr>
-              <a:t>VALUES </a:t>
-            </a:r>
-          </a:p>
-          <a:p>
-            <a:pPr marL="0" indent="0">
-              <a:buNone/>
-            </a:pPr>
-            <a:r>
-              <a:rPr lang="en-US" sz="1600" dirty="0">
-                <a:latin typeface="Courier New" panose="02070309020205020404" pitchFamily="49" charset="0"/>
-                <a:cs typeface="Courier New" panose="02070309020205020404" pitchFamily="49" charset="0"/>
-              </a:rPr>
-              <a:t>('Ali', 10, '</a:t>
-            </a:r>
-            <a:r>
-              <a:rPr lang="en-US" sz="1600" dirty="0" err="1">
-                <a:latin typeface="Courier New" panose="02070309020205020404" pitchFamily="49" charset="0"/>
-                <a:cs typeface="Courier New" panose="02070309020205020404" pitchFamily="49" charset="0"/>
-              </a:rPr>
-              <a:t>sepak</a:t>
-            </a:r>
-            <a:r>
-              <a:rPr lang="en-US" sz="1600" dirty="0">
-                <a:latin typeface="Courier New" panose="02070309020205020404" pitchFamily="49" charset="0"/>
-                <a:cs typeface="Courier New" panose="02070309020205020404" pitchFamily="49" charset="0"/>
-              </a:rPr>
-              <a:t> bola', '</a:t>
-            </a:r>
-            <a:r>
-              <a:rPr lang="en-US" sz="1600" dirty="0" err="1">
-                <a:latin typeface="Courier New" panose="02070309020205020404" pitchFamily="49" charset="0"/>
-                <a:cs typeface="Courier New" panose="02070309020205020404" pitchFamily="49" charset="0"/>
-              </a:rPr>
-              <a:t>biru</a:t>
-            </a:r>
-            <a:r>
-              <a:rPr lang="en-US" sz="1600" dirty="0">
-                <a:latin typeface="Courier New" panose="02070309020205020404" pitchFamily="49" charset="0"/>
-                <a:cs typeface="Courier New" panose="02070309020205020404" pitchFamily="49" charset="0"/>
-              </a:rPr>
-              <a:t>', 'Jakarta'),</a:t>
-            </a:r>
-          </a:p>
-          <a:p>
-            <a:pPr marL="0" indent="0">
-              <a:buNone/>
-            </a:pPr>
-            <a:r>
-              <a:rPr lang="en-US" sz="1600" dirty="0">
-                <a:latin typeface="Courier New" panose="02070309020205020404" pitchFamily="49" charset="0"/>
-                <a:cs typeface="Courier New" panose="02070309020205020404" pitchFamily="49" charset="0"/>
-              </a:rPr>
-              <a:t>('Budi', 9, '</a:t>
-            </a:r>
-            <a:r>
-              <a:rPr lang="en-US" sz="1600" dirty="0" err="1">
-                <a:latin typeface="Courier New" panose="02070309020205020404" pitchFamily="49" charset="0"/>
-                <a:cs typeface="Courier New" panose="02070309020205020404" pitchFamily="49" charset="0"/>
-              </a:rPr>
-              <a:t>menggambar</a:t>
-            </a:r>
-            <a:r>
-              <a:rPr lang="en-US" sz="1600" dirty="0">
-                <a:latin typeface="Courier New" panose="02070309020205020404" pitchFamily="49" charset="0"/>
-                <a:cs typeface="Courier New" panose="02070309020205020404" pitchFamily="49" charset="0"/>
-              </a:rPr>
-              <a:t>', '</a:t>
-            </a:r>
-            <a:r>
-              <a:rPr lang="en-US" sz="1600" dirty="0" err="1">
-                <a:latin typeface="Courier New" panose="02070309020205020404" pitchFamily="49" charset="0"/>
-                <a:cs typeface="Courier New" panose="02070309020205020404" pitchFamily="49" charset="0"/>
-              </a:rPr>
-              <a:t>merah</a:t>
-            </a:r>
-            <a:r>
-              <a:rPr lang="en-US" sz="1600" dirty="0">
-                <a:latin typeface="Courier New" panose="02070309020205020404" pitchFamily="49" charset="0"/>
-                <a:cs typeface="Courier New" panose="02070309020205020404" pitchFamily="49" charset="0"/>
-              </a:rPr>
-              <a:t>', 'Bandung'),</a:t>
-            </a:r>
-          </a:p>
-          <a:p>
-            <a:pPr marL="0" indent="0">
-              <a:buNone/>
-            </a:pPr>
-            <a:r>
-              <a:rPr lang="en-US" sz="1600" dirty="0">
-                <a:latin typeface="Courier New" panose="02070309020205020404" pitchFamily="49" charset="0"/>
-                <a:cs typeface="Courier New" panose="02070309020205020404" pitchFamily="49" charset="0"/>
-              </a:rPr>
-              <a:t>('</a:t>
-            </a:r>
-            <a:r>
-              <a:rPr lang="en-US" sz="1600" dirty="0" err="1">
-                <a:latin typeface="Courier New" panose="02070309020205020404" pitchFamily="49" charset="0"/>
-                <a:cs typeface="Courier New" panose="02070309020205020404" pitchFamily="49" charset="0"/>
-              </a:rPr>
-              <a:t>Cici</a:t>
-            </a:r>
-            <a:r>
-              <a:rPr lang="en-US" sz="1600" dirty="0">
-                <a:latin typeface="Courier New" panose="02070309020205020404" pitchFamily="49" charset="0"/>
-                <a:cs typeface="Courier New" panose="02070309020205020404" pitchFamily="49" charset="0"/>
-              </a:rPr>
-              <a:t>', 11, '</a:t>
-            </a:r>
-            <a:r>
-              <a:rPr lang="en-US" sz="1600" dirty="0" err="1">
-                <a:latin typeface="Courier New" panose="02070309020205020404" pitchFamily="49" charset="0"/>
-                <a:cs typeface="Courier New" panose="02070309020205020404" pitchFamily="49" charset="0"/>
-              </a:rPr>
-              <a:t>membaca</a:t>
-            </a:r>
-            <a:r>
-              <a:rPr lang="en-US" sz="1600" dirty="0">
-                <a:latin typeface="Courier New" panose="02070309020205020404" pitchFamily="49" charset="0"/>
-                <a:cs typeface="Courier New" panose="02070309020205020404" pitchFamily="49" charset="0"/>
-              </a:rPr>
-              <a:t>', '</a:t>
-            </a:r>
-            <a:r>
-              <a:rPr lang="en-US" sz="1600" dirty="0" err="1">
-                <a:latin typeface="Courier New" panose="02070309020205020404" pitchFamily="49" charset="0"/>
-                <a:cs typeface="Courier New" panose="02070309020205020404" pitchFamily="49" charset="0"/>
-              </a:rPr>
-              <a:t>kuning</a:t>
-            </a:r>
-            <a:r>
-              <a:rPr lang="en-US" sz="1600" dirty="0">
-                <a:latin typeface="Courier New" panose="02070309020205020404" pitchFamily="49" charset="0"/>
-                <a:cs typeface="Courier New" panose="02070309020205020404" pitchFamily="49" charset="0"/>
-              </a:rPr>
-              <a:t>', 'Surabaya'),</a:t>
-            </a:r>
-          </a:p>
-          <a:p>
-            <a:pPr marL="0" indent="0">
-              <a:buNone/>
-            </a:pPr>
-            <a:r>
-              <a:rPr lang="en-US" sz="1600" dirty="0">
-                <a:latin typeface="Courier New" panose="02070309020205020404" pitchFamily="49" charset="0"/>
-                <a:cs typeface="Courier New" panose="02070309020205020404" pitchFamily="49" charset="0"/>
-              </a:rPr>
-              <a:t>('Deni', 8, '</a:t>
-            </a:r>
-            <a:r>
-              <a:rPr lang="en-US" sz="1600" dirty="0" err="1">
-                <a:latin typeface="Courier New" panose="02070309020205020404" pitchFamily="49" charset="0"/>
-                <a:cs typeface="Courier New" panose="02070309020205020404" pitchFamily="49" charset="0"/>
-              </a:rPr>
-              <a:t>berenang</a:t>
-            </a:r>
-            <a:r>
-              <a:rPr lang="en-US" sz="1600" dirty="0">
-                <a:latin typeface="Courier New" panose="02070309020205020404" pitchFamily="49" charset="0"/>
-                <a:cs typeface="Courier New" panose="02070309020205020404" pitchFamily="49" charset="0"/>
-              </a:rPr>
-              <a:t>', '</a:t>
-            </a:r>
-            <a:r>
-              <a:rPr lang="en-US" sz="1600" dirty="0" err="1">
-                <a:latin typeface="Courier New" panose="02070309020205020404" pitchFamily="49" charset="0"/>
-                <a:cs typeface="Courier New" panose="02070309020205020404" pitchFamily="49" charset="0"/>
-              </a:rPr>
-              <a:t>hijau</a:t>
-            </a:r>
-            <a:r>
-              <a:rPr lang="en-US" sz="1600" dirty="0">
-                <a:latin typeface="Courier New" panose="02070309020205020404" pitchFamily="49" charset="0"/>
-                <a:cs typeface="Courier New" panose="02070309020205020404" pitchFamily="49" charset="0"/>
-              </a:rPr>
-              <a:t>', 'Jakarta’);</a:t>
-            </a:r>
-          </a:p>
-          <a:p>
-            <a:pPr marL="0" indent="0">
-              <a:buNone/>
-            </a:pPr>
-            <a:r>
-              <a:rPr lang="en-US" sz="1700" b="1" dirty="0" err="1"/>
-              <a:t>Menjalankan</a:t>
-            </a:r>
-            <a:r>
-              <a:rPr lang="en-US" sz="1700" b="1" dirty="0"/>
-              <a:t> Query</a:t>
-            </a:r>
-            <a:br>
-              <a:rPr lang="en-US" sz="1700" dirty="0"/>
-            </a:br>
-            <a:r>
-              <a:rPr lang="en-US" sz="1700" dirty="0"/>
-              <a:t>Coba </a:t>
-            </a:r>
-            <a:r>
-              <a:rPr lang="en-US" sz="1700" dirty="0" err="1"/>
-              <a:t>jalankan</a:t>
-            </a:r>
-            <a:r>
-              <a:rPr lang="en-US" sz="1700" dirty="0"/>
-              <a:t> query-query yang </a:t>
-            </a:r>
-            <a:r>
-              <a:rPr lang="en-US" sz="1700" dirty="0" err="1"/>
-              <a:t>telah</a:t>
-            </a:r>
-            <a:r>
-              <a:rPr lang="en-US" sz="1700" dirty="0"/>
-              <a:t> </a:t>
-            </a:r>
-            <a:r>
-              <a:rPr lang="en-US" sz="1700" dirty="0" err="1"/>
-              <a:t>kita</a:t>
-            </a:r>
-            <a:r>
-              <a:rPr lang="en-US" sz="1700" dirty="0"/>
-              <a:t> </a:t>
-            </a:r>
-            <a:r>
-              <a:rPr lang="en-US" sz="1700" dirty="0" err="1"/>
-              <a:t>buat</a:t>
-            </a:r>
-            <a:r>
-              <a:rPr lang="en-US" sz="1700" dirty="0"/>
-              <a:t> </a:t>
-            </a:r>
-            <a:r>
-              <a:rPr lang="en-US" sz="1700" dirty="0" err="1"/>
-              <a:t>sebelumnya</a:t>
-            </a:r>
-            <a:r>
-              <a:rPr lang="en-US" sz="1700" dirty="0"/>
+              <a:rPr lang="en-US" dirty="0" err="1"/>
+              <a:t>Seperti</a:t>
+            </a:r>
+            <a:r>
+              <a:rPr lang="en-US" dirty="0"/>
+              <a:t> </a:t>
+            </a:r>
+            <a:r>
+              <a:rPr lang="en-US" dirty="0" err="1"/>
+              <a:t>mengurutkan</a:t>
+            </a:r>
+            <a:r>
+              <a:rPr lang="en-US" dirty="0"/>
+              <a:t> </a:t>
+            </a:r>
+            <a:r>
+              <a:rPr lang="en-US" dirty="0" err="1"/>
+              <a:t>buku</a:t>
+            </a:r>
+            <a:r>
+              <a:rPr lang="en-US" dirty="0"/>
+              <a:t> di </a:t>
+            </a:r>
+            <a:r>
+              <a:rPr lang="en-US" dirty="0" err="1"/>
+              <a:t>perpustakaan</a:t>
+            </a:r>
+            <a:r>
+              <a:rPr lang="en-US" dirty="0"/>
+              <a:t> </a:t>
+            </a:r>
+            <a:r>
+              <a:rPr lang="en-US" dirty="0" err="1"/>
+              <a:t>berdasarkan</a:t>
+            </a:r>
+            <a:r>
+              <a:rPr lang="en-US" dirty="0"/>
+              <a:t> abjad </a:t>
+            </a:r>
+            <a:r>
+              <a:rPr lang="en-US" dirty="0" err="1"/>
+              <a:t>atau</a:t>
+            </a:r>
+            <a:r>
+              <a:rPr lang="en-US" dirty="0"/>
+              <a:t> </a:t>
+            </a:r>
+            <a:r>
+              <a:rPr lang="en-US" dirty="0" err="1"/>
+              <a:t>tinggi</a:t>
+            </a:r>
+            <a:r>
+              <a:rPr lang="en-US" dirty="0"/>
+              <a:t> </a:t>
+            </a:r>
+            <a:r>
+              <a:rPr lang="en-US" dirty="0" err="1"/>
+              <a:t>buku</a:t>
+            </a:r>
+            <a:r>
+              <a:rPr lang="en-US" dirty="0"/>
               <a:t>.</a:t>
             </a:r>
-            <a:endParaRPr lang="en-US" sz="2600" dirty="0">
-              <a:latin typeface="Courier New" panose="02070309020205020404" pitchFamily="49" charset="0"/>
-              <a:cs typeface="Courier New" panose="02070309020205020404" pitchFamily="49" charset="0"/>
-            </a:endParaRPr>
-          </a:p>
-          <a:p>
-            <a:pPr marL="0" indent="0">
-              <a:buNone/>
-            </a:pPr>
-            <a:endParaRPr lang="en-US" sz="2000" dirty="0">
-              <a:latin typeface="Courier New" panose="02070309020205020404" pitchFamily="49" charset="0"/>
-              <a:cs typeface="Courier New" panose="02070309020205020404" pitchFamily="49" charset="0"/>
-            </a:endParaRPr>
-          </a:p>
-          <a:p>
-            <a:pPr marL="0" indent="0">
-              <a:buNone/>
-            </a:pPr>
-            <a:endParaRPr lang="en-US" dirty="0"/>
+          </a:p>
+        </p:txBody>
+      </p:sp>
+      <p:sp>
+        <p:nvSpPr>
+          <p:cNvPr id="4" name="Footer Placeholder 3">
+            <a:extLst>
+              <a:ext uri="{FF2B5EF4-FFF2-40B4-BE49-F238E27FC236}">
+                <a16:creationId xmlns:a16="http://schemas.microsoft.com/office/drawing/2014/main" id="{0B6E8DC2-6B76-62AB-163F-B61A20650069}"/>
+              </a:ext>
+            </a:extLst>
+          </p:cNvPr>
+          <p:cNvSpPr>
+            <a:spLocks noGrp="1"/>
+          </p:cNvSpPr>
+          <p:nvPr>
+            <p:ph type="ftr" sz="quarter" idx="11"/>
+          </p:nvPr>
+        </p:nvSpPr>
+        <p:spPr/>
+        <p:txBody>
+          <a:bodyPr/>
+          <a:lstStyle/>
+          <a:p>
+            <a:r>
+              <a:rPr lang="en-US"/>
+              <a:t>Presentasi By Candra A</a:t>
+            </a:r>
           </a:p>
         </p:txBody>
       </p:sp>
     </p:spTree>
     <p:extLst>
       <p:ext uri="{BB962C8B-B14F-4D97-AF65-F5344CB8AC3E}">
-        <p14:creationId xmlns:p14="http://schemas.microsoft.com/office/powerpoint/2010/main" val="1392852231"/>
+        <p14:creationId xmlns:p14="http://schemas.microsoft.com/office/powerpoint/2010/main" val="874282995"/>
       </p:ext>
     </p:extLst>
   </p:cSld>
@@ -5701,7 +5882,7 @@
           <p:cNvPr id="2" name="Title 1">
             <a:extLst>
               <a:ext uri="{FF2B5EF4-FFF2-40B4-BE49-F238E27FC236}">
-                <a16:creationId xmlns:a16="http://schemas.microsoft.com/office/drawing/2014/main" id="{42C54E80-CAB2-0BE7-CBB3-2B35CD869E07}"/>
+                <a16:creationId xmlns:a16="http://schemas.microsoft.com/office/drawing/2014/main" id="{9DF19F35-AF38-D09C-F0D4-B38A18224093}"/>
               </a:ext>
             </a:extLst>
           </p:cNvPr>
@@ -5719,7 +5900,7 @@
           <a:p>
             <a:r>
               <a:rPr lang="en-US" dirty="0"/>
-              <a:t>Kesimpulan</a:t>
+              <a:t>Group By</a:t>
             </a:r>
           </a:p>
         </p:txBody>
@@ -5729,7 +5910,7 @@
           <p:cNvPr id="3" name="Content Placeholder 2">
             <a:extLst>
               <a:ext uri="{FF2B5EF4-FFF2-40B4-BE49-F238E27FC236}">
-                <a16:creationId xmlns:a16="http://schemas.microsoft.com/office/drawing/2014/main" id="{ABCD6550-6D41-718C-7667-31EDD8503C59}"/>
+                <a16:creationId xmlns:a16="http://schemas.microsoft.com/office/drawing/2014/main" id="{EB57CA5A-B09B-5B13-AB6C-9118E3EF02D6}"/>
               </a:ext>
             </a:extLst>
           </p:cNvPr>
@@ -5738,6 +5919,311 @@
           </p:cNvSpPr>
           <p:nvPr>
             <p:ph idx="1"/>
+          </p:nvPr>
+        </p:nvSpPr>
+        <p:spPr/>
+        <p:txBody>
+          <a:bodyPr>
+            <a:normAutofit lnSpcReduction="10000"/>
+          </a:bodyPr>
+          <a:lstStyle/>
+          <a:p>
+            <a:pPr marL="0" indent="0">
+              <a:buNone/>
+            </a:pPr>
+            <a:r>
+              <a:rPr lang="en-US" b="1" dirty="0"/>
+              <a:t>Content:</a:t>
+            </a:r>
+            <a:br>
+              <a:rPr lang="en-US" dirty="0"/>
+            </a:br>
+            <a:r>
+              <a:rPr lang="en-US" dirty="0"/>
+              <a:t>Group By </a:t>
+            </a:r>
+            <a:r>
+              <a:rPr lang="en-US" dirty="0" err="1"/>
+              <a:t>digunakan</a:t>
+            </a:r>
+            <a:r>
+              <a:rPr lang="en-US" dirty="0"/>
+              <a:t> </a:t>
+            </a:r>
+            <a:r>
+              <a:rPr lang="en-US" dirty="0" err="1"/>
+              <a:t>untuk</a:t>
+            </a:r>
+            <a:r>
+              <a:rPr lang="en-US" dirty="0"/>
+              <a:t> </a:t>
+            </a:r>
+            <a:r>
+              <a:rPr lang="en-US" dirty="0" err="1"/>
+              <a:t>mengelompokkan</a:t>
+            </a:r>
+            <a:r>
+              <a:rPr lang="en-US" dirty="0"/>
+              <a:t> data </a:t>
+            </a:r>
+            <a:r>
+              <a:rPr lang="en-US" dirty="0" err="1"/>
+              <a:t>berdasarkan</a:t>
+            </a:r>
+            <a:r>
+              <a:rPr lang="en-US" dirty="0"/>
+              <a:t> </a:t>
+            </a:r>
+            <a:r>
+              <a:rPr lang="en-US" dirty="0" err="1"/>
+              <a:t>kolom</a:t>
+            </a:r>
+            <a:r>
+              <a:rPr lang="en-US" dirty="0"/>
+              <a:t> </a:t>
+            </a:r>
+            <a:r>
+              <a:rPr lang="en-US" dirty="0" err="1"/>
+              <a:t>tertentu</a:t>
+            </a:r>
+            <a:r>
+              <a:rPr lang="en-US" dirty="0"/>
+              <a:t>.</a:t>
+            </a:r>
+            <a:br>
+              <a:rPr lang="en-US" dirty="0"/>
+            </a:br>
+            <a:r>
+              <a:rPr lang="en-US" b="1" dirty="0" err="1"/>
+              <a:t>Contoh</a:t>
+            </a:r>
+            <a:r>
+              <a:rPr lang="en-US" b="1" dirty="0"/>
+              <a:t>:</a:t>
+            </a:r>
+            <a:endParaRPr lang="en-US" dirty="0"/>
+          </a:p>
+          <a:p>
+            <a:pPr marL="0" indent="0">
+              <a:buNone/>
+            </a:pPr>
+            <a:r>
+              <a:rPr lang="en-US" dirty="0" err="1"/>
+              <a:t>Mengelompokkan</a:t>
+            </a:r>
+            <a:r>
+              <a:rPr lang="en-US" dirty="0"/>
+              <a:t> </a:t>
+            </a:r>
+            <a:r>
+              <a:rPr lang="en-US" dirty="0" err="1"/>
+              <a:t>teman</a:t>
+            </a:r>
+            <a:r>
+              <a:rPr lang="en-US" dirty="0"/>
+              <a:t> </a:t>
+            </a:r>
+            <a:r>
+              <a:rPr lang="en-US" dirty="0" err="1"/>
+              <a:t>berdasarkan</a:t>
+            </a:r>
+            <a:r>
+              <a:rPr lang="en-US" dirty="0"/>
+              <a:t> </a:t>
+            </a:r>
+            <a:r>
+              <a:rPr lang="en-US" dirty="0" err="1"/>
+              <a:t>warna</a:t>
+            </a:r>
+            <a:r>
+              <a:rPr lang="en-US" dirty="0"/>
+              <a:t> </a:t>
+            </a:r>
+            <a:r>
+              <a:rPr lang="en-US" dirty="0" err="1"/>
+              <a:t>favorit</a:t>
+            </a:r>
+            <a:r>
+              <a:rPr lang="en-US" dirty="0"/>
+              <a:t>:</a:t>
+            </a:r>
+          </a:p>
+          <a:p>
+            <a:pPr marL="0" indent="0">
+              <a:buNone/>
+            </a:pPr>
+            <a:r>
+              <a:rPr lang="en-US" sz="2000" dirty="0">
+                <a:latin typeface="Courier New" panose="02070309020205020404" pitchFamily="49" charset="0"/>
+                <a:cs typeface="Courier New" panose="02070309020205020404" pitchFamily="49" charset="0"/>
+              </a:rPr>
+              <a:t>SELECT </a:t>
+            </a:r>
+            <a:r>
+              <a:rPr lang="en-US" sz="2000" dirty="0" err="1">
+                <a:latin typeface="Courier New" panose="02070309020205020404" pitchFamily="49" charset="0"/>
+                <a:cs typeface="Courier New" panose="02070309020205020404" pitchFamily="49" charset="0"/>
+              </a:rPr>
+              <a:t>warna_favorit</a:t>
+            </a:r>
+            <a:r>
+              <a:rPr lang="en-US" sz="2000" dirty="0">
+                <a:latin typeface="Courier New" panose="02070309020205020404" pitchFamily="49" charset="0"/>
+                <a:cs typeface="Courier New" panose="02070309020205020404" pitchFamily="49" charset="0"/>
+              </a:rPr>
+              <a:t>, COUNT(*) </a:t>
+            </a:r>
+          </a:p>
+          <a:p>
+            <a:pPr marL="0" indent="0">
+              <a:buNone/>
+            </a:pPr>
+            <a:r>
+              <a:rPr lang="en-US" sz="2000" dirty="0">
+                <a:latin typeface="Courier New" panose="02070309020205020404" pitchFamily="49" charset="0"/>
+                <a:cs typeface="Courier New" panose="02070309020205020404" pitchFamily="49" charset="0"/>
+              </a:rPr>
+              <a:t>FROM </a:t>
+            </a:r>
+            <a:r>
+              <a:rPr lang="en-US" sz="2000" dirty="0" err="1">
+                <a:latin typeface="Courier New" panose="02070309020205020404" pitchFamily="49" charset="0"/>
+                <a:cs typeface="Courier New" panose="02070309020205020404" pitchFamily="49" charset="0"/>
+              </a:rPr>
+              <a:t>daftar_kelas</a:t>
+            </a:r>
+            <a:r>
+              <a:rPr lang="en-US" sz="2000" dirty="0">
+                <a:latin typeface="Courier New" panose="02070309020205020404" pitchFamily="49" charset="0"/>
+                <a:cs typeface="Courier New" panose="02070309020205020404" pitchFamily="49" charset="0"/>
+              </a:rPr>
+              <a:t> </a:t>
+            </a:r>
+          </a:p>
+          <a:p>
+            <a:pPr marL="0" indent="0">
+              <a:buNone/>
+            </a:pPr>
+            <a:r>
+              <a:rPr lang="en-US" sz="2000" dirty="0">
+                <a:latin typeface="Courier New" panose="02070309020205020404" pitchFamily="49" charset="0"/>
+                <a:cs typeface="Courier New" panose="02070309020205020404" pitchFamily="49" charset="0"/>
+              </a:rPr>
+              <a:t>GROUP BY </a:t>
+            </a:r>
+            <a:r>
+              <a:rPr lang="en-US" sz="2000" dirty="0" err="1">
+                <a:latin typeface="Courier New" panose="02070309020205020404" pitchFamily="49" charset="0"/>
+                <a:cs typeface="Courier New" panose="02070309020205020404" pitchFamily="49" charset="0"/>
+              </a:rPr>
+              <a:t>warna_favorit</a:t>
+            </a:r>
+            <a:r>
+              <a:rPr lang="en-US" sz="2000" dirty="0">
+                <a:latin typeface="Courier New" panose="02070309020205020404" pitchFamily="49" charset="0"/>
+                <a:cs typeface="Courier New" panose="02070309020205020404" pitchFamily="49" charset="0"/>
+              </a:rPr>
+              <a:t>;</a:t>
+            </a:r>
+          </a:p>
+          <a:p>
+            <a:pPr marL="0" indent="0">
+              <a:buNone/>
+            </a:pPr>
+            <a:r>
+              <a:rPr lang="en-US" b="1" dirty="0" err="1"/>
+              <a:t>Analogi</a:t>
+            </a:r>
+            <a:r>
+              <a:rPr lang="en-US" b="1" dirty="0"/>
+              <a:t>:</a:t>
+            </a:r>
+            <a:br>
+              <a:rPr lang="en-US" dirty="0"/>
+            </a:br>
+            <a:r>
+              <a:rPr lang="en-US" dirty="0" err="1"/>
+              <a:t>Seperti</a:t>
+            </a:r>
+            <a:r>
+              <a:rPr lang="en-US" dirty="0"/>
+              <a:t> </a:t>
+            </a:r>
+            <a:r>
+              <a:rPr lang="en-US" dirty="0" err="1"/>
+              <a:t>mengelompokkan</a:t>
+            </a:r>
+            <a:r>
+              <a:rPr lang="en-US" dirty="0"/>
+              <a:t> </a:t>
+            </a:r>
+            <a:r>
+              <a:rPr lang="en-US" dirty="0" err="1"/>
+              <a:t>teman</a:t>
+            </a:r>
+            <a:r>
+              <a:rPr lang="en-US" dirty="0"/>
+              <a:t> </a:t>
+            </a:r>
+            <a:r>
+              <a:rPr lang="en-US" dirty="0" err="1"/>
+              <a:t>berdasarkan</a:t>
+            </a:r>
+            <a:r>
+              <a:rPr lang="en-US" dirty="0"/>
+              <a:t> </a:t>
+            </a:r>
+            <a:r>
+              <a:rPr lang="en-US" dirty="0" err="1"/>
+              <a:t>warna</a:t>
+            </a:r>
+            <a:r>
+              <a:rPr lang="en-US" dirty="0"/>
+              <a:t> </a:t>
+            </a:r>
+            <a:r>
+              <a:rPr lang="en-US" dirty="0" err="1"/>
+              <a:t>favorit</a:t>
+            </a:r>
+            <a:r>
+              <a:rPr lang="en-US" dirty="0"/>
+              <a:t> </a:t>
+            </a:r>
+            <a:r>
+              <a:rPr lang="en-US" dirty="0" err="1"/>
+              <a:t>mereka</a:t>
+            </a:r>
+            <a:r>
+              <a:rPr lang="en-US" dirty="0"/>
+              <a:t>.</a:t>
+            </a:r>
+            <a:endParaRPr lang="en-US" dirty="0">
+              <a:latin typeface="Courier New" panose="02070309020205020404" pitchFamily="49" charset="0"/>
+              <a:cs typeface="Courier New" panose="02070309020205020404" pitchFamily="49" charset="0"/>
+            </a:endParaRPr>
+          </a:p>
+          <a:p>
+            <a:pPr marL="0" indent="0">
+              <a:buNone/>
+            </a:pPr>
+            <a:endParaRPr lang="en-US" dirty="0"/>
+          </a:p>
+        </p:txBody>
+      </p:sp>
+      <p:sp>
+        <p:nvSpPr>
+          <p:cNvPr id="4" name="Footer Placeholder 3">
+            <a:extLst>
+              <a:ext uri="{FF2B5EF4-FFF2-40B4-BE49-F238E27FC236}">
+                <a16:creationId xmlns:a16="http://schemas.microsoft.com/office/drawing/2014/main" id="{834339F1-E249-D5C7-08CB-57B2CA1E5352}"/>
+              </a:ext>
+            </a:extLst>
+          </p:cNvPr>
+          <p:cNvSpPr>
+            <a:spLocks noGrp="1"/>
+          </p:cNvSpPr>
+          <p:nvPr>
+            <p:ph type="ftr" sz="quarter" idx="11"/>
           </p:nvPr>
         </p:nvSpPr>
         <p:spPr/>
@@ -5745,375 +6231,17 @@
           <a:bodyPr/>
           <a:lstStyle/>
           <a:p>
-            <a:pPr marL="0" indent="0">
-              <a:buNone/>
-            </a:pPr>
-            <a:r>
-              <a:rPr lang="en-US" b="1" dirty="0"/>
-              <a:t>Content:</a:t>
-            </a:r>
-            <a:endParaRPr lang="en-US" dirty="0"/>
-          </a:p>
-          <a:p>
-            <a:pPr>
-              <a:buFont typeface="Arial" panose="020B0604020202020204" pitchFamily="34" charset="0"/>
-              <a:buChar char="•"/>
-            </a:pPr>
-            <a:r>
-              <a:rPr lang="en-US" dirty="0"/>
-              <a:t>Query </a:t>
-            </a:r>
-            <a:r>
-              <a:rPr lang="en-US" dirty="0" err="1"/>
-              <a:t>adalah</a:t>
-            </a:r>
-            <a:r>
-              <a:rPr lang="en-US" dirty="0"/>
-              <a:t> </a:t>
-            </a:r>
-            <a:r>
-              <a:rPr lang="en-US" dirty="0" err="1"/>
-              <a:t>cara</a:t>
-            </a:r>
-            <a:r>
-              <a:rPr lang="en-US" dirty="0"/>
-              <a:t> </a:t>
-            </a:r>
-            <a:r>
-              <a:rPr lang="en-US" dirty="0" err="1"/>
-              <a:t>untuk</a:t>
-            </a:r>
-            <a:r>
-              <a:rPr lang="en-US" dirty="0"/>
-              <a:t> </a:t>
-            </a:r>
-            <a:r>
-              <a:rPr lang="en-US" dirty="0" err="1"/>
-              <a:t>meminta</a:t>
-            </a:r>
-            <a:r>
-              <a:rPr lang="en-US" dirty="0"/>
-              <a:t> </a:t>
-            </a:r>
-            <a:r>
-              <a:rPr lang="en-US" dirty="0" err="1"/>
-              <a:t>informasi</a:t>
-            </a:r>
-            <a:r>
-              <a:rPr lang="en-US" dirty="0"/>
-              <a:t> </a:t>
-            </a:r>
-            <a:r>
-              <a:rPr lang="en-US" dirty="0" err="1"/>
-              <a:t>dari</a:t>
-            </a:r>
-            <a:r>
-              <a:rPr lang="en-US" dirty="0"/>
-              <a:t> database.</a:t>
-            </a:r>
-          </a:p>
-          <a:p>
-            <a:pPr>
-              <a:buFont typeface="Arial" panose="020B0604020202020204" pitchFamily="34" charset="0"/>
-              <a:buChar char="•"/>
-            </a:pPr>
-            <a:r>
-              <a:rPr lang="en-US" dirty="0"/>
-              <a:t>Sangat </a:t>
-            </a:r>
-            <a:r>
-              <a:rPr lang="en-US" dirty="0" err="1"/>
-              <a:t>berguna</a:t>
-            </a:r>
-            <a:r>
-              <a:rPr lang="en-US" dirty="0"/>
-              <a:t> </a:t>
-            </a:r>
-            <a:r>
-              <a:rPr lang="en-US" dirty="0" err="1"/>
-              <a:t>untuk</a:t>
-            </a:r>
-            <a:r>
-              <a:rPr lang="en-US" dirty="0"/>
-              <a:t> </a:t>
-            </a:r>
-            <a:r>
-              <a:rPr lang="en-US" dirty="0" err="1"/>
-              <a:t>menemukan</a:t>
-            </a:r>
-            <a:r>
-              <a:rPr lang="en-US" dirty="0"/>
-              <a:t> </a:t>
-            </a:r>
-            <a:r>
-              <a:rPr lang="en-US" dirty="0" err="1"/>
-              <a:t>informasi</a:t>
-            </a:r>
-            <a:r>
-              <a:rPr lang="en-US" dirty="0"/>
-              <a:t> </a:t>
-            </a:r>
-            <a:r>
-              <a:rPr lang="en-US" dirty="0" err="1"/>
-              <a:t>dengan</a:t>
-            </a:r>
-            <a:r>
-              <a:rPr lang="en-US" dirty="0"/>
-              <a:t> </a:t>
-            </a:r>
-            <a:r>
-              <a:rPr lang="en-US" dirty="0" err="1"/>
-              <a:t>cepat</a:t>
-            </a:r>
-            <a:r>
-              <a:rPr lang="en-US" dirty="0"/>
-              <a:t>.</a:t>
-            </a:r>
-          </a:p>
-          <a:p>
-            <a:pPr>
-              <a:buFont typeface="Arial" panose="020B0604020202020204" pitchFamily="34" charset="0"/>
-              <a:buChar char="•"/>
-            </a:pPr>
-            <a:r>
-              <a:rPr lang="en-US" dirty="0"/>
-              <a:t>Langkah-</a:t>
-            </a:r>
-            <a:r>
-              <a:rPr lang="en-US" dirty="0" err="1"/>
-              <a:t>langkah</a:t>
-            </a:r>
-            <a:r>
-              <a:rPr lang="en-US" dirty="0"/>
-              <a:t> </a:t>
-            </a:r>
-            <a:r>
-              <a:rPr lang="en-US" dirty="0" err="1"/>
-              <a:t>membuat</a:t>
-            </a:r>
-            <a:r>
-              <a:rPr lang="en-US" dirty="0"/>
-              <a:t> query: </a:t>
-            </a:r>
-            <a:r>
-              <a:rPr lang="en-US" dirty="0" err="1"/>
-              <a:t>pilih</a:t>
-            </a:r>
-            <a:r>
-              <a:rPr lang="en-US" dirty="0"/>
-              <a:t> </a:t>
-            </a:r>
-            <a:r>
-              <a:rPr lang="en-US" dirty="0" err="1"/>
-              <a:t>tabel</a:t>
-            </a:r>
-            <a:r>
-              <a:rPr lang="en-US" dirty="0"/>
-              <a:t>, </a:t>
-            </a:r>
-            <a:r>
-              <a:rPr lang="en-US" dirty="0" err="1"/>
-              <a:t>pilih</a:t>
-            </a:r>
-            <a:r>
-              <a:rPr lang="en-US" dirty="0"/>
-              <a:t> </a:t>
-            </a:r>
-            <a:r>
-              <a:rPr lang="en-US" dirty="0" err="1"/>
-              <a:t>kolom</a:t>
-            </a:r>
-            <a:r>
-              <a:rPr lang="en-US" dirty="0"/>
-              <a:t>, </a:t>
-            </a:r>
-            <a:r>
-              <a:rPr lang="en-US" dirty="0" err="1"/>
-              <a:t>tambahkan</a:t>
-            </a:r>
-            <a:r>
-              <a:rPr lang="en-US" dirty="0"/>
-              <a:t> </a:t>
-            </a:r>
-            <a:r>
-              <a:rPr lang="en-US" dirty="0" err="1"/>
-              <a:t>kondisi</a:t>
-            </a:r>
-            <a:r>
-              <a:rPr lang="en-US" dirty="0"/>
-              <a:t>.</a:t>
-            </a:r>
-          </a:p>
-          <a:p>
-            <a:pPr>
-              <a:buFont typeface="Arial" panose="020B0604020202020204" pitchFamily="34" charset="0"/>
-              <a:buChar char="•"/>
-            </a:pPr>
-            <a:r>
-              <a:rPr lang="en-US" dirty="0" err="1"/>
-              <a:t>Dengan</a:t>
-            </a:r>
-            <a:r>
-              <a:rPr lang="en-US" dirty="0"/>
-              <a:t> </a:t>
-            </a:r>
-            <a:r>
-              <a:rPr lang="en-US" dirty="0" err="1"/>
-              <a:t>sedikit</a:t>
-            </a:r>
-            <a:r>
-              <a:rPr lang="en-US" dirty="0"/>
-              <a:t> </a:t>
-            </a:r>
-            <a:r>
-              <a:rPr lang="en-US" dirty="0" err="1"/>
-              <a:t>latihan</a:t>
-            </a:r>
-            <a:r>
-              <a:rPr lang="en-US" dirty="0"/>
-              <a:t>, </a:t>
-            </a:r>
-            <a:r>
-              <a:rPr lang="en-US" dirty="0" err="1"/>
-              <a:t>siapa</a:t>
-            </a:r>
-            <a:r>
-              <a:rPr lang="en-US" dirty="0"/>
-              <a:t> pun </a:t>
-            </a:r>
-            <a:r>
-              <a:rPr lang="en-US" dirty="0" err="1"/>
-              <a:t>bisa</a:t>
-            </a:r>
-            <a:r>
-              <a:rPr lang="en-US" dirty="0"/>
-              <a:t> </a:t>
-            </a:r>
-            <a:r>
-              <a:rPr lang="en-US" dirty="0" err="1"/>
-              <a:t>belajar</a:t>
-            </a:r>
-            <a:r>
-              <a:rPr lang="en-US" dirty="0"/>
-              <a:t> </a:t>
-            </a:r>
-            <a:r>
-              <a:rPr lang="en-US" dirty="0" err="1"/>
-              <a:t>membuat</a:t>
-            </a:r>
-            <a:r>
-              <a:rPr lang="en-US" dirty="0"/>
-              <a:t> query.</a:t>
-            </a:r>
-          </a:p>
-          <a:p>
-            <a:pPr marL="0" indent="0">
-              <a:buNone/>
-            </a:pPr>
-            <a:r>
-              <a:rPr lang="en-US" b="1" dirty="0" err="1"/>
-              <a:t>Analogi</a:t>
-            </a:r>
-            <a:r>
-              <a:rPr lang="en-US" b="1" dirty="0"/>
-              <a:t>:</a:t>
-            </a:r>
-            <a:br>
-              <a:rPr lang="en-US" dirty="0"/>
-            </a:br>
-            <a:r>
-              <a:rPr lang="en-US" dirty="0" err="1"/>
-              <a:t>Seperti</a:t>
-            </a:r>
-            <a:r>
-              <a:rPr lang="en-US" dirty="0"/>
-              <a:t> </a:t>
-            </a:r>
-            <a:r>
-              <a:rPr lang="en-US" dirty="0" err="1"/>
-              <a:t>belajar</a:t>
-            </a:r>
-            <a:r>
-              <a:rPr lang="en-US" dirty="0"/>
-              <a:t> </a:t>
-            </a:r>
-            <a:r>
-              <a:rPr lang="en-US" dirty="0" err="1"/>
-              <a:t>bertanya</a:t>
-            </a:r>
-            <a:r>
-              <a:rPr lang="en-US" dirty="0"/>
-              <a:t> </a:t>
-            </a:r>
-            <a:r>
-              <a:rPr lang="en-US" dirty="0" err="1"/>
-              <a:t>dengan</a:t>
-            </a:r>
-            <a:r>
-              <a:rPr lang="en-US" dirty="0"/>
-              <a:t> </a:t>
-            </a:r>
-            <a:r>
-              <a:rPr lang="en-US" dirty="0" err="1"/>
-              <a:t>tepat</a:t>
-            </a:r>
-            <a:r>
-              <a:rPr lang="en-US" dirty="0"/>
-              <a:t> </a:t>
-            </a:r>
-            <a:r>
-              <a:rPr lang="en-US" dirty="0" err="1"/>
-              <a:t>untuk</a:t>
-            </a:r>
-            <a:r>
-              <a:rPr lang="en-US" dirty="0"/>
-              <a:t> </a:t>
-            </a:r>
-            <a:r>
-              <a:rPr lang="en-US" dirty="0" err="1"/>
-              <a:t>mendapatkan</a:t>
-            </a:r>
-            <a:r>
-              <a:rPr lang="en-US" dirty="0"/>
-              <a:t> </a:t>
-            </a:r>
-            <a:r>
-              <a:rPr lang="en-US" dirty="0" err="1"/>
-              <a:t>jawaban</a:t>
-            </a:r>
-            <a:r>
-              <a:rPr lang="en-US" dirty="0"/>
-              <a:t> yang </a:t>
-            </a:r>
-            <a:r>
-              <a:rPr lang="en-US" dirty="0" err="1"/>
-              <a:t>kita</a:t>
-            </a:r>
-            <a:r>
-              <a:rPr lang="en-US" dirty="0"/>
-              <a:t> </a:t>
-            </a:r>
-            <a:r>
-              <a:rPr lang="en-US" dirty="0" err="1"/>
-              <a:t>butuhkan</a:t>
-            </a:r>
-            <a:r>
-              <a:rPr lang="en-US" dirty="0"/>
-              <a:t>.</a:t>
-            </a:r>
-          </a:p>
-          <a:p>
-            <a:pPr marL="0" indent="0">
-              <a:buNone/>
-            </a:pPr>
-            <a:endParaRPr lang="en-US" dirty="0"/>
+            <a:r>
+              <a:rPr lang="en-US"/>
+              <a:t>Presentasi By Candra A</a:t>
+            </a:r>
           </a:p>
         </p:txBody>
       </p:sp>
     </p:spTree>
     <p:extLst>
       <p:ext uri="{BB962C8B-B14F-4D97-AF65-F5344CB8AC3E}">
-        <p14:creationId xmlns:p14="http://schemas.microsoft.com/office/powerpoint/2010/main" val="1352878164"/>
+        <p14:creationId xmlns:p14="http://schemas.microsoft.com/office/powerpoint/2010/main" val="1197328736"/>
       </p:ext>
     </p:extLst>
   </p:cSld>
@@ -6145,7 +6273,7 @@
           <p:cNvPr id="2" name="Title 1">
             <a:extLst>
               <a:ext uri="{FF2B5EF4-FFF2-40B4-BE49-F238E27FC236}">
-                <a16:creationId xmlns:a16="http://schemas.microsoft.com/office/drawing/2014/main" id="{835A2B8F-B0CC-1B5F-0B2A-958F4B2D67A7}"/>
+                <a16:creationId xmlns:a16="http://schemas.microsoft.com/office/drawing/2014/main" id="{695D738E-C9BC-C718-F23C-752B363ACC59}"/>
               </a:ext>
             </a:extLst>
           </p:cNvPr>
@@ -6161,19 +6289,11 @@
           <a:bodyPr/>
           <a:lstStyle/>
           <a:p>
-            <a:pPr algn="ctr"/>
-            <a:r>
-              <a:rPr lang="en-US" dirty="0"/>
-              <a:t>Ayo </a:t>
-            </a:r>
-            <a:r>
-              <a:rPr lang="en-US" dirty="0" err="1"/>
-              <a:t>Berlatih</a:t>
-            </a:r>
-            <a:r>
-              <a:rPr lang="en-US" dirty="0"/>
-              <a:t>!</a:t>
-            </a:r>
+            <a:r>
+              <a:rPr lang="en-US" dirty="0" err="1"/>
+              <a:t>Permainan</a:t>
+            </a:r>
+            <a:endParaRPr lang="en-US" dirty="0"/>
           </a:p>
         </p:txBody>
       </p:sp>
@@ -6182,7 +6302,7 @@
           <p:cNvPr id="3" name="Content Placeholder 2">
             <a:extLst>
               <a:ext uri="{FF2B5EF4-FFF2-40B4-BE49-F238E27FC236}">
-                <a16:creationId xmlns:a16="http://schemas.microsoft.com/office/drawing/2014/main" id="{48833D0B-133B-DBFD-9C4F-619AF8A4295E}"/>
+                <a16:creationId xmlns:a16="http://schemas.microsoft.com/office/drawing/2014/main" id="{153D86EC-6292-6BBF-B1C1-CA30B99ABE8C}"/>
               </a:ext>
             </a:extLst>
           </p:cNvPr>
@@ -6202,76 +6322,159 @@
               <a:buNone/>
             </a:pPr>
             <a:r>
-              <a:rPr lang="en-US" dirty="0"/>
-              <a:t>Agar </a:t>
-            </a:r>
-            <a:r>
-              <a:rPr lang="en-US" dirty="0" err="1"/>
-              <a:t>lebih</a:t>
-            </a:r>
-            <a:r>
-              <a:rPr lang="en-US" dirty="0"/>
-              <a:t> </a:t>
-            </a:r>
-            <a:r>
-              <a:rPr lang="en-US" dirty="0" err="1"/>
-              <a:t>relevan</a:t>
-            </a:r>
-            <a:r>
-              <a:rPr lang="en-US" dirty="0"/>
-              <a:t> </a:t>
-            </a:r>
-            <a:r>
-              <a:rPr lang="en-US" dirty="0" err="1"/>
-              <a:t>saya</a:t>
-            </a:r>
-            <a:r>
-              <a:rPr lang="en-US" dirty="0"/>
-              <a:t> </a:t>
-            </a:r>
-            <a:r>
-              <a:rPr lang="en-US" dirty="0" err="1"/>
-              <a:t>sudah</a:t>
-            </a:r>
-            <a:r>
-              <a:rPr lang="en-US" dirty="0"/>
-              <a:t> </a:t>
-            </a:r>
-            <a:r>
-              <a:rPr lang="en-US" dirty="0" err="1"/>
-              <a:t>siapkan</a:t>
-            </a:r>
-            <a:r>
-              <a:rPr lang="en-US" dirty="0"/>
-              <a:t> script table </a:t>
-            </a:r>
-            <a:r>
-              <a:rPr lang="en-US" dirty="0" err="1"/>
-              <a:t>trntransactionfuel</a:t>
-            </a:r>
-            <a:r>
-              <a:rPr lang="en-US" dirty="0"/>
-              <a:t>. </a:t>
-            </a:r>
-            <a:r>
-              <a:rPr lang="en-US" dirty="0" err="1"/>
-              <a:t>Silahkan</a:t>
-            </a:r>
-            <a:r>
-              <a:rPr lang="en-US" dirty="0"/>
-              <a:t> download di :</a:t>
+              <a:rPr lang="en-US" b="1" dirty="0"/>
+              <a:t>Content:</a:t>
+            </a:r>
+            <a:br>
+              <a:rPr lang="en-US" dirty="0"/>
+            </a:br>
+            <a:r>
+              <a:rPr lang="en-US" dirty="0"/>
+              <a:t>Mari </a:t>
+            </a:r>
+            <a:r>
+              <a:rPr lang="en-US" dirty="0" err="1"/>
+              <a:t>kita</a:t>
+            </a:r>
+            <a:r>
+              <a:rPr lang="en-US" dirty="0"/>
+              <a:t> </a:t>
+            </a:r>
+            <a:r>
+              <a:rPr lang="en-US" dirty="0" err="1"/>
+              <a:t>mainkan</a:t>
+            </a:r>
+            <a:r>
+              <a:rPr lang="en-US" dirty="0"/>
+              <a:t> </a:t>
+            </a:r>
+            <a:r>
+              <a:rPr lang="en-US" dirty="0" err="1"/>
+              <a:t>permainan</a:t>
+            </a:r>
+            <a:r>
+              <a:rPr lang="en-US" dirty="0"/>
+              <a:t> </a:t>
+            </a:r>
+            <a:r>
+              <a:rPr lang="en-US" dirty="0" err="1"/>
+              <a:t>pencarian</a:t>
+            </a:r>
+            <a:r>
+              <a:rPr lang="en-US" dirty="0"/>
+              <a:t> data </a:t>
+            </a:r>
+            <a:r>
+              <a:rPr lang="en-US" dirty="0" err="1"/>
+              <a:t>menggunakan</a:t>
+            </a:r>
+            <a:r>
+              <a:rPr lang="en-US" dirty="0"/>
+              <a:t> query!</a:t>
+            </a:r>
+            <a:br>
+              <a:rPr lang="en-US" dirty="0"/>
+            </a:br>
+            <a:r>
+              <a:rPr lang="en-US" dirty="0"/>
+              <a:t>Saya </a:t>
+            </a:r>
+            <a:r>
+              <a:rPr lang="en-US" dirty="0" err="1"/>
+              <a:t>akan</a:t>
+            </a:r>
+            <a:r>
+              <a:rPr lang="en-US" dirty="0"/>
+              <a:t> </a:t>
+            </a:r>
+            <a:r>
+              <a:rPr lang="en-US" dirty="0" err="1"/>
+              <a:t>ajak</a:t>
+            </a:r>
+            <a:r>
+              <a:rPr lang="en-US" dirty="0"/>
+              <a:t> </a:t>
+            </a:r>
+            <a:r>
+              <a:rPr lang="en-US" dirty="0" err="1"/>
+              <a:t>untuk</a:t>
+            </a:r>
+            <a:r>
+              <a:rPr lang="en-US" dirty="0"/>
+              <a:t> </a:t>
+            </a:r>
+            <a:r>
+              <a:rPr lang="en-US" dirty="0" err="1"/>
+              <a:t>membuat</a:t>
+            </a:r>
+            <a:r>
+              <a:rPr lang="en-US" dirty="0"/>
+              <a:t> </a:t>
+            </a:r>
+            <a:r>
+              <a:rPr lang="en-US" dirty="0" err="1"/>
+              <a:t>pertanyaan</a:t>
+            </a:r>
+            <a:r>
+              <a:rPr lang="en-US" dirty="0"/>
+              <a:t> </a:t>
+            </a:r>
+            <a:r>
+              <a:rPr lang="en-US" dirty="0" err="1"/>
+              <a:t>anda</a:t>
+            </a:r>
+            <a:r>
+              <a:rPr lang="en-US" dirty="0"/>
+              <a:t> </a:t>
+            </a:r>
+            <a:r>
+              <a:rPr lang="en-US" dirty="0" err="1"/>
+              <a:t>sendiri</a:t>
+            </a:r>
+            <a:r>
+              <a:rPr lang="en-US" dirty="0"/>
+              <a:t> dan </a:t>
+            </a:r>
+            <a:r>
+              <a:rPr lang="en-US" dirty="0" err="1"/>
+              <a:t>kita</a:t>
+            </a:r>
+            <a:r>
+              <a:rPr lang="en-US" dirty="0"/>
+              <a:t> Bersama </a:t>
+            </a:r>
+            <a:r>
+              <a:rPr lang="en-US" dirty="0" err="1"/>
+              <a:t>sama</a:t>
+            </a:r>
+            <a:r>
+              <a:rPr lang="en-US" dirty="0"/>
+              <a:t> </a:t>
+            </a:r>
+            <a:r>
+              <a:rPr lang="en-US" dirty="0" err="1"/>
+              <a:t>buat</a:t>
+            </a:r>
+            <a:r>
+              <a:rPr lang="en-US" dirty="0"/>
+              <a:t> </a:t>
+            </a:r>
+            <a:r>
+              <a:rPr lang="en-US" dirty="0" err="1"/>
+              <a:t>querynya</a:t>
+            </a:r>
+            <a:r>
+              <a:rPr lang="en-US" dirty="0"/>
+              <a:t>.</a:t>
             </a:r>
           </a:p>
           <a:p>
             <a:pPr marL="0" indent="0">
               <a:buNone/>
             </a:pPr>
-            <a:r>
-              <a:rPr lang="en-US" dirty="0">
-                <a:hlinkClick r:id="rId2"/>
-              </a:rPr>
-              <a:t>https://github.com/candraananta/querycoursecandra/tree/master</a:t>
-            </a:r>
+            <a:br>
+              <a:rPr lang="en-US" dirty="0"/>
+            </a:br>
             <a:endParaRPr lang="en-US" dirty="0"/>
           </a:p>
           <a:p>
@@ -6279,13 +6482,1450 @@
               <a:buNone/>
             </a:pPr>
             <a:endParaRPr lang="en-US" dirty="0"/>
+          </a:p>
+        </p:txBody>
+      </p:sp>
+      <p:sp>
+        <p:nvSpPr>
+          <p:cNvPr id="4" name="Footer Placeholder 3">
+            <a:extLst>
+              <a:ext uri="{FF2B5EF4-FFF2-40B4-BE49-F238E27FC236}">
+                <a16:creationId xmlns:a16="http://schemas.microsoft.com/office/drawing/2014/main" id="{420A2D51-9A15-BDE1-4777-D95E72FF9F0D}"/>
+              </a:ext>
+            </a:extLst>
+          </p:cNvPr>
+          <p:cNvSpPr>
+            <a:spLocks noGrp="1"/>
+          </p:cNvSpPr>
+          <p:nvPr>
+            <p:ph type="ftr" sz="quarter" idx="11"/>
+          </p:nvPr>
+        </p:nvSpPr>
+        <p:spPr/>
+        <p:txBody>
+          <a:bodyPr/>
+          <a:lstStyle/>
+          <a:p>
+            <a:r>
+              <a:rPr lang="en-US"/>
+              <a:t>Presentasi By Candra A</a:t>
+            </a:r>
           </a:p>
         </p:txBody>
       </p:sp>
     </p:spTree>
     <p:extLst>
       <p:ext uri="{BB962C8B-B14F-4D97-AF65-F5344CB8AC3E}">
-        <p14:creationId xmlns:p14="http://schemas.microsoft.com/office/powerpoint/2010/main" val="1963219723"/>
+        <p14:creationId xmlns:p14="http://schemas.microsoft.com/office/powerpoint/2010/main" val="749849759"/>
+      </p:ext>
+    </p:extLst>
+  </p:cSld>
+  <p:clrMapOvr>
+    <a:masterClrMapping/>
+  </p:clrMapOvr>
+</p:sld>
+</file>
+
+<file path=ppt/slides/slide17.xml><?xml version="1.0" encoding="utf-8"?>
+<p:sld xmlns:a="http://schemas.openxmlformats.org/drawingml/2006/main" xmlns:r="http://schemas.openxmlformats.org/officeDocument/2006/relationships" xmlns:p="http://schemas.openxmlformats.org/presentationml/2006/main">
+  <p:cSld>
+    <p:spTree>
+      <p:nvGrpSpPr>
+        <p:cNvPr id="1" name=""/>
+        <p:cNvGrpSpPr/>
+        <p:nvPr/>
+      </p:nvGrpSpPr>
+      <p:grpSpPr>
+        <a:xfrm>
+          <a:off x="0" y="0"/>
+          <a:ext cx="0" cy="0"/>
+          <a:chOff x="0" y="0"/>
+          <a:chExt cx="0" cy="0"/>
+        </a:xfrm>
+      </p:grpSpPr>
+      <p:sp>
+        <p:nvSpPr>
+          <p:cNvPr id="2" name="Title 1">
+            <a:extLst>
+              <a:ext uri="{FF2B5EF4-FFF2-40B4-BE49-F238E27FC236}">
+                <a16:creationId xmlns:a16="http://schemas.microsoft.com/office/drawing/2014/main" id="{4299626E-4C2B-8814-BC74-2C33D4F520A3}"/>
+              </a:ext>
+            </a:extLst>
+          </p:cNvPr>
+          <p:cNvSpPr>
+            <a:spLocks noGrp="1"/>
+          </p:cNvSpPr>
+          <p:nvPr>
+            <p:ph type="title"/>
+          </p:nvPr>
+        </p:nvSpPr>
+        <p:spPr/>
+        <p:txBody>
+          <a:bodyPr/>
+          <a:lstStyle/>
+          <a:p>
+            <a:r>
+              <a:rPr lang="en-US" dirty="0" err="1"/>
+              <a:t>Persiapan</a:t>
+            </a:r>
+            <a:r>
+              <a:rPr lang="en-US" dirty="0"/>
+              <a:t> </a:t>
+            </a:r>
+            <a:r>
+              <a:rPr lang="en-US" dirty="0" err="1"/>
+              <a:t>Praktik</a:t>
+            </a:r>
+            <a:r>
+              <a:rPr lang="en-US" dirty="0"/>
+              <a:t> Query</a:t>
+            </a:r>
+          </a:p>
+        </p:txBody>
+      </p:sp>
+      <p:sp>
+        <p:nvSpPr>
+          <p:cNvPr id="3" name="Content Placeholder 2">
+            <a:extLst>
+              <a:ext uri="{FF2B5EF4-FFF2-40B4-BE49-F238E27FC236}">
+                <a16:creationId xmlns:a16="http://schemas.microsoft.com/office/drawing/2014/main" id="{8EE8700D-752E-1DEE-8B56-93E1E61AB3AD}"/>
+              </a:ext>
+            </a:extLst>
+          </p:cNvPr>
+          <p:cNvSpPr>
+            <a:spLocks noGrp="1"/>
+          </p:cNvSpPr>
+          <p:nvPr>
+            <p:ph idx="1"/>
+          </p:nvPr>
+        </p:nvSpPr>
+        <p:spPr/>
+        <p:txBody>
+          <a:bodyPr/>
+          <a:lstStyle/>
+          <a:p>
+            <a:pPr marL="0" indent="0">
+              <a:buNone/>
+            </a:pPr>
+            <a:r>
+              <a:rPr lang="en-US" b="1" dirty="0"/>
+              <a:t>Content:</a:t>
+            </a:r>
+            <a:br>
+              <a:rPr lang="en-US" dirty="0"/>
+            </a:br>
+            <a:r>
+              <a:rPr lang="en-US" b="1" dirty="0" err="1"/>
+              <a:t>Peralatan</a:t>
+            </a:r>
+            <a:r>
+              <a:rPr lang="en-US" b="1" dirty="0"/>
+              <a:t> yang </a:t>
+            </a:r>
+            <a:r>
+              <a:rPr lang="en-US" b="1" dirty="0" err="1"/>
+              <a:t>Diperlukan</a:t>
+            </a:r>
+            <a:r>
+              <a:rPr lang="en-US" b="1" dirty="0"/>
+              <a:t>:</a:t>
+            </a:r>
+            <a:endParaRPr lang="en-US" dirty="0"/>
+          </a:p>
+          <a:p>
+            <a:pPr>
+              <a:buFont typeface="+mj-lt"/>
+              <a:buAutoNum type="arabicPeriod"/>
+            </a:pPr>
+            <a:r>
+              <a:rPr lang="en-US" dirty="0" err="1"/>
+              <a:t>Komputer</a:t>
+            </a:r>
+            <a:r>
+              <a:rPr lang="en-US" dirty="0"/>
+              <a:t> </a:t>
+            </a:r>
+            <a:r>
+              <a:rPr lang="en-US" dirty="0" err="1"/>
+              <a:t>atau</a:t>
+            </a:r>
+            <a:r>
+              <a:rPr lang="en-US" dirty="0"/>
+              <a:t> Laptop</a:t>
+            </a:r>
+          </a:p>
+          <a:p>
+            <a:pPr>
+              <a:buFont typeface="+mj-lt"/>
+              <a:buAutoNum type="arabicPeriod"/>
+            </a:pPr>
+            <a:r>
+              <a:rPr lang="en-US" dirty="0" err="1"/>
+              <a:t>Akses</a:t>
+            </a:r>
+            <a:r>
+              <a:rPr lang="en-US" dirty="0"/>
+              <a:t> </a:t>
+            </a:r>
+            <a:r>
+              <a:rPr lang="en-US" dirty="0" err="1"/>
+              <a:t>ke</a:t>
+            </a:r>
+            <a:r>
+              <a:rPr lang="en-US" dirty="0"/>
+              <a:t> database online </a:t>
+            </a:r>
+            <a:r>
+              <a:rPr lang="en-US" dirty="0" err="1"/>
+              <a:t>seperti</a:t>
+            </a:r>
+            <a:r>
+              <a:rPr lang="en-US" dirty="0"/>
+              <a:t> </a:t>
+            </a:r>
+            <a:r>
+              <a:rPr lang="en-US" dirty="0">
+                <a:hlinkClick r:id="rId2"/>
+              </a:rPr>
+              <a:t>SQL Fiddle</a:t>
+            </a:r>
+            <a:r>
+              <a:rPr lang="en-US" dirty="0"/>
+              <a:t> https://sqlfiddle.com/</a:t>
+            </a:r>
+          </a:p>
+          <a:p>
+            <a:pPr>
+              <a:buFont typeface="+mj-lt"/>
+              <a:buAutoNum type="arabicPeriod"/>
+            </a:pPr>
+            <a:r>
+              <a:rPr lang="en-US" dirty="0" err="1"/>
+              <a:t>Koneksi</a:t>
+            </a:r>
+            <a:r>
+              <a:rPr lang="en-US" dirty="0"/>
+              <a:t> Internet</a:t>
+            </a:r>
+          </a:p>
+          <a:p>
+            <a:pPr marL="0" indent="0">
+              <a:buNone/>
+            </a:pPr>
+            <a:endParaRPr lang="en-US" dirty="0"/>
+          </a:p>
+        </p:txBody>
+      </p:sp>
+      <p:sp>
+        <p:nvSpPr>
+          <p:cNvPr id="4" name="Footer Placeholder 3">
+            <a:extLst>
+              <a:ext uri="{FF2B5EF4-FFF2-40B4-BE49-F238E27FC236}">
+                <a16:creationId xmlns:a16="http://schemas.microsoft.com/office/drawing/2014/main" id="{426D3383-43F2-A01F-B865-19E0A0A1C2BD}"/>
+              </a:ext>
+            </a:extLst>
+          </p:cNvPr>
+          <p:cNvSpPr>
+            <a:spLocks noGrp="1"/>
+          </p:cNvSpPr>
+          <p:nvPr>
+            <p:ph type="ftr" sz="quarter" idx="11"/>
+          </p:nvPr>
+        </p:nvSpPr>
+        <p:spPr/>
+        <p:txBody>
+          <a:bodyPr/>
+          <a:lstStyle/>
+          <a:p>
+            <a:r>
+              <a:rPr lang="en-US"/>
+              <a:t>Presentasi By Candra A</a:t>
+            </a:r>
+          </a:p>
+        </p:txBody>
+      </p:sp>
+    </p:spTree>
+    <p:extLst>
+      <p:ext uri="{BB962C8B-B14F-4D97-AF65-F5344CB8AC3E}">
+        <p14:creationId xmlns:p14="http://schemas.microsoft.com/office/powerpoint/2010/main" val="684185534"/>
+      </p:ext>
+    </p:extLst>
+  </p:cSld>
+  <p:clrMapOvr>
+    <a:masterClrMapping/>
+  </p:clrMapOvr>
+</p:sld>
+</file>
+
+<file path=ppt/slides/slide18.xml><?xml version="1.0" encoding="utf-8"?>
+<p:sld xmlns:a="http://schemas.openxmlformats.org/drawingml/2006/main" xmlns:r="http://schemas.openxmlformats.org/officeDocument/2006/relationships" xmlns:p="http://schemas.openxmlformats.org/presentationml/2006/main">
+  <p:cSld>
+    <p:spTree>
+      <p:nvGrpSpPr>
+        <p:cNvPr id="1" name=""/>
+        <p:cNvGrpSpPr/>
+        <p:nvPr/>
+      </p:nvGrpSpPr>
+      <p:grpSpPr>
+        <a:xfrm>
+          <a:off x="0" y="0"/>
+          <a:ext cx="0" cy="0"/>
+          <a:chOff x="0" y="0"/>
+          <a:chExt cx="0" cy="0"/>
+        </a:xfrm>
+      </p:grpSpPr>
+      <p:sp>
+        <p:nvSpPr>
+          <p:cNvPr id="3" name="Content Placeholder 2">
+            <a:extLst>
+              <a:ext uri="{FF2B5EF4-FFF2-40B4-BE49-F238E27FC236}">
+                <a16:creationId xmlns:a16="http://schemas.microsoft.com/office/drawing/2014/main" id="{D3D61696-3BF0-4CF9-2817-1E3127DBB06B}"/>
+              </a:ext>
+            </a:extLst>
+          </p:cNvPr>
+          <p:cNvSpPr>
+            <a:spLocks noGrp="1"/>
+          </p:cNvSpPr>
+          <p:nvPr>
+            <p:ph idx="1"/>
+          </p:nvPr>
+        </p:nvSpPr>
+        <p:spPr>
+          <a:xfrm>
+            <a:off x="838200" y="539496"/>
+            <a:ext cx="10515600" cy="5637467"/>
+          </a:xfrm>
+        </p:spPr>
+        <p:txBody>
+          <a:bodyPr>
+            <a:normAutofit fontScale="92500" lnSpcReduction="20000"/>
+          </a:bodyPr>
+          <a:lstStyle/>
+          <a:p>
+            <a:pPr marL="0" indent="0">
+              <a:buNone/>
+            </a:pPr>
+            <a:r>
+              <a:rPr lang="en-US" sz="1600" b="1" dirty="0" err="1"/>
+              <a:t>Buat</a:t>
+            </a:r>
+            <a:r>
+              <a:rPr lang="en-US" sz="1600" b="1" dirty="0"/>
+              <a:t> Database dan </a:t>
+            </a:r>
+            <a:r>
+              <a:rPr lang="en-US" sz="1600" b="1" dirty="0" err="1"/>
+              <a:t>Tabel</a:t>
+            </a:r>
+            <a:br>
+              <a:rPr lang="en-US" sz="1600" dirty="0"/>
+            </a:br>
+            <a:r>
+              <a:rPr lang="en-US" sz="1600" dirty="0" err="1"/>
+              <a:t>Buat</a:t>
+            </a:r>
+            <a:r>
+              <a:rPr lang="en-US" sz="1600" dirty="0"/>
+              <a:t> database </a:t>
+            </a:r>
+            <a:r>
+              <a:rPr lang="en-US" sz="1600" dirty="0" err="1"/>
+              <a:t>baru</a:t>
+            </a:r>
+            <a:r>
+              <a:rPr lang="en-US" sz="1600" dirty="0"/>
+              <a:t> dan </a:t>
+            </a:r>
+            <a:r>
+              <a:rPr lang="en-US" sz="1600" dirty="0" err="1"/>
+              <a:t>tabel</a:t>
+            </a:r>
+            <a:r>
+              <a:rPr lang="en-US" sz="1600" dirty="0"/>
+              <a:t> '</a:t>
+            </a:r>
+            <a:r>
+              <a:rPr lang="en-US" sz="1600" dirty="0" err="1"/>
+              <a:t>daftar_kelas</a:t>
+            </a:r>
+            <a:r>
+              <a:rPr lang="en-US" sz="1600" dirty="0"/>
+              <a:t>' </a:t>
+            </a:r>
+            <a:r>
+              <a:rPr lang="en-US" sz="1600" dirty="0" err="1"/>
+              <a:t>dengan</a:t>
+            </a:r>
+            <a:r>
+              <a:rPr lang="en-US" sz="1600" dirty="0"/>
+              <a:t> </a:t>
+            </a:r>
+            <a:r>
+              <a:rPr lang="en-US" sz="1600" dirty="0" err="1"/>
+              <a:t>kolom-kolom</a:t>
+            </a:r>
+            <a:r>
+              <a:rPr lang="en-US" sz="1600" dirty="0"/>
+              <a:t> </a:t>
+            </a:r>
+            <a:r>
+              <a:rPr lang="en-US" sz="1600" dirty="0" err="1"/>
+              <a:t>seperti</a:t>
+            </a:r>
+            <a:r>
+              <a:rPr lang="en-US" sz="1600" dirty="0"/>
+              <a:t> '</a:t>
+            </a:r>
+            <a:r>
+              <a:rPr lang="en-US" sz="1600" dirty="0" err="1"/>
+              <a:t>nama</a:t>
+            </a:r>
+            <a:r>
+              <a:rPr lang="en-US" sz="1600" dirty="0"/>
+              <a:t>', '</a:t>
+            </a:r>
+            <a:r>
+              <a:rPr lang="en-US" sz="1600" dirty="0" err="1"/>
+              <a:t>usia</a:t>
+            </a:r>
+            <a:r>
+              <a:rPr lang="en-US" sz="1600" dirty="0"/>
+              <a:t>', '</a:t>
+            </a:r>
+            <a:r>
+              <a:rPr lang="en-US" sz="1600" dirty="0" err="1"/>
+              <a:t>hobi</a:t>
+            </a:r>
+            <a:r>
+              <a:rPr lang="en-US" sz="1600" dirty="0"/>
+              <a:t>', '</a:t>
+            </a:r>
+            <a:r>
+              <a:rPr lang="en-US" sz="1600" dirty="0" err="1"/>
+              <a:t>warna_favorit</a:t>
+            </a:r>
+            <a:r>
+              <a:rPr lang="en-US" sz="1600" dirty="0"/>
+              <a:t>', '</a:t>
+            </a:r>
+            <a:r>
+              <a:rPr lang="en-US" sz="1600" dirty="0" err="1"/>
+              <a:t>kota</a:t>
+            </a:r>
+            <a:r>
+              <a:rPr lang="en-US" sz="1600" dirty="0"/>
+              <a:t>’.</a:t>
+            </a:r>
+          </a:p>
+          <a:p>
+            <a:pPr marL="0" indent="0">
+              <a:buNone/>
+            </a:pPr>
+            <a:endParaRPr lang="en-US" sz="1600" dirty="0"/>
+          </a:p>
+          <a:p>
+            <a:pPr marL="0" indent="0">
+              <a:buNone/>
+            </a:pPr>
+            <a:r>
+              <a:rPr lang="en-US" sz="1600" dirty="0">
+                <a:latin typeface="Courier New" panose="02070309020205020404" pitchFamily="49" charset="0"/>
+                <a:cs typeface="Courier New" panose="02070309020205020404" pitchFamily="49" charset="0"/>
+              </a:rPr>
+              <a:t>CREATE TABLE </a:t>
+            </a:r>
+            <a:r>
+              <a:rPr lang="en-US" sz="1600" dirty="0" err="1">
+                <a:latin typeface="Courier New" panose="02070309020205020404" pitchFamily="49" charset="0"/>
+                <a:cs typeface="Courier New" panose="02070309020205020404" pitchFamily="49" charset="0"/>
+              </a:rPr>
+              <a:t>daftar_kelas</a:t>
+            </a:r>
+            <a:r>
+              <a:rPr lang="en-US" sz="1600" dirty="0">
+                <a:latin typeface="Courier New" panose="02070309020205020404" pitchFamily="49" charset="0"/>
+                <a:cs typeface="Courier New" panose="02070309020205020404" pitchFamily="49" charset="0"/>
+              </a:rPr>
+              <a:t> (</a:t>
+            </a:r>
+          </a:p>
+          <a:p>
+            <a:pPr marL="0" indent="0">
+              <a:buNone/>
+            </a:pPr>
+            <a:r>
+              <a:rPr lang="en-US" sz="1600" dirty="0">
+                <a:latin typeface="Courier New" panose="02070309020205020404" pitchFamily="49" charset="0"/>
+                <a:cs typeface="Courier New" panose="02070309020205020404" pitchFamily="49" charset="0"/>
+              </a:rPr>
+              <a:t>  </a:t>
+            </a:r>
+            <a:r>
+              <a:rPr lang="en-US" sz="1600" dirty="0" err="1">
+                <a:latin typeface="Courier New" panose="02070309020205020404" pitchFamily="49" charset="0"/>
+                <a:cs typeface="Courier New" panose="02070309020205020404" pitchFamily="49" charset="0"/>
+              </a:rPr>
+              <a:t>nama</a:t>
+            </a:r>
+            <a:r>
+              <a:rPr lang="en-US" sz="1600" dirty="0">
+                <a:latin typeface="Courier New" panose="02070309020205020404" pitchFamily="49" charset="0"/>
+                <a:cs typeface="Courier New" panose="02070309020205020404" pitchFamily="49" charset="0"/>
+              </a:rPr>
+              <a:t> VARCHAR(50),</a:t>
+            </a:r>
+          </a:p>
+          <a:p>
+            <a:pPr marL="0" indent="0">
+              <a:buNone/>
+            </a:pPr>
+            <a:r>
+              <a:rPr lang="en-US" sz="1600" dirty="0">
+                <a:latin typeface="Courier New" panose="02070309020205020404" pitchFamily="49" charset="0"/>
+                <a:cs typeface="Courier New" panose="02070309020205020404" pitchFamily="49" charset="0"/>
+              </a:rPr>
+              <a:t>  </a:t>
+            </a:r>
+            <a:r>
+              <a:rPr lang="en-US" sz="1600" dirty="0" err="1">
+                <a:latin typeface="Courier New" panose="02070309020205020404" pitchFamily="49" charset="0"/>
+                <a:cs typeface="Courier New" panose="02070309020205020404" pitchFamily="49" charset="0"/>
+              </a:rPr>
+              <a:t>usia</a:t>
+            </a:r>
+            <a:r>
+              <a:rPr lang="en-US" sz="1600" dirty="0">
+                <a:latin typeface="Courier New" panose="02070309020205020404" pitchFamily="49" charset="0"/>
+                <a:cs typeface="Courier New" panose="02070309020205020404" pitchFamily="49" charset="0"/>
+              </a:rPr>
+              <a:t> INT,</a:t>
+            </a:r>
+          </a:p>
+          <a:p>
+            <a:pPr marL="0" indent="0">
+              <a:buNone/>
+            </a:pPr>
+            <a:r>
+              <a:rPr lang="en-US" sz="1600" dirty="0">
+                <a:latin typeface="Courier New" panose="02070309020205020404" pitchFamily="49" charset="0"/>
+                <a:cs typeface="Courier New" panose="02070309020205020404" pitchFamily="49" charset="0"/>
+              </a:rPr>
+              <a:t>  </a:t>
+            </a:r>
+            <a:r>
+              <a:rPr lang="en-US" sz="1600" dirty="0" err="1">
+                <a:latin typeface="Courier New" panose="02070309020205020404" pitchFamily="49" charset="0"/>
+                <a:cs typeface="Courier New" panose="02070309020205020404" pitchFamily="49" charset="0"/>
+              </a:rPr>
+              <a:t>hobi</a:t>
+            </a:r>
+            <a:r>
+              <a:rPr lang="en-US" sz="1600" dirty="0">
+                <a:latin typeface="Courier New" panose="02070309020205020404" pitchFamily="49" charset="0"/>
+                <a:cs typeface="Courier New" panose="02070309020205020404" pitchFamily="49" charset="0"/>
+              </a:rPr>
+              <a:t> VARCHAR(50),</a:t>
+            </a:r>
+          </a:p>
+          <a:p>
+            <a:pPr marL="0" indent="0">
+              <a:buNone/>
+            </a:pPr>
+            <a:r>
+              <a:rPr lang="en-US" sz="1600" dirty="0">
+                <a:latin typeface="Courier New" panose="02070309020205020404" pitchFamily="49" charset="0"/>
+                <a:cs typeface="Courier New" panose="02070309020205020404" pitchFamily="49" charset="0"/>
+              </a:rPr>
+              <a:t>  </a:t>
+            </a:r>
+            <a:r>
+              <a:rPr lang="en-US" sz="1600" dirty="0" err="1">
+                <a:latin typeface="Courier New" panose="02070309020205020404" pitchFamily="49" charset="0"/>
+                <a:cs typeface="Courier New" panose="02070309020205020404" pitchFamily="49" charset="0"/>
+              </a:rPr>
+              <a:t>warna_favorit</a:t>
+            </a:r>
+            <a:r>
+              <a:rPr lang="en-US" sz="1600" dirty="0">
+                <a:latin typeface="Courier New" panose="02070309020205020404" pitchFamily="49" charset="0"/>
+                <a:cs typeface="Courier New" panose="02070309020205020404" pitchFamily="49" charset="0"/>
+              </a:rPr>
+              <a:t> VARCHAR(50),</a:t>
+            </a:r>
+          </a:p>
+          <a:p>
+            <a:pPr marL="0" indent="0">
+              <a:buNone/>
+            </a:pPr>
+            <a:r>
+              <a:rPr lang="en-US" sz="1600" dirty="0">
+                <a:latin typeface="Courier New" panose="02070309020205020404" pitchFamily="49" charset="0"/>
+                <a:cs typeface="Courier New" panose="02070309020205020404" pitchFamily="49" charset="0"/>
+              </a:rPr>
+              <a:t>  </a:t>
+            </a:r>
+            <a:r>
+              <a:rPr lang="en-US" sz="1600" dirty="0" err="1">
+                <a:latin typeface="Courier New" panose="02070309020205020404" pitchFamily="49" charset="0"/>
+                <a:cs typeface="Courier New" panose="02070309020205020404" pitchFamily="49" charset="0"/>
+              </a:rPr>
+              <a:t>kota</a:t>
+            </a:r>
+            <a:r>
+              <a:rPr lang="en-US" sz="1600" dirty="0">
+                <a:latin typeface="Courier New" panose="02070309020205020404" pitchFamily="49" charset="0"/>
+                <a:cs typeface="Courier New" panose="02070309020205020404" pitchFamily="49" charset="0"/>
+              </a:rPr>
+              <a:t> VARCHAR(50)</a:t>
+            </a:r>
+          </a:p>
+          <a:p>
+            <a:pPr marL="0" indent="0">
+              <a:buNone/>
+            </a:pPr>
+            <a:r>
+              <a:rPr lang="en-US" sz="1600" dirty="0">
+                <a:latin typeface="Courier New" panose="02070309020205020404" pitchFamily="49" charset="0"/>
+                <a:cs typeface="Courier New" panose="02070309020205020404" pitchFamily="49" charset="0"/>
+              </a:rPr>
+              <a:t>);</a:t>
+            </a:r>
+          </a:p>
+          <a:p>
+            <a:pPr marL="0" indent="0">
+              <a:buNone/>
+            </a:pPr>
+            <a:r>
+              <a:rPr lang="en-US" sz="1600" b="1" dirty="0"/>
+              <a:t>Masukkan Data</a:t>
+            </a:r>
+            <a:br>
+              <a:rPr lang="en-US" sz="1600" dirty="0"/>
+            </a:br>
+            <a:r>
+              <a:rPr lang="en-US" sz="1600" dirty="0"/>
+              <a:t>Masukkan </a:t>
+            </a:r>
+            <a:r>
+              <a:rPr lang="en-US" sz="1600" dirty="0" err="1"/>
+              <a:t>beberapa</a:t>
+            </a:r>
+            <a:r>
+              <a:rPr lang="en-US" sz="1600" dirty="0"/>
+              <a:t> data </a:t>
+            </a:r>
+            <a:r>
+              <a:rPr lang="en-US" sz="1600" dirty="0" err="1"/>
+              <a:t>contoh</a:t>
+            </a:r>
+            <a:r>
+              <a:rPr lang="en-US" sz="1600" dirty="0"/>
+              <a:t> </a:t>
+            </a:r>
+            <a:r>
+              <a:rPr lang="en-US" sz="1600" dirty="0" err="1"/>
+              <a:t>ke</a:t>
+            </a:r>
+            <a:r>
+              <a:rPr lang="en-US" sz="1600" dirty="0"/>
+              <a:t> </a:t>
+            </a:r>
+            <a:r>
+              <a:rPr lang="en-US" sz="1600" dirty="0" err="1"/>
+              <a:t>dalam</a:t>
+            </a:r>
+            <a:r>
+              <a:rPr lang="en-US" sz="1600" dirty="0"/>
+              <a:t> </a:t>
+            </a:r>
+            <a:r>
+              <a:rPr lang="en-US" sz="1600" dirty="0" err="1"/>
+              <a:t>tabel</a:t>
+            </a:r>
+            <a:r>
+              <a:rPr lang="en-US" sz="1600" dirty="0"/>
+              <a:t> '</a:t>
+            </a:r>
+            <a:r>
+              <a:rPr lang="en-US" sz="1600" dirty="0" err="1"/>
+              <a:t>daftar_kelas</a:t>
+            </a:r>
+            <a:r>
+              <a:rPr lang="en-US" sz="1600" dirty="0"/>
+              <a:t>’.</a:t>
+            </a:r>
+          </a:p>
+          <a:p>
+            <a:pPr marL="0" indent="0">
+              <a:buNone/>
+            </a:pPr>
+            <a:r>
+              <a:rPr lang="en-US" sz="1600" dirty="0">
+                <a:latin typeface="Courier New" panose="02070309020205020404" pitchFamily="49" charset="0"/>
+                <a:cs typeface="Courier New" panose="02070309020205020404" pitchFamily="49" charset="0"/>
+              </a:rPr>
+              <a:t>INSERT INTO </a:t>
+            </a:r>
+            <a:r>
+              <a:rPr lang="en-US" sz="1600" dirty="0" err="1">
+                <a:latin typeface="Courier New" panose="02070309020205020404" pitchFamily="49" charset="0"/>
+                <a:cs typeface="Courier New" panose="02070309020205020404" pitchFamily="49" charset="0"/>
+              </a:rPr>
+              <a:t>daftar_kelas</a:t>
+            </a:r>
+            <a:r>
+              <a:rPr lang="en-US" sz="1600" dirty="0">
+                <a:latin typeface="Courier New" panose="02070309020205020404" pitchFamily="49" charset="0"/>
+                <a:cs typeface="Courier New" panose="02070309020205020404" pitchFamily="49" charset="0"/>
+              </a:rPr>
+              <a:t> (</a:t>
+            </a:r>
+            <a:r>
+              <a:rPr lang="en-US" sz="1600" dirty="0" err="1">
+                <a:latin typeface="Courier New" panose="02070309020205020404" pitchFamily="49" charset="0"/>
+                <a:cs typeface="Courier New" panose="02070309020205020404" pitchFamily="49" charset="0"/>
+              </a:rPr>
+              <a:t>nama</a:t>
+            </a:r>
+            <a:r>
+              <a:rPr lang="en-US" sz="1600" dirty="0">
+                <a:latin typeface="Courier New" panose="02070309020205020404" pitchFamily="49" charset="0"/>
+                <a:cs typeface="Courier New" panose="02070309020205020404" pitchFamily="49" charset="0"/>
+              </a:rPr>
+              <a:t>, </a:t>
+            </a:r>
+            <a:r>
+              <a:rPr lang="en-US" sz="1600" dirty="0" err="1">
+                <a:latin typeface="Courier New" panose="02070309020205020404" pitchFamily="49" charset="0"/>
+                <a:cs typeface="Courier New" panose="02070309020205020404" pitchFamily="49" charset="0"/>
+              </a:rPr>
+              <a:t>usia</a:t>
+            </a:r>
+            <a:r>
+              <a:rPr lang="en-US" sz="1600" dirty="0">
+                <a:latin typeface="Courier New" panose="02070309020205020404" pitchFamily="49" charset="0"/>
+                <a:cs typeface="Courier New" panose="02070309020205020404" pitchFamily="49" charset="0"/>
+              </a:rPr>
+              <a:t>, </a:t>
+            </a:r>
+            <a:r>
+              <a:rPr lang="en-US" sz="1600" dirty="0" err="1">
+                <a:latin typeface="Courier New" panose="02070309020205020404" pitchFamily="49" charset="0"/>
+                <a:cs typeface="Courier New" panose="02070309020205020404" pitchFamily="49" charset="0"/>
+              </a:rPr>
+              <a:t>hobi</a:t>
+            </a:r>
+            <a:r>
+              <a:rPr lang="en-US" sz="1600" dirty="0">
+                <a:latin typeface="Courier New" panose="02070309020205020404" pitchFamily="49" charset="0"/>
+                <a:cs typeface="Courier New" panose="02070309020205020404" pitchFamily="49" charset="0"/>
+              </a:rPr>
+              <a:t>, </a:t>
+            </a:r>
+            <a:r>
+              <a:rPr lang="en-US" sz="1600" dirty="0" err="1">
+                <a:latin typeface="Courier New" panose="02070309020205020404" pitchFamily="49" charset="0"/>
+                <a:cs typeface="Courier New" panose="02070309020205020404" pitchFamily="49" charset="0"/>
+              </a:rPr>
+              <a:t>warna_favorit</a:t>
+            </a:r>
+            <a:r>
+              <a:rPr lang="en-US" sz="1600" dirty="0">
+                <a:latin typeface="Courier New" panose="02070309020205020404" pitchFamily="49" charset="0"/>
+                <a:cs typeface="Courier New" panose="02070309020205020404" pitchFamily="49" charset="0"/>
+              </a:rPr>
+              <a:t>, </a:t>
+            </a:r>
+            <a:r>
+              <a:rPr lang="en-US" sz="1600" dirty="0" err="1">
+                <a:latin typeface="Courier New" panose="02070309020205020404" pitchFamily="49" charset="0"/>
+                <a:cs typeface="Courier New" panose="02070309020205020404" pitchFamily="49" charset="0"/>
+              </a:rPr>
+              <a:t>kota</a:t>
+            </a:r>
+            <a:r>
+              <a:rPr lang="en-US" sz="1600" dirty="0">
+                <a:latin typeface="Courier New" panose="02070309020205020404" pitchFamily="49" charset="0"/>
+                <a:cs typeface="Courier New" panose="02070309020205020404" pitchFamily="49" charset="0"/>
+              </a:rPr>
+              <a:t>)</a:t>
+            </a:r>
+          </a:p>
+          <a:p>
+            <a:pPr marL="0" indent="0">
+              <a:buNone/>
+            </a:pPr>
+            <a:r>
+              <a:rPr lang="en-US" sz="1600" dirty="0">
+                <a:latin typeface="Courier New" panose="02070309020205020404" pitchFamily="49" charset="0"/>
+                <a:cs typeface="Courier New" panose="02070309020205020404" pitchFamily="49" charset="0"/>
+              </a:rPr>
+              <a:t>VALUES </a:t>
+            </a:r>
+          </a:p>
+          <a:p>
+            <a:pPr marL="0" indent="0">
+              <a:buNone/>
+            </a:pPr>
+            <a:r>
+              <a:rPr lang="en-US" sz="1600" dirty="0">
+                <a:latin typeface="Courier New" panose="02070309020205020404" pitchFamily="49" charset="0"/>
+                <a:cs typeface="Courier New" panose="02070309020205020404" pitchFamily="49" charset="0"/>
+              </a:rPr>
+              <a:t>('Ali', 10, '</a:t>
+            </a:r>
+            <a:r>
+              <a:rPr lang="en-US" sz="1600" dirty="0" err="1">
+                <a:latin typeface="Courier New" panose="02070309020205020404" pitchFamily="49" charset="0"/>
+                <a:cs typeface="Courier New" panose="02070309020205020404" pitchFamily="49" charset="0"/>
+              </a:rPr>
+              <a:t>sepak</a:t>
+            </a:r>
+            <a:r>
+              <a:rPr lang="en-US" sz="1600" dirty="0">
+                <a:latin typeface="Courier New" panose="02070309020205020404" pitchFamily="49" charset="0"/>
+                <a:cs typeface="Courier New" panose="02070309020205020404" pitchFamily="49" charset="0"/>
+              </a:rPr>
+              <a:t> bola', '</a:t>
+            </a:r>
+            <a:r>
+              <a:rPr lang="en-US" sz="1600" dirty="0" err="1">
+                <a:latin typeface="Courier New" panose="02070309020205020404" pitchFamily="49" charset="0"/>
+                <a:cs typeface="Courier New" panose="02070309020205020404" pitchFamily="49" charset="0"/>
+              </a:rPr>
+              <a:t>biru</a:t>
+            </a:r>
+            <a:r>
+              <a:rPr lang="en-US" sz="1600" dirty="0">
+                <a:latin typeface="Courier New" panose="02070309020205020404" pitchFamily="49" charset="0"/>
+                <a:cs typeface="Courier New" panose="02070309020205020404" pitchFamily="49" charset="0"/>
+              </a:rPr>
+              <a:t>', 'Jakarta'),</a:t>
+            </a:r>
+          </a:p>
+          <a:p>
+            <a:pPr marL="0" indent="0">
+              <a:buNone/>
+            </a:pPr>
+            <a:r>
+              <a:rPr lang="en-US" sz="1600" dirty="0">
+                <a:latin typeface="Courier New" panose="02070309020205020404" pitchFamily="49" charset="0"/>
+                <a:cs typeface="Courier New" panose="02070309020205020404" pitchFamily="49" charset="0"/>
+              </a:rPr>
+              <a:t>('Budi', 9, '</a:t>
+            </a:r>
+            <a:r>
+              <a:rPr lang="en-US" sz="1600" dirty="0" err="1">
+                <a:latin typeface="Courier New" panose="02070309020205020404" pitchFamily="49" charset="0"/>
+                <a:cs typeface="Courier New" panose="02070309020205020404" pitchFamily="49" charset="0"/>
+              </a:rPr>
+              <a:t>menggambar</a:t>
+            </a:r>
+            <a:r>
+              <a:rPr lang="en-US" sz="1600" dirty="0">
+                <a:latin typeface="Courier New" panose="02070309020205020404" pitchFamily="49" charset="0"/>
+                <a:cs typeface="Courier New" panose="02070309020205020404" pitchFamily="49" charset="0"/>
+              </a:rPr>
+              <a:t>', '</a:t>
+            </a:r>
+            <a:r>
+              <a:rPr lang="en-US" sz="1600" dirty="0" err="1">
+                <a:latin typeface="Courier New" panose="02070309020205020404" pitchFamily="49" charset="0"/>
+                <a:cs typeface="Courier New" panose="02070309020205020404" pitchFamily="49" charset="0"/>
+              </a:rPr>
+              <a:t>merah</a:t>
+            </a:r>
+            <a:r>
+              <a:rPr lang="en-US" sz="1600" dirty="0">
+                <a:latin typeface="Courier New" panose="02070309020205020404" pitchFamily="49" charset="0"/>
+                <a:cs typeface="Courier New" panose="02070309020205020404" pitchFamily="49" charset="0"/>
+              </a:rPr>
+              <a:t>', 'Bandung'),</a:t>
+            </a:r>
+          </a:p>
+          <a:p>
+            <a:pPr marL="0" indent="0">
+              <a:buNone/>
+            </a:pPr>
+            <a:r>
+              <a:rPr lang="en-US" sz="1600" dirty="0">
+                <a:latin typeface="Courier New" panose="02070309020205020404" pitchFamily="49" charset="0"/>
+                <a:cs typeface="Courier New" panose="02070309020205020404" pitchFamily="49" charset="0"/>
+              </a:rPr>
+              <a:t>('</a:t>
+            </a:r>
+            <a:r>
+              <a:rPr lang="en-US" sz="1600" dirty="0" err="1">
+                <a:latin typeface="Courier New" panose="02070309020205020404" pitchFamily="49" charset="0"/>
+                <a:cs typeface="Courier New" panose="02070309020205020404" pitchFamily="49" charset="0"/>
+              </a:rPr>
+              <a:t>Cici</a:t>
+            </a:r>
+            <a:r>
+              <a:rPr lang="en-US" sz="1600" dirty="0">
+                <a:latin typeface="Courier New" panose="02070309020205020404" pitchFamily="49" charset="0"/>
+                <a:cs typeface="Courier New" panose="02070309020205020404" pitchFamily="49" charset="0"/>
+              </a:rPr>
+              <a:t>', 11, '</a:t>
+            </a:r>
+            <a:r>
+              <a:rPr lang="en-US" sz="1600" dirty="0" err="1">
+                <a:latin typeface="Courier New" panose="02070309020205020404" pitchFamily="49" charset="0"/>
+                <a:cs typeface="Courier New" panose="02070309020205020404" pitchFamily="49" charset="0"/>
+              </a:rPr>
+              <a:t>membaca</a:t>
+            </a:r>
+            <a:r>
+              <a:rPr lang="en-US" sz="1600" dirty="0">
+                <a:latin typeface="Courier New" panose="02070309020205020404" pitchFamily="49" charset="0"/>
+                <a:cs typeface="Courier New" panose="02070309020205020404" pitchFamily="49" charset="0"/>
+              </a:rPr>
+              <a:t>', '</a:t>
+            </a:r>
+            <a:r>
+              <a:rPr lang="en-US" sz="1600" dirty="0" err="1">
+                <a:latin typeface="Courier New" panose="02070309020205020404" pitchFamily="49" charset="0"/>
+                <a:cs typeface="Courier New" panose="02070309020205020404" pitchFamily="49" charset="0"/>
+              </a:rPr>
+              <a:t>kuning</a:t>
+            </a:r>
+            <a:r>
+              <a:rPr lang="en-US" sz="1600" dirty="0">
+                <a:latin typeface="Courier New" panose="02070309020205020404" pitchFamily="49" charset="0"/>
+                <a:cs typeface="Courier New" panose="02070309020205020404" pitchFamily="49" charset="0"/>
+              </a:rPr>
+              <a:t>', 'Surabaya'),</a:t>
+            </a:r>
+          </a:p>
+          <a:p>
+            <a:pPr marL="0" indent="0">
+              <a:buNone/>
+            </a:pPr>
+            <a:r>
+              <a:rPr lang="en-US" sz="1600" dirty="0">
+                <a:latin typeface="Courier New" panose="02070309020205020404" pitchFamily="49" charset="0"/>
+                <a:cs typeface="Courier New" panose="02070309020205020404" pitchFamily="49" charset="0"/>
+              </a:rPr>
+              <a:t>('Deni', 8, '</a:t>
+            </a:r>
+            <a:r>
+              <a:rPr lang="en-US" sz="1600" dirty="0" err="1">
+                <a:latin typeface="Courier New" panose="02070309020205020404" pitchFamily="49" charset="0"/>
+                <a:cs typeface="Courier New" panose="02070309020205020404" pitchFamily="49" charset="0"/>
+              </a:rPr>
+              <a:t>berenang</a:t>
+            </a:r>
+            <a:r>
+              <a:rPr lang="en-US" sz="1600" dirty="0">
+                <a:latin typeface="Courier New" panose="02070309020205020404" pitchFamily="49" charset="0"/>
+                <a:cs typeface="Courier New" panose="02070309020205020404" pitchFamily="49" charset="0"/>
+              </a:rPr>
+              <a:t>', '</a:t>
+            </a:r>
+            <a:r>
+              <a:rPr lang="en-US" sz="1600" dirty="0" err="1">
+                <a:latin typeface="Courier New" panose="02070309020205020404" pitchFamily="49" charset="0"/>
+                <a:cs typeface="Courier New" panose="02070309020205020404" pitchFamily="49" charset="0"/>
+              </a:rPr>
+              <a:t>hijau</a:t>
+            </a:r>
+            <a:r>
+              <a:rPr lang="en-US" sz="1600" dirty="0">
+                <a:latin typeface="Courier New" panose="02070309020205020404" pitchFamily="49" charset="0"/>
+                <a:cs typeface="Courier New" panose="02070309020205020404" pitchFamily="49" charset="0"/>
+              </a:rPr>
+              <a:t>', 'Jakarta’);</a:t>
+            </a:r>
+          </a:p>
+          <a:p>
+            <a:pPr marL="0" indent="0">
+              <a:buNone/>
+            </a:pPr>
+            <a:r>
+              <a:rPr lang="en-US" sz="1700" b="1" dirty="0" err="1"/>
+              <a:t>Menjalankan</a:t>
+            </a:r>
+            <a:r>
+              <a:rPr lang="en-US" sz="1700" b="1" dirty="0"/>
+              <a:t> Query</a:t>
+            </a:r>
+            <a:br>
+              <a:rPr lang="en-US" sz="1700" dirty="0"/>
+            </a:br>
+            <a:r>
+              <a:rPr lang="en-US" sz="1700" dirty="0"/>
+              <a:t>Coba </a:t>
+            </a:r>
+            <a:r>
+              <a:rPr lang="en-US" sz="1700" dirty="0" err="1"/>
+              <a:t>jalankan</a:t>
+            </a:r>
+            <a:r>
+              <a:rPr lang="en-US" sz="1700" dirty="0"/>
+              <a:t> query-query yang </a:t>
+            </a:r>
+            <a:r>
+              <a:rPr lang="en-US" sz="1700" dirty="0" err="1"/>
+              <a:t>telah</a:t>
+            </a:r>
+            <a:r>
+              <a:rPr lang="en-US" sz="1700" dirty="0"/>
+              <a:t> </a:t>
+            </a:r>
+            <a:r>
+              <a:rPr lang="en-US" sz="1700" dirty="0" err="1"/>
+              <a:t>kita</a:t>
+            </a:r>
+            <a:r>
+              <a:rPr lang="en-US" sz="1700" dirty="0"/>
+              <a:t> </a:t>
+            </a:r>
+            <a:r>
+              <a:rPr lang="en-US" sz="1700" dirty="0" err="1"/>
+              <a:t>buat</a:t>
+            </a:r>
+            <a:r>
+              <a:rPr lang="en-US" sz="1700" dirty="0"/>
+              <a:t> </a:t>
+            </a:r>
+            <a:r>
+              <a:rPr lang="en-US" sz="1700" dirty="0" err="1"/>
+              <a:t>sebelumnya</a:t>
+            </a:r>
+            <a:r>
+              <a:rPr lang="en-US" sz="1700" dirty="0"/>
+              <a:t>.</a:t>
+            </a:r>
+            <a:endParaRPr lang="en-US" sz="2600" dirty="0">
+              <a:latin typeface="Courier New" panose="02070309020205020404" pitchFamily="49" charset="0"/>
+              <a:cs typeface="Courier New" panose="02070309020205020404" pitchFamily="49" charset="0"/>
+            </a:endParaRPr>
+          </a:p>
+          <a:p>
+            <a:pPr marL="0" indent="0">
+              <a:buNone/>
+            </a:pPr>
+            <a:endParaRPr lang="en-US" sz="2000" dirty="0">
+              <a:latin typeface="Courier New" panose="02070309020205020404" pitchFamily="49" charset="0"/>
+              <a:cs typeface="Courier New" panose="02070309020205020404" pitchFamily="49" charset="0"/>
+            </a:endParaRPr>
+          </a:p>
+          <a:p>
+            <a:pPr marL="0" indent="0">
+              <a:buNone/>
+            </a:pPr>
+            <a:endParaRPr lang="en-US" dirty="0"/>
+          </a:p>
+        </p:txBody>
+      </p:sp>
+      <p:sp>
+        <p:nvSpPr>
+          <p:cNvPr id="2" name="Footer Placeholder 1">
+            <a:extLst>
+              <a:ext uri="{FF2B5EF4-FFF2-40B4-BE49-F238E27FC236}">
+                <a16:creationId xmlns:a16="http://schemas.microsoft.com/office/drawing/2014/main" id="{E33C8611-02BA-6257-2968-C33540130086}"/>
+              </a:ext>
+            </a:extLst>
+          </p:cNvPr>
+          <p:cNvSpPr>
+            <a:spLocks noGrp="1"/>
+          </p:cNvSpPr>
+          <p:nvPr>
+            <p:ph type="ftr" sz="quarter" idx="11"/>
+          </p:nvPr>
+        </p:nvSpPr>
+        <p:spPr/>
+        <p:txBody>
+          <a:bodyPr/>
+          <a:lstStyle/>
+          <a:p>
+            <a:r>
+              <a:rPr lang="en-US"/>
+              <a:t>Presentasi By Candra A</a:t>
+            </a:r>
+          </a:p>
+        </p:txBody>
+      </p:sp>
+    </p:spTree>
+    <p:extLst>
+      <p:ext uri="{BB962C8B-B14F-4D97-AF65-F5344CB8AC3E}">
+        <p14:creationId xmlns:p14="http://schemas.microsoft.com/office/powerpoint/2010/main" val="1392852231"/>
+      </p:ext>
+    </p:extLst>
+  </p:cSld>
+  <p:clrMapOvr>
+    <a:masterClrMapping/>
+  </p:clrMapOvr>
+</p:sld>
+</file>
+
+<file path=ppt/slides/slide19.xml><?xml version="1.0" encoding="utf-8"?>
+<p:sld xmlns:a="http://schemas.openxmlformats.org/drawingml/2006/main" xmlns:r="http://schemas.openxmlformats.org/officeDocument/2006/relationships" xmlns:p="http://schemas.openxmlformats.org/presentationml/2006/main">
+  <p:cSld>
+    <p:spTree>
+      <p:nvGrpSpPr>
+        <p:cNvPr id="1" name=""/>
+        <p:cNvGrpSpPr/>
+        <p:nvPr/>
+      </p:nvGrpSpPr>
+      <p:grpSpPr>
+        <a:xfrm>
+          <a:off x="0" y="0"/>
+          <a:ext cx="0" cy="0"/>
+          <a:chOff x="0" y="0"/>
+          <a:chExt cx="0" cy="0"/>
+        </a:xfrm>
+      </p:grpSpPr>
+      <p:sp>
+        <p:nvSpPr>
+          <p:cNvPr id="2" name="Title 1">
+            <a:extLst>
+              <a:ext uri="{FF2B5EF4-FFF2-40B4-BE49-F238E27FC236}">
+                <a16:creationId xmlns:a16="http://schemas.microsoft.com/office/drawing/2014/main" id="{42C54E80-CAB2-0BE7-CBB3-2B35CD869E07}"/>
+              </a:ext>
+            </a:extLst>
+          </p:cNvPr>
+          <p:cNvSpPr>
+            <a:spLocks noGrp="1"/>
+          </p:cNvSpPr>
+          <p:nvPr>
+            <p:ph type="title"/>
+          </p:nvPr>
+        </p:nvSpPr>
+        <p:spPr/>
+        <p:txBody>
+          <a:bodyPr/>
+          <a:lstStyle/>
+          <a:p>
+            <a:r>
+              <a:rPr lang="en-US" dirty="0"/>
+              <a:t>Kesimpulan</a:t>
+            </a:r>
+          </a:p>
+        </p:txBody>
+      </p:sp>
+      <p:sp>
+        <p:nvSpPr>
+          <p:cNvPr id="3" name="Content Placeholder 2">
+            <a:extLst>
+              <a:ext uri="{FF2B5EF4-FFF2-40B4-BE49-F238E27FC236}">
+                <a16:creationId xmlns:a16="http://schemas.microsoft.com/office/drawing/2014/main" id="{ABCD6550-6D41-718C-7667-31EDD8503C59}"/>
+              </a:ext>
+            </a:extLst>
+          </p:cNvPr>
+          <p:cNvSpPr>
+            <a:spLocks noGrp="1"/>
+          </p:cNvSpPr>
+          <p:nvPr>
+            <p:ph idx="1"/>
+          </p:nvPr>
+        </p:nvSpPr>
+        <p:spPr/>
+        <p:txBody>
+          <a:bodyPr/>
+          <a:lstStyle/>
+          <a:p>
+            <a:pPr marL="0" indent="0">
+              <a:buNone/>
+            </a:pPr>
+            <a:r>
+              <a:rPr lang="en-US" b="1" dirty="0"/>
+              <a:t>Content:</a:t>
+            </a:r>
+            <a:endParaRPr lang="en-US" dirty="0"/>
+          </a:p>
+          <a:p>
+            <a:pPr>
+              <a:buFont typeface="Arial" panose="020B0604020202020204" pitchFamily="34" charset="0"/>
+              <a:buChar char="•"/>
+            </a:pPr>
+            <a:r>
+              <a:rPr lang="en-US" dirty="0"/>
+              <a:t>Query </a:t>
+            </a:r>
+            <a:r>
+              <a:rPr lang="en-US" dirty="0" err="1"/>
+              <a:t>adalah</a:t>
+            </a:r>
+            <a:r>
+              <a:rPr lang="en-US" dirty="0"/>
+              <a:t> </a:t>
+            </a:r>
+            <a:r>
+              <a:rPr lang="en-US" dirty="0" err="1"/>
+              <a:t>cara</a:t>
+            </a:r>
+            <a:r>
+              <a:rPr lang="en-US" dirty="0"/>
+              <a:t> </a:t>
+            </a:r>
+            <a:r>
+              <a:rPr lang="en-US" dirty="0" err="1"/>
+              <a:t>untuk</a:t>
+            </a:r>
+            <a:r>
+              <a:rPr lang="en-US" dirty="0"/>
+              <a:t> </a:t>
+            </a:r>
+            <a:r>
+              <a:rPr lang="en-US" dirty="0" err="1"/>
+              <a:t>meminta</a:t>
+            </a:r>
+            <a:r>
+              <a:rPr lang="en-US" dirty="0"/>
+              <a:t> </a:t>
+            </a:r>
+            <a:r>
+              <a:rPr lang="en-US" dirty="0" err="1"/>
+              <a:t>informasi</a:t>
+            </a:r>
+            <a:r>
+              <a:rPr lang="en-US" dirty="0"/>
+              <a:t> </a:t>
+            </a:r>
+            <a:r>
+              <a:rPr lang="en-US" dirty="0" err="1"/>
+              <a:t>dari</a:t>
+            </a:r>
+            <a:r>
+              <a:rPr lang="en-US" dirty="0"/>
+              <a:t> database.</a:t>
+            </a:r>
+          </a:p>
+          <a:p>
+            <a:pPr>
+              <a:buFont typeface="Arial" panose="020B0604020202020204" pitchFamily="34" charset="0"/>
+              <a:buChar char="•"/>
+            </a:pPr>
+            <a:r>
+              <a:rPr lang="en-US" dirty="0"/>
+              <a:t>Sangat </a:t>
+            </a:r>
+            <a:r>
+              <a:rPr lang="en-US" dirty="0" err="1"/>
+              <a:t>berguna</a:t>
+            </a:r>
+            <a:r>
+              <a:rPr lang="en-US" dirty="0"/>
+              <a:t> </a:t>
+            </a:r>
+            <a:r>
+              <a:rPr lang="en-US" dirty="0" err="1"/>
+              <a:t>untuk</a:t>
+            </a:r>
+            <a:r>
+              <a:rPr lang="en-US" dirty="0"/>
+              <a:t> </a:t>
+            </a:r>
+            <a:r>
+              <a:rPr lang="en-US" dirty="0" err="1"/>
+              <a:t>menemukan</a:t>
+            </a:r>
+            <a:r>
+              <a:rPr lang="en-US" dirty="0"/>
+              <a:t> </a:t>
+            </a:r>
+            <a:r>
+              <a:rPr lang="en-US" dirty="0" err="1"/>
+              <a:t>informasi</a:t>
+            </a:r>
+            <a:r>
+              <a:rPr lang="en-US" dirty="0"/>
+              <a:t> </a:t>
+            </a:r>
+            <a:r>
+              <a:rPr lang="en-US" dirty="0" err="1"/>
+              <a:t>dengan</a:t>
+            </a:r>
+            <a:r>
+              <a:rPr lang="en-US" dirty="0"/>
+              <a:t> </a:t>
+            </a:r>
+            <a:r>
+              <a:rPr lang="en-US" dirty="0" err="1"/>
+              <a:t>cepat</a:t>
+            </a:r>
+            <a:r>
+              <a:rPr lang="en-US" dirty="0"/>
+              <a:t>.</a:t>
+            </a:r>
+          </a:p>
+          <a:p>
+            <a:pPr>
+              <a:buFont typeface="Arial" panose="020B0604020202020204" pitchFamily="34" charset="0"/>
+              <a:buChar char="•"/>
+            </a:pPr>
+            <a:r>
+              <a:rPr lang="en-US" dirty="0"/>
+              <a:t>Langkah-</a:t>
+            </a:r>
+            <a:r>
+              <a:rPr lang="en-US" dirty="0" err="1"/>
+              <a:t>langkah</a:t>
+            </a:r>
+            <a:r>
+              <a:rPr lang="en-US" dirty="0"/>
+              <a:t> </a:t>
+            </a:r>
+            <a:r>
+              <a:rPr lang="en-US" dirty="0" err="1"/>
+              <a:t>membuat</a:t>
+            </a:r>
+            <a:r>
+              <a:rPr lang="en-US" dirty="0"/>
+              <a:t> query: </a:t>
+            </a:r>
+            <a:r>
+              <a:rPr lang="en-US" dirty="0" err="1"/>
+              <a:t>pilih</a:t>
+            </a:r>
+            <a:r>
+              <a:rPr lang="en-US" dirty="0"/>
+              <a:t> </a:t>
+            </a:r>
+            <a:r>
+              <a:rPr lang="en-US" dirty="0" err="1"/>
+              <a:t>tabel</a:t>
+            </a:r>
+            <a:r>
+              <a:rPr lang="en-US" dirty="0"/>
+              <a:t>, </a:t>
+            </a:r>
+            <a:r>
+              <a:rPr lang="en-US" dirty="0" err="1"/>
+              <a:t>pilih</a:t>
+            </a:r>
+            <a:r>
+              <a:rPr lang="en-US" dirty="0"/>
+              <a:t> </a:t>
+            </a:r>
+            <a:r>
+              <a:rPr lang="en-US" dirty="0" err="1"/>
+              <a:t>kolom</a:t>
+            </a:r>
+            <a:r>
+              <a:rPr lang="en-US" dirty="0"/>
+              <a:t>, </a:t>
+            </a:r>
+            <a:r>
+              <a:rPr lang="en-US" dirty="0" err="1"/>
+              <a:t>tambahkan</a:t>
+            </a:r>
+            <a:r>
+              <a:rPr lang="en-US" dirty="0"/>
+              <a:t> </a:t>
+            </a:r>
+            <a:r>
+              <a:rPr lang="en-US" dirty="0" err="1"/>
+              <a:t>kondisi</a:t>
+            </a:r>
+            <a:r>
+              <a:rPr lang="en-US" dirty="0"/>
+              <a:t>.</a:t>
+            </a:r>
+          </a:p>
+          <a:p>
+            <a:pPr>
+              <a:buFont typeface="Arial" panose="020B0604020202020204" pitchFamily="34" charset="0"/>
+              <a:buChar char="•"/>
+            </a:pPr>
+            <a:r>
+              <a:rPr lang="en-US" dirty="0" err="1"/>
+              <a:t>Dengan</a:t>
+            </a:r>
+            <a:r>
+              <a:rPr lang="en-US" dirty="0"/>
+              <a:t> </a:t>
+            </a:r>
+            <a:r>
+              <a:rPr lang="en-US" dirty="0" err="1"/>
+              <a:t>sedikit</a:t>
+            </a:r>
+            <a:r>
+              <a:rPr lang="en-US" dirty="0"/>
+              <a:t> </a:t>
+            </a:r>
+            <a:r>
+              <a:rPr lang="en-US" dirty="0" err="1"/>
+              <a:t>latihan</a:t>
+            </a:r>
+            <a:r>
+              <a:rPr lang="en-US" dirty="0"/>
+              <a:t>, </a:t>
+            </a:r>
+            <a:r>
+              <a:rPr lang="en-US" dirty="0" err="1"/>
+              <a:t>siapa</a:t>
+            </a:r>
+            <a:r>
+              <a:rPr lang="en-US" dirty="0"/>
+              <a:t> pun </a:t>
+            </a:r>
+            <a:r>
+              <a:rPr lang="en-US" dirty="0" err="1"/>
+              <a:t>bisa</a:t>
+            </a:r>
+            <a:r>
+              <a:rPr lang="en-US" dirty="0"/>
+              <a:t> </a:t>
+            </a:r>
+            <a:r>
+              <a:rPr lang="en-US" dirty="0" err="1"/>
+              <a:t>belajar</a:t>
+            </a:r>
+            <a:r>
+              <a:rPr lang="en-US" dirty="0"/>
+              <a:t> </a:t>
+            </a:r>
+            <a:r>
+              <a:rPr lang="en-US" dirty="0" err="1"/>
+              <a:t>membuat</a:t>
+            </a:r>
+            <a:r>
+              <a:rPr lang="en-US" dirty="0"/>
+              <a:t> query.</a:t>
+            </a:r>
+          </a:p>
+          <a:p>
+            <a:pPr marL="0" indent="0">
+              <a:buNone/>
+            </a:pPr>
+            <a:endParaRPr lang="en-US" dirty="0"/>
+          </a:p>
+        </p:txBody>
+      </p:sp>
+      <p:sp>
+        <p:nvSpPr>
+          <p:cNvPr id="4" name="Footer Placeholder 3">
+            <a:extLst>
+              <a:ext uri="{FF2B5EF4-FFF2-40B4-BE49-F238E27FC236}">
+                <a16:creationId xmlns:a16="http://schemas.microsoft.com/office/drawing/2014/main" id="{80B44C2F-79CA-B038-834D-E918D3557DB3}"/>
+              </a:ext>
+            </a:extLst>
+          </p:cNvPr>
+          <p:cNvSpPr>
+            <a:spLocks noGrp="1"/>
+          </p:cNvSpPr>
+          <p:nvPr>
+            <p:ph type="ftr" sz="quarter" idx="11"/>
+          </p:nvPr>
+        </p:nvSpPr>
+        <p:spPr/>
+        <p:txBody>
+          <a:bodyPr/>
+          <a:lstStyle/>
+          <a:p>
+            <a:r>
+              <a:rPr lang="en-US"/>
+              <a:t>Presentasi By Candra A</a:t>
+            </a:r>
+          </a:p>
+        </p:txBody>
+      </p:sp>
+    </p:spTree>
+    <p:extLst>
+      <p:ext uri="{BB962C8B-B14F-4D97-AF65-F5344CB8AC3E}">
+        <p14:creationId xmlns:p14="http://schemas.microsoft.com/office/powerpoint/2010/main" val="1352878164"/>
       </p:ext>
     </p:extLst>
   </p:cSld>
@@ -6432,10 +8072,238 @@
           </a:p>
         </p:txBody>
       </p:sp>
+      <p:sp>
+        <p:nvSpPr>
+          <p:cNvPr id="4" name="Footer Placeholder 3">
+            <a:extLst>
+              <a:ext uri="{FF2B5EF4-FFF2-40B4-BE49-F238E27FC236}">
+                <a16:creationId xmlns:a16="http://schemas.microsoft.com/office/drawing/2014/main" id="{CA9D5A09-1011-34A9-16FC-2549A970B492}"/>
+              </a:ext>
+            </a:extLst>
+          </p:cNvPr>
+          <p:cNvSpPr>
+            <a:spLocks noGrp="1"/>
+          </p:cNvSpPr>
+          <p:nvPr>
+            <p:ph type="ftr" sz="quarter" idx="11"/>
+          </p:nvPr>
+        </p:nvSpPr>
+        <p:spPr/>
+        <p:txBody>
+          <a:bodyPr/>
+          <a:lstStyle/>
+          <a:p>
+            <a:r>
+              <a:rPr lang="en-US"/>
+              <a:t>Presentasi By Candra A</a:t>
+            </a:r>
+          </a:p>
+        </p:txBody>
+      </p:sp>
     </p:spTree>
     <p:extLst>
       <p:ext uri="{BB962C8B-B14F-4D97-AF65-F5344CB8AC3E}">
         <p14:creationId xmlns:p14="http://schemas.microsoft.com/office/powerpoint/2010/main" val="104750524"/>
+      </p:ext>
+    </p:extLst>
+  </p:cSld>
+  <p:clrMapOvr>
+    <a:masterClrMapping/>
+  </p:clrMapOvr>
+</p:sld>
+</file>
+
+<file path=ppt/slides/slide20.xml><?xml version="1.0" encoding="utf-8"?>
+<p:sld xmlns:a="http://schemas.openxmlformats.org/drawingml/2006/main" xmlns:r="http://schemas.openxmlformats.org/officeDocument/2006/relationships" xmlns:p="http://schemas.openxmlformats.org/presentationml/2006/main">
+  <p:cSld>
+    <p:spTree>
+      <p:nvGrpSpPr>
+        <p:cNvPr id="1" name=""/>
+        <p:cNvGrpSpPr/>
+        <p:nvPr/>
+      </p:nvGrpSpPr>
+      <p:grpSpPr>
+        <a:xfrm>
+          <a:off x="0" y="0"/>
+          <a:ext cx="0" cy="0"/>
+          <a:chOff x="0" y="0"/>
+          <a:chExt cx="0" cy="0"/>
+        </a:xfrm>
+      </p:grpSpPr>
+      <p:sp>
+        <p:nvSpPr>
+          <p:cNvPr id="2" name="Title 1">
+            <a:extLst>
+              <a:ext uri="{FF2B5EF4-FFF2-40B4-BE49-F238E27FC236}">
+                <a16:creationId xmlns:a16="http://schemas.microsoft.com/office/drawing/2014/main" id="{835A2B8F-B0CC-1B5F-0B2A-958F4B2D67A7}"/>
+              </a:ext>
+            </a:extLst>
+          </p:cNvPr>
+          <p:cNvSpPr>
+            <a:spLocks noGrp="1"/>
+          </p:cNvSpPr>
+          <p:nvPr>
+            <p:ph type="title"/>
+          </p:nvPr>
+        </p:nvSpPr>
+        <p:spPr/>
+        <p:txBody>
+          <a:bodyPr/>
+          <a:lstStyle/>
+          <a:p>
+            <a:pPr algn="ctr"/>
+            <a:r>
+              <a:rPr lang="en-US" dirty="0"/>
+              <a:t>Ayo </a:t>
+            </a:r>
+            <a:r>
+              <a:rPr lang="en-US" dirty="0" err="1"/>
+              <a:t>Berlatih</a:t>
+            </a:r>
+            <a:r>
+              <a:rPr lang="en-US" dirty="0"/>
+              <a:t>!</a:t>
+            </a:r>
+          </a:p>
+        </p:txBody>
+      </p:sp>
+      <p:sp>
+        <p:nvSpPr>
+          <p:cNvPr id="3" name="Content Placeholder 2">
+            <a:extLst>
+              <a:ext uri="{FF2B5EF4-FFF2-40B4-BE49-F238E27FC236}">
+                <a16:creationId xmlns:a16="http://schemas.microsoft.com/office/drawing/2014/main" id="{48833D0B-133B-DBFD-9C4F-619AF8A4295E}"/>
+              </a:ext>
+            </a:extLst>
+          </p:cNvPr>
+          <p:cNvSpPr>
+            <a:spLocks noGrp="1"/>
+          </p:cNvSpPr>
+          <p:nvPr>
+            <p:ph idx="1"/>
+          </p:nvPr>
+        </p:nvSpPr>
+        <p:spPr/>
+        <p:txBody>
+          <a:bodyPr/>
+          <a:lstStyle/>
+          <a:p>
+            <a:pPr marL="0" indent="0">
+              <a:buNone/>
+            </a:pPr>
+            <a:r>
+              <a:rPr lang="en-US" dirty="0"/>
+              <a:t>Agar </a:t>
+            </a:r>
+            <a:r>
+              <a:rPr lang="en-US" dirty="0" err="1"/>
+              <a:t>lebih</a:t>
+            </a:r>
+            <a:r>
+              <a:rPr lang="en-US" dirty="0"/>
+              <a:t> </a:t>
+            </a:r>
+            <a:r>
+              <a:rPr lang="en-US" dirty="0" err="1"/>
+              <a:t>relevan</a:t>
+            </a:r>
+            <a:r>
+              <a:rPr lang="en-US" dirty="0"/>
+              <a:t> </a:t>
+            </a:r>
+            <a:r>
+              <a:rPr lang="en-US" dirty="0" err="1"/>
+              <a:t>saya</a:t>
+            </a:r>
+            <a:r>
+              <a:rPr lang="en-US" dirty="0"/>
+              <a:t> </a:t>
+            </a:r>
+            <a:r>
+              <a:rPr lang="en-US" dirty="0" err="1"/>
+              <a:t>sudah</a:t>
+            </a:r>
+            <a:r>
+              <a:rPr lang="en-US" dirty="0"/>
+              <a:t> </a:t>
+            </a:r>
+            <a:r>
+              <a:rPr lang="en-US" dirty="0" err="1"/>
+              <a:t>siapkan</a:t>
+            </a:r>
+            <a:r>
+              <a:rPr lang="en-US" dirty="0"/>
+              <a:t> script table </a:t>
+            </a:r>
+            <a:r>
+              <a:rPr lang="en-US" dirty="0" err="1"/>
+              <a:t>trntransactionfuel</a:t>
+            </a:r>
+            <a:r>
+              <a:rPr lang="en-US" dirty="0"/>
+              <a:t>. </a:t>
+            </a:r>
+            <a:r>
+              <a:rPr lang="en-US" dirty="0" err="1"/>
+              <a:t>Silahkan</a:t>
+            </a:r>
+            <a:r>
+              <a:rPr lang="en-US" dirty="0"/>
+              <a:t> download di :</a:t>
+            </a:r>
+          </a:p>
+          <a:p>
+            <a:pPr marL="0" indent="0">
+              <a:buNone/>
+            </a:pPr>
+            <a:r>
+              <a:rPr lang="en-US" dirty="0">
+                <a:hlinkClick r:id="rId2"/>
+              </a:rPr>
+              <a:t>https://github.com/candraananta/querycoursecandra/tree/master</a:t>
+            </a:r>
+            <a:endParaRPr lang="en-US" dirty="0"/>
+          </a:p>
+          <a:p>
+            <a:pPr marL="0" indent="0">
+              <a:buNone/>
+            </a:pPr>
+            <a:endParaRPr lang="en-US" dirty="0"/>
+          </a:p>
+        </p:txBody>
+      </p:sp>
+      <p:sp>
+        <p:nvSpPr>
+          <p:cNvPr id="4" name="Footer Placeholder 3">
+            <a:extLst>
+              <a:ext uri="{FF2B5EF4-FFF2-40B4-BE49-F238E27FC236}">
+                <a16:creationId xmlns:a16="http://schemas.microsoft.com/office/drawing/2014/main" id="{0EDEA663-841A-4E30-B3A4-B54234B799BE}"/>
+              </a:ext>
+            </a:extLst>
+          </p:cNvPr>
+          <p:cNvSpPr>
+            <a:spLocks noGrp="1"/>
+          </p:cNvSpPr>
+          <p:nvPr>
+            <p:ph type="ftr" sz="quarter" idx="11"/>
+          </p:nvPr>
+        </p:nvSpPr>
+        <p:spPr/>
+        <p:txBody>
+          <a:bodyPr/>
+          <a:lstStyle/>
+          <a:p>
+            <a:r>
+              <a:rPr lang="en-US"/>
+              <a:t>Presentasi By Candra A</a:t>
+            </a:r>
+          </a:p>
+        </p:txBody>
+      </p:sp>
+    </p:spTree>
+    <p:extLst>
+      <p:ext uri="{BB962C8B-B14F-4D97-AF65-F5344CB8AC3E}">
+        <p14:creationId xmlns:p14="http://schemas.microsoft.com/office/powerpoint/2010/main" val="1963219723"/>
       </p:ext>
     </p:extLst>
   </p:cSld>
@@ -6701,6 +8569,34 @@
             <a:r>
               <a:rPr lang="en-US" dirty="0"/>
               <a:t>.</a:t>
+            </a:r>
+          </a:p>
+        </p:txBody>
+      </p:sp>
+      <p:sp>
+        <p:nvSpPr>
+          <p:cNvPr id="4" name="Footer Placeholder 3">
+            <a:extLst>
+              <a:ext uri="{FF2B5EF4-FFF2-40B4-BE49-F238E27FC236}">
+                <a16:creationId xmlns:a16="http://schemas.microsoft.com/office/drawing/2014/main" id="{18505834-6AF6-15D9-16C8-F9BEA2467729}"/>
+              </a:ext>
+            </a:extLst>
+          </p:cNvPr>
+          <p:cNvSpPr>
+            <a:spLocks noGrp="1"/>
+          </p:cNvSpPr>
+          <p:nvPr>
+            <p:ph type="ftr" sz="quarter" idx="11"/>
+          </p:nvPr>
+        </p:nvSpPr>
+        <p:spPr/>
+        <p:txBody>
+          <a:bodyPr/>
+          <a:lstStyle/>
+          <a:p>
+            <a:r>
+              <a:rPr lang="en-US"/>
+              <a:t>Presentasi By Candra A</a:t>
             </a:r>
           </a:p>
         </p:txBody>
@@ -6997,6 +8893,34 @@
           </a:p>
         </p:txBody>
       </p:sp>
+      <p:sp>
+        <p:nvSpPr>
+          <p:cNvPr id="4" name="Footer Placeholder 3">
+            <a:extLst>
+              <a:ext uri="{FF2B5EF4-FFF2-40B4-BE49-F238E27FC236}">
+                <a16:creationId xmlns:a16="http://schemas.microsoft.com/office/drawing/2014/main" id="{05496E2E-0A13-D392-638D-E2227078555C}"/>
+              </a:ext>
+            </a:extLst>
+          </p:cNvPr>
+          <p:cNvSpPr>
+            <a:spLocks noGrp="1"/>
+          </p:cNvSpPr>
+          <p:nvPr>
+            <p:ph type="ftr" sz="quarter" idx="11"/>
+          </p:nvPr>
+        </p:nvSpPr>
+        <p:spPr/>
+        <p:txBody>
+          <a:bodyPr/>
+          <a:lstStyle/>
+          <a:p>
+            <a:r>
+              <a:rPr lang="en-US"/>
+              <a:t>Presentasi By Candra A</a:t>
+            </a:r>
+          </a:p>
+        </p:txBody>
+      </p:sp>
     </p:spTree>
     <p:extLst>
       <p:ext uri="{BB962C8B-B14F-4D97-AF65-F5344CB8AC3E}">
@@ -7341,6 +9265,34 @@
           </a:p>
         </p:txBody>
       </p:sp>
+      <p:sp>
+        <p:nvSpPr>
+          <p:cNvPr id="4" name="Footer Placeholder 3">
+            <a:extLst>
+              <a:ext uri="{FF2B5EF4-FFF2-40B4-BE49-F238E27FC236}">
+                <a16:creationId xmlns:a16="http://schemas.microsoft.com/office/drawing/2014/main" id="{69BF70B2-E198-559B-FF5B-BDA80AB9A88E}"/>
+              </a:ext>
+            </a:extLst>
+          </p:cNvPr>
+          <p:cNvSpPr>
+            <a:spLocks noGrp="1"/>
+          </p:cNvSpPr>
+          <p:nvPr>
+            <p:ph type="ftr" sz="quarter" idx="11"/>
+          </p:nvPr>
+        </p:nvSpPr>
+        <p:spPr/>
+        <p:txBody>
+          <a:bodyPr/>
+          <a:lstStyle/>
+          <a:p>
+            <a:r>
+              <a:rPr lang="en-US"/>
+              <a:t>Presentasi By Candra A</a:t>
+            </a:r>
+          </a:p>
+        </p:txBody>
+      </p:sp>
     </p:spTree>
     <p:extLst>
       <p:ext uri="{BB962C8B-B14F-4D97-AF65-F5344CB8AC3E}">
@@ -7640,6 +9592,34 @@
           </a:prstGeom>
         </p:spPr>
       </p:pic>
+      <p:sp>
+        <p:nvSpPr>
+          <p:cNvPr id="4" name="Footer Placeholder 3">
+            <a:extLst>
+              <a:ext uri="{FF2B5EF4-FFF2-40B4-BE49-F238E27FC236}">
+                <a16:creationId xmlns:a16="http://schemas.microsoft.com/office/drawing/2014/main" id="{C48EBEFD-1302-EDBA-EBC4-62B6996A5877}"/>
+              </a:ext>
+            </a:extLst>
+          </p:cNvPr>
+          <p:cNvSpPr>
+            <a:spLocks noGrp="1"/>
+          </p:cNvSpPr>
+          <p:nvPr>
+            <p:ph type="ftr" sz="quarter" idx="11"/>
+          </p:nvPr>
+        </p:nvSpPr>
+        <p:spPr/>
+        <p:txBody>
+          <a:bodyPr/>
+          <a:lstStyle/>
+          <a:p>
+            <a:r>
+              <a:rPr lang="en-US"/>
+              <a:t>Presentasi By Candra A</a:t>
+            </a:r>
+          </a:p>
+        </p:txBody>
+      </p:sp>
     </p:spTree>
     <p:extLst>
       <p:ext uri="{BB962C8B-B14F-4D97-AF65-F5344CB8AC3E}">
@@ -8129,6 +10109,34 @@
           </a:p>
         </p:txBody>
       </p:sp>
+      <p:sp>
+        <p:nvSpPr>
+          <p:cNvPr id="4" name="Footer Placeholder 3">
+            <a:extLst>
+              <a:ext uri="{FF2B5EF4-FFF2-40B4-BE49-F238E27FC236}">
+                <a16:creationId xmlns:a16="http://schemas.microsoft.com/office/drawing/2014/main" id="{ADCB038A-6DA5-6A4A-10DA-C1E3DBAA565E}"/>
+              </a:ext>
+            </a:extLst>
+          </p:cNvPr>
+          <p:cNvSpPr>
+            <a:spLocks noGrp="1"/>
+          </p:cNvSpPr>
+          <p:nvPr>
+            <p:ph type="ftr" sz="quarter" idx="11"/>
+          </p:nvPr>
+        </p:nvSpPr>
+        <p:spPr/>
+        <p:txBody>
+          <a:bodyPr/>
+          <a:lstStyle/>
+          <a:p>
+            <a:r>
+              <a:rPr lang="en-US"/>
+              <a:t>Presentasi By Candra A</a:t>
+            </a:r>
+          </a:p>
+        </p:txBody>
+      </p:sp>
     </p:spTree>
     <p:extLst>
       <p:ext uri="{BB962C8B-B14F-4D97-AF65-F5344CB8AC3E}">
@@ -8608,6 +10616,34 @@
           </a:p>
         </p:txBody>
       </p:sp>
+      <p:sp>
+        <p:nvSpPr>
+          <p:cNvPr id="4" name="Footer Placeholder 3">
+            <a:extLst>
+              <a:ext uri="{FF2B5EF4-FFF2-40B4-BE49-F238E27FC236}">
+                <a16:creationId xmlns:a16="http://schemas.microsoft.com/office/drawing/2014/main" id="{5A27788E-FA84-1C76-A9B5-9DA9B841433F}"/>
+              </a:ext>
+            </a:extLst>
+          </p:cNvPr>
+          <p:cNvSpPr>
+            <a:spLocks noGrp="1"/>
+          </p:cNvSpPr>
+          <p:nvPr>
+            <p:ph type="ftr" sz="quarter" idx="11"/>
+          </p:nvPr>
+        </p:nvSpPr>
+        <p:spPr/>
+        <p:txBody>
+          <a:bodyPr/>
+          <a:lstStyle/>
+          <a:p>
+            <a:r>
+              <a:rPr lang="en-US"/>
+              <a:t>Presentasi By Candra A</a:t>
+            </a:r>
+          </a:p>
+        </p:txBody>
+      </p:sp>
     </p:spTree>
     <p:extLst>
       <p:ext uri="{BB962C8B-B14F-4D97-AF65-F5344CB8AC3E}">
@@ -8902,6 +10938,34 @@
               <a:buNone/>
             </a:pPr>
             <a:endParaRPr lang="en-US" dirty="0"/>
+          </a:p>
+        </p:txBody>
+      </p:sp>
+      <p:sp>
+        <p:nvSpPr>
+          <p:cNvPr id="4" name="Footer Placeholder 3">
+            <a:extLst>
+              <a:ext uri="{FF2B5EF4-FFF2-40B4-BE49-F238E27FC236}">
+                <a16:creationId xmlns:a16="http://schemas.microsoft.com/office/drawing/2014/main" id="{7F3D5BFD-7A53-CF2C-6E48-C5663CF84836}"/>
+              </a:ext>
+            </a:extLst>
+          </p:cNvPr>
+          <p:cNvSpPr>
+            <a:spLocks noGrp="1"/>
+          </p:cNvSpPr>
+          <p:nvPr>
+            <p:ph type="ftr" sz="quarter" idx="11"/>
+          </p:nvPr>
+        </p:nvSpPr>
+        <p:spPr/>
+        <p:txBody>
+          <a:bodyPr/>
+          <a:lstStyle/>
+          <a:p>
+            <a:r>
+              <a:rPr lang="en-US"/>
+              <a:t>Presentasi By Candra A</a:t>
+            </a:r>
           </a:p>
         </p:txBody>
       </p:sp>
@@ -9231,4 +11295,319 @@
     </a:ext>
   </a:extLst>
 </a:theme>
+</file>
+
+<file path=ppt/theme/theme2.xml><?xml version="1.0" encoding="utf-8"?>
+<a:theme xmlns:a="http://schemas.openxmlformats.org/drawingml/2006/main" name="Office Theme">
+  <a:themeElements>
+    <a:clrScheme name="Office">
+      <a:dk1>
+        <a:sysClr val="windowText" lastClr="000000"/>
+      </a:dk1>
+      <a:lt1>
+        <a:sysClr val="window" lastClr="FFFFFF"/>
+      </a:lt1>
+      <a:dk2>
+        <a:srgbClr val="0E2841"/>
+      </a:dk2>
+      <a:lt2>
+        <a:srgbClr val="E8E8E8"/>
+      </a:lt2>
+      <a:accent1>
+        <a:srgbClr val="156082"/>
+      </a:accent1>
+      <a:accent2>
+        <a:srgbClr val="E97132"/>
+      </a:accent2>
+      <a:accent3>
+        <a:srgbClr val="196B24"/>
+      </a:accent3>
+      <a:accent4>
+        <a:srgbClr val="0F9ED5"/>
+      </a:accent4>
+      <a:accent5>
+        <a:srgbClr val="A02B93"/>
+      </a:accent5>
+      <a:accent6>
+        <a:srgbClr val="4EA72E"/>
+      </a:accent6>
+      <a:hlink>
+        <a:srgbClr val="467886"/>
+      </a:hlink>
+      <a:folHlink>
+        <a:srgbClr val="96607D"/>
+      </a:folHlink>
+    </a:clrScheme>
+    <a:fontScheme name="Office">
+      <a:majorFont>
+        <a:latin typeface="Aptos Display" panose="02110004020202020204"/>
+        <a:ea typeface=""/>
+        <a:cs typeface=""/>
+        <a:font script="Jpan" typeface="游ゴシック Light"/>
+        <a:font script="Hang" typeface="맑은 고딕"/>
+        <a:font script="Hans" typeface="等线 Light"/>
+        <a:font script="Hant" typeface="新細明體"/>
+        <a:font script="Arab" typeface="Times New Roman"/>
+        <a:font script="Hebr" typeface="Times New Roman"/>
+        <a:font script="Thai" typeface="Angsana New"/>
+        <a:font script="Ethi" typeface="Nyala"/>
+        <a:font script="Beng" typeface="Vrinda"/>
+        <a:font script="Gujr" typeface="Shruti"/>
+        <a:font script="Khmr" typeface="MoolBoran"/>
+        <a:font script="Knda" typeface="Tunga"/>
+        <a:font script="Guru" typeface="Raavi"/>
+        <a:font script="Cans" typeface="Euphemia"/>
+        <a:font script="Cher" typeface="Plantagenet Cherokee"/>
+        <a:font script="Yiii" typeface="Microsoft Yi Baiti"/>
+        <a:font script="Tibt" typeface="Microsoft Himalaya"/>
+        <a:font script="Thaa" typeface="MV Boli"/>
+        <a:font script="Deva" typeface="Mangal"/>
+        <a:font script="Telu" typeface="Gautami"/>
+        <a:font script="Taml" typeface="Latha"/>
+        <a:font script="Syrc" typeface="Estrangelo Edessa"/>
+        <a:font script="Orya" typeface="Kalinga"/>
+        <a:font script="Mlym" typeface="Kartika"/>
+        <a:font script="Laoo" typeface="DokChampa"/>
+        <a:font script="Sinh" typeface="Iskoola Pota"/>
+        <a:font script="Mong" typeface="Mongolian Baiti"/>
+        <a:font script="Viet" typeface="Times New Roman"/>
+        <a:font script="Uigh" typeface="Microsoft Uighur"/>
+        <a:font script="Geor" typeface="Sylfaen"/>
+        <a:font script="Armn" typeface="Arial"/>
+        <a:font script="Bugi" typeface="Leelawadee UI"/>
+        <a:font script="Bopo" typeface="Microsoft JhengHei"/>
+        <a:font script="Java" typeface="Javanese Text"/>
+        <a:font script="Lisu" typeface="Segoe UI"/>
+        <a:font script="Mymr" typeface="Myanmar Text"/>
+        <a:font script="Nkoo" typeface="Ebrima"/>
+        <a:font script="Olck" typeface="Nirmala UI"/>
+        <a:font script="Osma" typeface="Ebrima"/>
+        <a:font script="Phag" typeface="Phagspa"/>
+        <a:font script="Syrn" typeface="Estrangelo Edessa"/>
+        <a:font script="Syrj" typeface="Estrangelo Edessa"/>
+        <a:font script="Syre" typeface="Estrangelo Edessa"/>
+        <a:font script="Sora" typeface="Nirmala UI"/>
+        <a:font script="Tale" typeface="Microsoft Tai Le"/>
+        <a:font script="Talu" typeface="Microsoft New Tai Lue"/>
+        <a:font script="Tfng" typeface="Ebrima"/>
+      </a:majorFont>
+      <a:minorFont>
+        <a:latin typeface="Aptos" panose="02110004020202020204"/>
+        <a:ea typeface=""/>
+        <a:cs typeface=""/>
+        <a:font script="Jpan" typeface="游ゴシック"/>
+        <a:font script="Hang" typeface="맑은 고딕"/>
+        <a:font script="Hans" typeface="等线"/>
+        <a:font script="Hant" typeface="新細明體"/>
+        <a:font script="Arab" typeface="Arial"/>
+        <a:font script="Hebr" typeface="Arial"/>
+        <a:font script="Thai" typeface="Cordia New"/>
+        <a:font script="Ethi" typeface="Nyala"/>
+        <a:font script="Beng" typeface="Vrinda"/>
+        <a:font script="Gujr" typeface="Shruti"/>
+        <a:font script="Khmr" typeface="DaunPenh"/>
+        <a:font script="Knda" typeface="Tunga"/>
+        <a:font script="Guru" typeface="Raavi"/>
+        <a:font script="Cans" typeface="Euphemia"/>
+        <a:font script="Cher" typeface="Plantagenet Cherokee"/>
+        <a:font script="Yiii" typeface="Microsoft Yi Baiti"/>
+        <a:font script="Tibt" typeface="Microsoft Himalaya"/>
+        <a:font script="Thaa" typeface="MV Boli"/>
+        <a:font script="Deva" typeface="Mangal"/>
+        <a:font script="Telu" typeface="Gautami"/>
+        <a:font script="Taml" typeface="Latha"/>
+        <a:font script="Syrc" typeface="Estrangelo Edessa"/>
+        <a:font script="Orya" typeface="Kalinga"/>
+        <a:font script="Mlym" typeface="Kartika"/>
+        <a:font script="Laoo" typeface="DokChampa"/>
+        <a:font script="Sinh" typeface="Iskoola Pota"/>
+        <a:font script="Mong" typeface="Mongolian Baiti"/>
+        <a:font script="Viet" typeface="Arial"/>
+        <a:font script="Uigh" typeface="Microsoft Uighur"/>
+        <a:font script="Geor" typeface="Sylfaen"/>
+        <a:font script="Armn" typeface="Arial"/>
+        <a:font script="Bugi" typeface="Leelawadee UI"/>
+        <a:font script="Bopo" typeface="Microsoft JhengHei"/>
+        <a:font script="Java" typeface="Javanese Text"/>
+        <a:font script="Lisu" typeface="Segoe UI"/>
+        <a:font script="Mymr" typeface="Myanmar Text"/>
+        <a:font script="Nkoo" typeface="Ebrima"/>
+        <a:font script="Olck" typeface="Nirmala UI"/>
+        <a:font script="Osma" typeface="Ebrima"/>
+        <a:font script="Phag" typeface="Phagspa"/>
+        <a:font script="Syrn" typeface="Estrangelo Edessa"/>
+        <a:font script="Syrj" typeface="Estrangelo Edessa"/>
+        <a:font script="Syre" typeface="Estrangelo Edessa"/>
+        <a:font script="Sora" typeface="Nirmala UI"/>
+        <a:font script="Tale" typeface="Microsoft Tai Le"/>
+        <a:font script="Talu" typeface="Microsoft New Tai Lue"/>
+        <a:font script="Tfng" typeface="Ebrima"/>
+      </a:minorFont>
+    </a:fontScheme>
+    <a:fmtScheme name="Office">
+      <a:fillStyleLst>
+        <a:solidFill>
+          <a:schemeClr val="phClr"/>
+        </a:solidFill>
+        <a:gradFill rotWithShape="1">
+          <a:gsLst>
+            <a:gs pos="0">
+              <a:schemeClr val="phClr">
+                <a:lumMod val="110000"/>
+                <a:satMod val="105000"/>
+                <a:tint val="67000"/>
+              </a:schemeClr>
+            </a:gs>
+            <a:gs pos="50000">
+              <a:schemeClr val="phClr">
+                <a:lumMod val="105000"/>
+                <a:satMod val="103000"/>
+                <a:tint val="73000"/>
+              </a:schemeClr>
+            </a:gs>
+            <a:gs pos="100000">
+              <a:schemeClr val="phClr">
+                <a:lumMod val="105000"/>
+                <a:satMod val="109000"/>
+                <a:tint val="81000"/>
+              </a:schemeClr>
+            </a:gs>
+          </a:gsLst>
+          <a:lin ang="5400000" scaled="0"/>
+        </a:gradFill>
+        <a:gradFill rotWithShape="1">
+          <a:gsLst>
+            <a:gs pos="0">
+              <a:schemeClr val="phClr">
+                <a:satMod val="103000"/>
+                <a:lumMod val="102000"/>
+                <a:tint val="94000"/>
+              </a:schemeClr>
+            </a:gs>
+            <a:gs pos="50000">
+              <a:schemeClr val="phClr">
+                <a:satMod val="110000"/>
+                <a:lumMod val="100000"/>
+                <a:shade val="100000"/>
+              </a:schemeClr>
+            </a:gs>
+            <a:gs pos="100000">
+              <a:schemeClr val="phClr">
+                <a:lumMod val="99000"/>
+                <a:satMod val="120000"/>
+                <a:shade val="78000"/>
+              </a:schemeClr>
+            </a:gs>
+          </a:gsLst>
+          <a:lin ang="5400000" scaled="0"/>
+        </a:gradFill>
+      </a:fillStyleLst>
+      <a:lnStyleLst>
+        <a:ln w="12700" cap="flat" cmpd="sng" algn="ctr">
+          <a:solidFill>
+            <a:schemeClr val="phClr"/>
+          </a:solidFill>
+          <a:prstDash val="solid"/>
+          <a:miter lim="800000"/>
+        </a:ln>
+        <a:ln w="19050" cap="flat" cmpd="sng" algn="ctr">
+          <a:solidFill>
+            <a:schemeClr val="phClr"/>
+          </a:solidFill>
+          <a:prstDash val="solid"/>
+          <a:miter lim="800000"/>
+        </a:ln>
+        <a:ln w="25400" cap="flat" cmpd="sng" algn="ctr">
+          <a:solidFill>
+            <a:schemeClr val="phClr"/>
+          </a:solidFill>
+          <a:prstDash val="solid"/>
+          <a:miter lim="800000"/>
+        </a:ln>
+      </a:lnStyleLst>
+      <a:effectStyleLst>
+        <a:effectStyle>
+          <a:effectLst/>
+        </a:effectStyle>
+        <a:effectStyle>
+          <a:effectLst/>
+        </a:effectStyle>
+        <a:effectStyle>
+          <a:effectLst>
+            <a:outerShdw blurRad="57150" dist="19050" dir="5400000" algn="ctr" rotWithShape="0">
+              <a:srgbClr val="000000">
+                <a:alpha val="63000"/>
+              </a:srgbClr>
+            </a:outerShdw>
+          </a:effectLst>
+        </a:effectStyle>
+      </a:effectStyleLst>
+      <a:bgFillStyleLst>
+        <a:solidFill>
+          <a:schemeClr val="phClr"/>
+        </a:solidFill>
+        <a:solidFill>
+          <a:schemeClr val="phClr">
+            <a:tint val="95000"/>
+            <a:satMod val="170000"/>
+          </a:schemeClr>
+        </a:solidFill>
+        <a:gradFill rotWithShape="1">
+          <a:gsLst>
+            <a:gs pos="0">
+              <a:schemeClr val="phClr">
+                <a:tint val="93000"/>
+                <a:satMod val="150000"/>
+                <a:shade val="98000"/>
+                <a:lumMod val="102000"/>
+              </a:schemeClr>
+            </a:gs>
+            <a:gs pos="50000">
+              <a:schemeClr val="phClr">
+                <a:tint val="98000"/>
+                <a:satMod val="130000"/>
+                <a:shade val="90000"/>
+                <a:lumMod val="103000"/>
+              </a:schemeClr>
+            </a:gs>
+            <a:gs pos="100000">
+              <a:schemeClr val="phClr">
+                <a:shade val="63000"/>
+                <a:satMod val="120000"/>
+              </a:schemeClr>
+            </a:gs>
+          </a:gsLst>
+          <a:lin ang="5400000" scaled="0"/>
+        </a:gradFill>
+      </a:bgFillStyleLst>
+    </a:fmtScheme>
+  </a:themeElements>
+  <a:objectDefaults>
+    <a:lnDef>
+      <a:spPr/>
+      <a:bodyPr/>
+      <a:lstStyle/>
+      <a:style>
+        <a:lnRef idx="2">
+          <a:schemeClr val="accent1"/>
+        </a:lnRef>
+        <a:fillRef idx="0">
+          <a:schemeClr val="accent1"/>
+        </a:fillRef>
+        <a:effectRef idx="1">
+          <a:schemeClr val="accent1"/>
+        </a:effectRef>
+        <a:fontRef idx="minor">
+          <a:schemeClr val="tx1"/>
+        </a:fontRef>
+      </a:style>
+    </a:lnDef>
+  </a:objectDefaults>
+  <a:extraClrSchemeLst/>
+  <a:extLst>
+    <a:ext uri="{05A4C25C-085E-4340-85A3-A5531E510DB2}">
+      <thm15:themeFamily xmlns:thm15="http://schemas.microsoft.com/office/thememl/2012/main" name="Office Theme" id="{2E142A2C-CD16-42D6-873A-C26D2A0506FA}" vid="{1BDDFF52-6CD6-40A5-AB3C-68EB2F1E4D0A}"/>
+    </a:ext>
+  </a:extLst>
+</a:theme>
 </file>
--- a/Presentasi Materi Basic Query.pptx
+++ b/Presentasi Materi Basic Query.pptx
@@ -20,9 +20,9 @@
     <p:sldId id="265" r:id="rId11"/>
     <p:sldId id="266" r:id="rId12"/>
     <p:sldId id="272" r:id="rId13"/>
-    <p:sldId id="275" r:id="rId14"/>
-    <p:sldId id="274" r:id="rId15"/>
-    <p:sldId id="277" r:id="rId16"/>
+    <p:sldId id="274" r:id="rId14"/>
+    <p:sldId id="277" r:id="rId15"/>
+    <p:sldId id="275" r:id="rId16"/>
     <p:sldId id="267" r:id="rId17"/>
     <p:sldId id="268" r:id="rId18"/>
     <p:sldId id="269" r:id="rId19"/>
@@ -216,7 +216,7 @@
           <a:p>
             <a:fld id="{8DAA34E7-970B-4D78-810E-DC7A64CBD6C6}" type="datetimeFigureOut">
               <a:rPr lang="en-US" smtClean="0"/>
-              <a:t>6/28/2024</a:t>
+              <a:t>7/1/2024</a:t>
             </a:fld>
             <a:endParaRPr lang="en-US"/>
           </a:p>
@@ -630,7 +630,7 @@
           <a:p>
             <a:fld id="{AB6D790B-E5DA-4547-AE20-13F33D75B8CD}" type="datetime1">
               <a:rPr lang="en-US" smtClean="0"/>
-              <a:t>6/28/2024</a:t>
+              <a:t>7/1/2024</a:t>
             </a:fld>
             <a:endParaRPr lang="en-US"/>
           </a:p>
@@ -831,7 +831,7 @@
           <a:p>
             <a:fld id="{B65B0055-9779-4BCA-B406-3147F727B6B5}" type="datetime1">
               <a:rPr lang="en-US" smtClean="0"/>
-              <a:t>6/28/2024</a:t>
+              <a:t>7/1/2024</a:t>
             </a:fld>
             <a:endParaRPr lang="en-US"/>
           </a:p>
@@ -1042,7 +1042,7 @@
           <a:p>
             <a:fld id="{4F604C1C-6E2D-48F8-BCBD-B03281AABD04}" type="datetime1">
               <a:rPr lang="en-US" smtClean="0"/>
-              <a:t>6/28/2024</a:t>
+              <a:t>7/1/2024</a:t>
             </a:fld>
             <a:endParaRPr lang="en-US"/>
           </a:p>
@@ -1243,7 +1243,7 @@
           <a:p>
             <a:fld id="{8782AC28-7919-4FE7-AA5F-0422F37ED316}" type="datetime1">
               <a:rPr lang="en-US" smtClean="0"/>
-              <a:t>6/28/2024</a:t>
+              <a:t>7/1/2024</a:t>
             </a:fld>
             <a:endParaRPr lang="en-US"/>
           </a:p>
@@ -1521,7 +1521,7 @@
           <a:p>
             <a:fld id="{AB9F5436-575D-44EE-87E9-F3C6F368A920}" type="datetime1">
               <a:rPr lang="en-US" smtClean="0"/>
-              <a:t>6/28/2024</a:t>
+              <a:t>7/1/2024</a:t>
             </a:fld>
             <a:endParaRPr lang="en-US"/>
           </a:p>
@@ -1789,7 +1789,7 @@
           <a:p>
             <a:fld id="{A1310FAA-B53A-4774-B69F-8F8FB32B5A01}" type="datetime1">
               <a:rPr lang="en-US" smtClean="0"/>
-              <a:t>6/28/2024</a:t>
+              <a:t>7/1/2024</a:t>
             </a:fld>
             <a:endParaRPr lang="en-US"/>
           </a:p>
@@ -2204,7 +2204,7 @@
           <a:p>
             <a:fld id="{1A0967CA-0552-4695-BC85-1DEA99DDC548}" type="datetime1">
               <a:rPr lang="en-US" smtClean="0"/>
-              <a:t>6/28/2024</a:t>
+              <a:t>7/1/2024</a:t>
             </a:fld>
             <a:endParaRPr lang="en-US"/>
           </a:p>
@@ -2348,7 +2348,7 @@
           <a:p>
             <a:fld id="{0EB56583-A2D0-4EEF-B359-D2B166383A72}" type="datetime1">
               <a:rPr lang="en-US" smtClean="0"/>
-              <a:t>6/28/2024</a:t>
+              <a:t>7/1/2024</a:t>
             </a:fld>
             <a:endParaRPr lang="en-US"/>
           </a:p>
@@ -2464,7 +2464,7 @@
           <a:p>
             <a:fld id="{179FA1B2-8C1B-42C6-A5A6-CE96315D0C8B}" type="datetime1">
               <a:rPr lang="en-US" smtClean="0"/>
-              <a:t>6/28/2024</a:t>
+              <a:t>7/1/2024</a:t>
             </a:fld>
             <a:endParaRPr lang="en-US"/>
           </a:p>
@@ -2778,7 +2778,7 @@
           <a:p>
             <a:fld id="{BA803572-1223-4AB5-93FB-7C614A438853}" type="datetime1">
               <a:rPr lang="en-US" smtClean="0"/>
-              <a:t>6/28/2024</a:t>
+              <a:t>7/1/2024</a:t>
             </a:fld>
             <a:endParaRPr lang="en-US"/>
           </a:p>
@@ -3069,7 +3069,7 @@
           <a:p>
             <a:fld id="{7A80A6C1-68B4-4FE5-B9B3-13AB41019390}" type="datetime1">
               <a:rPr lang="en-US" smtClean="0"/>
-              <a:t>6/28/2024</a:t>
+              <a:t>7/1/2024</a:t>
             </a:fld>
             <a:endParaRPr lang="en-US"/>
           </a:p>
@@ -3313,7 +3313,7 @@
           <a:p>
             <a:fld id="{6229B3DD-A282-43C1-924C-FCE4DEB4194D}" type="datetime1">
               <a:rPr lang="en-US" smtClean="0"/>
-              <a:t>6/28/2024</a:t>
+              <a:t>7/1/2024</a:t>
             </a:fld>
             <a:endParaRPr lang="en-US"/>
           </a:p>
@@ -5197,7 +5197,7 @@
           <p:cNvPr id="2" name="Title 1">
             <a:extLst>
               <a:ext uri="{FF2B5EF4-FFF2-40B4-BE49-F238E27FC236}">
-                <a16:creationId xmlns:a16="http://schemas.microsoft.com/office/drawing/2014/main" id="{D8ED27F2-F15D-795D-517A-E15FE3E31699}"/>
+                <a16:creationId xmlns:a16="http://schemas.microsoft.com/office/drawing/2014/main" id="{93CBABD1-A0BB-C748-84FE-9D4759DD1F81}"/>
               </a:ext>
             </a:extLst>
           </p:cNvPr>
@@ -5214,18 +5214,9 @@
           <a:lstStyle/>
           <a:p>
             <a:r>
-              <a:rPr lang="en-US" dirty="0" err="1"/>
-              <a:t>Fungsi</a:t>
-            </a:r>
-            <a:r>
-              <a:rPr lang="en-US" dirty="0"/>
-              <a:t> </a:t>
-            </a:r>
-            <a:r>
-              <a:rPr lang="en-US" dirty="0" err="1"/>
-              <a:t>Agregat</a:t>
-            </a:r>
-            <a:endParaRPr lang="en-US" dirty="0"/>
+              <a:rPr lang="en-US" dirty="0"/>
+              <a:t>Order by	</a:t>
+            </a:r>
           </a:p>
         </p:txBody>
       </p:sp>
@@ -5234,7 +5225,7 @@
           <p:cNvPr id="3" name="Content Placeholder 2">
             <a:extLst>
               <a:ext uri="{FF2B5EF4-FFF2-40B4-BE49-F238E27FC236}">
-                <a16:creationId xmlns:a16="http://schemas.microsoft.com/office/drawing/2014/main" id="{9D713D84-1EFB-8F0D-30F2-668A5103E4FF}"/>
+                <a16:creationId xmlns:a16="http://schemas.microsoft.com/office/drawing/2014/main" id="{A79FB509-AFC1-C38C-7876-03684AB1B614}"/>
               </a:ext>
             </a:extLst>
           </p:cNvPr>
@@ -5261,20 +5252,8 @@
               <a:rPr lang="en-US" dirty="0"/>
             </a:br>
             <a:r>
-              <a:rPr lang="en-US" dirty="0" err="1"/>
-              <a:t>Fungsi</a:t>
-            </a:r>
-            <a:r>
-              <a:rPr lang="en-US" dirty="0"/>
-              <a:t> </a:t>
-            </a:r>
-            <a:r>
-              <a:rPr lang="en-US" dirty="0" err="1"/>
-              <a:t>agregat</a:t>
-            </a:r>
-            <a:r>
-              <a:rPr lang="en-US" dirty="0"/>
-              <a:t> </a:t>
+              <a:rPr lang="en-US" dirty="0"/>
+              <a:t>Order By </a:t>
             </a:r>
             <a:r>
               <a:rPr lang="en-US" dirty="0" err="1"/>
@@ -5294,27 +5273,11 @@
             </a:r>
             <a:r>
               <a:rPr lang="en-US" dirty="0" err="1"/>
-              <a:t>melakukan</a:t>
-            </a:r>
-            <a:r>
-              <a:rPr lang="en-US" dirty="0"/>
-              <a:t> </a:t>
-            </a:r>
-            <a:r>
-              <a:rPr lang="en-US" dirty="0" err="1"/>
-              <a:t>operasi</a:t>
-            </a:r>
-            <a:r>
-              <a:rPr lang="en-US" dirty="0"/>
-              <a:t> </a:t>
-            </a:r>
-            <a:r>
-              <a:rPr lang="en-US" dirty="0" err="1"/>
-              <a:t>matematis</a:t>
-            </a:r>
-            <a:r>
-              <a:rPr lang="en-US" dirty="0"/>
-              <a:t> pada data.</a:t>
+              <a:t>mengurutkan</a:t>
+            </a:r>
+            <a:r>
+              <a:rPr lang="en-US" dirty="0"/>
+              <a:t> data.</a:t>
             </a:r>
           </a:p>
           <a:p>
@@ -5322,17 +5285,87 @@
               <a:buNone/>
             </a:pPr>
             <a:r>
+              <a:rPr lang="en-US" b="1" dirty="0" err="1"/>
+              <a:t>Contoh</a:t>
+            </a:r>
+            <a:r>
+              <a:rPr lang="en-US" b="1" dirty="0"/>
+              <a:t>:</a:t>
+            </a:r>
+            <a:endParaRPr lang="en-US" dirty="0"/>
+          </a:p>
+          <a:p>
+            <a:r>
+              <a:rPr lang="en-US" dirty="0" err="1"/>
+              <a:t>Mengurutkan</a:t>
+            </a:r>
+            <a:r>
+              <a:rPr lang="en-US" dirty="0"/>
+              <a:t> </a:t>
+            </a:r>
+            <a:r>
+              <a:rPr lang="en-US" dirty="0" err="1"/>
+              <a:t>nama</a:t>
+            </a:r>
+            <a:r>
+              <a:rPr lang="en-US" dirty="0"/>
+              <a:t> </a:t>
+            </a:r>
+            <a:r>
+              <a:rPr lang="en-US" dirty="0" err="1"/>
+              <a:t>teman</a:t>
+            </a:r>
+            <a:r>
+              <a:rPr lang="en-US" dirty="0"/>
+              <a:t> </a:t>
+            </a:r>
+            <a:r>
+              <a:rPr lang="en-US" dirty="0" err="1"/>
+              <a:t>berdasarkan</a:t>
+            </a:r>
+            <a:r>
+              <a:rPr lang="en-US" dirty="0"/>
+              <a:t> </a:t>
+            </a:r>
+            <a:r>
+              <a:rPr lang="en-US" dirty="0" err="1"/>
+              <a:t>usia</a:t>
+            </a:r>
+            <a:r>
+              <a:rPr lang="en-US" dirty="0"/>
+              <a:t>:</a:t>
+            </a:r>
+          </a:p>
+          <a:p>
+            <a:pPr marL="0" indent="0">
+              <a:buNone/>
+            </a:pPr>
+            <a:r>
               <a:rPr lang="en-US" sz="2000" dirty="0">
                 <a:latin typeface="Courier New" panose="02070309020205020404" pitchFamily="49" charset="0"/>
                 <a:cs typeface="Courier New" panose="02070309020205020404" pitchFamily="49" charset="0"/>
               </a:rPr>
-              <a:t>SELECT COUNT(*) FROM </a:t>
+              <a:t>SELECT </a:t>
             </a:r>
             <a:r>
               <a:rPr lang="en-US" sz="2000" dirty="0" err="1">
                 <a:latin typeface="Courier New" panose="02070309020205020404" pitchFamily="49" charset="0"/>
                 <a:cs typeface="Courier New" panose="02070309020205020404" pitchFamily="49" charset="0"/>
               </a:rPr>
+              <a:t>nama</a:t>
+            </a:r>
+            <a:r>
+              <a:rPr lang="en-US" sz="2000" dirty="0">
+                <a:latin typeface="Courier New" panose="02070309020205020404" pitchFamily="49" charset="0"/>
+                <a:cs typeface="Courier New" panose="02070309020205020404" pitchFamily="49" charset="0"/>
+              </a:rPr>
+              <a:t> FROM </a:t>
+            </a:r>
+            <a:r>
+              <a:rPr lang="en-US" sz="2000" dirty="0" err="1">
+                <a:latin typeface="Courier New" panose="02070309020205020404" pitchFamily="49" charset="0"/>
+                <a:cs typeface="Courier New" panose="02070309020205020404" pitchFamily="49" charset="0"/>
+              </a:rPr>
               <a:t>daftar_kelas</a:t>
             </a:r>
             <a:r>
@@ -5340,19 +5373,7 @@
                 <a:latin typeface="Courier New" panose="02070309020205020404" pitchFamily="49" charset="0"/>
                 <a:cs typeface="Courier New" panose="02070309020205020404" pitchFamily="49" charset="0"/>
               </a:rPr>
-              <a:t>;</a:t>
-            </a:r>
-          </a:p>
-          <a:p>
-            <a:pPr marL="0" indent="0">
-              <a:buNone/>
-            </a:pPr>
-            <a:r>
-              <a:rPr lang="en-US" sz="2000" dirty="0">
-                <a:latin typeface="Courier New" panose="02070309020205020404" pitchFamily="49" charset="0"/>
-                <a:cs typeface="Courier New" panose="02070309020205020404" pitchFamily="49" charset="0"/>
-              </a:rPr>
-              <a:t>SELECT AVG(</a:t>
+              <a:t> ORDER BY </a:t>
             </a:r>
             <a:r>
               <a:rPr lang="en-US" sz="2000" dirty="0" err="1">
@@ -5360,20 +5381,6 @@
                 <a:cs typeface="Courier New" panose="02070309020205020404" pitchFamily="49" charset="0"/>
               </a:rPr>
               <a:t>usia</a:t>
-            </a:r>
-            <a:r>
-              <a:rPr lang="en-US" sz="2000" dirty="0">
-                <a:latin typeface="Courier New" panose="02070309020205020404" pitchFamily="49" charset="0"/>
-                <a:cs typeface="Courier New" panose="02070309020205020404" pitchFamily="49" charset="0"/>
-              </a:rPr>
-              <a:t>) FROM </a:t>
-            </a:r>
-            <a:r>
-              <a:rPr lang="en-US" sz="2000" dirty="0" err="1">
-                <a:latin typeface="Courier New" panose="02070309020205020404" pitchFamily="49" charset="0"/>
-                <a:cs typeface="Courier New" panose="02070309020205020404" pitchFamily="49" charset="0"/>
-              </a:rPr>
-              <a:t>daftar_kelas</a:t>
             </a:r>
             <a:r>
               <a:rPr lang="en-US" sz="2000" dirty="0">
@@ -5408,15 +5415,7 @@
             </a:r>
             <a:r>
               <a:rPr lang="en-US" dirty="0" err="1"/>
-              <a:t>menghitung</a:t>
-            </a:r>
-            <a:r>
-              <a:rPr lang="en-US" dirty="0"/>
-              <a:t> </a:t>
-            </a:r>
-            <a:r>
-              <a:rPr lang="en-US" dirty="0" err="1"/>
-              <a:t>jumlah</a:t>
+              <a:t>mengurutkan</a:t>
             </a:r>
             <a:r>
               <a:rPr lang="en-US" dirty="0"/>
@@ -5440,6 +5439,14 @@
             </a:r>
             <a:r>
               <a:rPr lang="en-US" dirty="0" err="1"/>
+              <a:t>berdasarkan</a:t>
+            </a:r>
+            <a:r>
+              <a:rPr lang="en-US" dirty="0"/>
+              <a:t> abjad </a:t>
+            </a:r>
+            <a:r>
+              <a:rPr lang="en-US" dirty="0" err="1"/>
               <a:t>atau</a:t>
             </a:r>
             <a:r>
@@ -5448,31 +5455,15 @@
             </a:r>
             <a:r>
               <a:rPr lang="en-US" dirty="0" err="1"/>
-              <a:t>menghitung</a:t>
-            </a:r>
-            <a:r>
-              <a:rPr lang="en-US" dirty="0"/>
-              <a:t> rata-rata </a:t>
-            </a:r>
-            <a:r>
-              <a:rPr lang="en-US" dirty="0" err="1"/>
-              <a:t>umur</a:t>
-            </a:r>
-            <a:r>
-              <a:rPr lang="en-US" dirty="0"/>
-              <a:t> </a:t>
-            </a:r>
-            <a:r>
-              <a:rPr lang="en-US" dirty="0" err="1"/>
-              <a:t>anak-anak</a:t>
-            </a:r>
-            <a:r>
-              <a:rPr lang="en-US" dirty="0"/>
-              <a:t> di </a:t>
-            </a:r>
-            <a:r>
-              <a:rPr lang="en-US" dirty="0" err="1"/>
-              <a:t>kelas</a:t>
+              <a:t>tinggi</a:t>
+            </a:r>
+            <a:r>
+              <a:rPr lang="en-US" dirty="0"/>
+              <a:t> </a:t>
+            </a:r>
+            <a:r>
+              <a:rPr lang="en-US" dirty="0" err="1"/>
+              <a:t>buku</a:t>
             </a:r>
             <a:r>
               <a:rPr lang="en-US" dirty="0"/>
@@ -5486,7 +5477,7 @@
           <p:cNvPr id="4" name="Footer Placeholder 3">
             <a:extLst>
               <a:ext uri="{FF2B5EF4-FFF2-40B4-BE49-F238E27FC236}">
-                <a16:creationId xmlns:a16="http://schemas.microsoft.com/office/drawing/2014/main" id="{F99187CB-BCC5-D5FD-4023-6FCB0EFBAC00}"/>
+                <a16:creationId xmlns:a16="http://schemas.microsoft.com/office/drawing/2014/main" id="{0B6E8DC2-6B76-62AB-163F-B61A20650069}"/>
               </a:ext>
             </a:extLst>
           </p:cNvPr>
@@ -5512,7 +5503,7 @@
     </p:spTree>
     <p:extLst>
       <p:ext uri="{BB962C8B-B14F-4D97-AF65-F5344CB8AC3E}">
-        <p14:creationId xmlns:p14="http://schemas.microsoft.com/office/powerpoint/2010/main" val="1469305316"/>
+        <p14:creationId xmlns:p14="http://schemas.microsoft.com/office/powerpoint/2010/main" val="874282995"/>
       </p:ext>
     </p:extLst>
   </p:cSld>
@@ -5544,7 +5535,7 @@
           <p:cNvPr id="2" name="Title 1">
             <a:extLst>
               <a:ext uri="{FF2B5EF4-FFF2-40B4-BE49-F238E27FC236}">
-                <a16:creationId xmlns:a16="http://schemas.microsoft.com/office/drawing/2014/main" id="{93CBABD1-A0BB-C748-84FE-9D4759DD1F81}"/>
+                <a16:creationId xmlns:a16="http://schemas.microsoft.com/office/drawing/2014/main" id="{9DF19F35-AF38-D09C-F0D4-B38A18224093}"/>
               </a:ext>
             </a:extLst>
           </p:cNvPr>
@@ -5562,7 +5553,7 @@
           <a:p>
             <a:r>
               <a:rPr lang="en-US" dirty="0"/>
-              <a:t>Order by	</a:t>
+              <a:t>Group By</a:t>
             </a:r>
           </a:p>
         </p:txBody>
@@ -5572,7 +5563,7 @@
           <p:cNvPr id="3" name="Content Placeholder 2">
             <a:extLst>
               <a:ext uri="{FF2B5EF4-FFF2-40B4-BE49-F238E27FC236}">
-                <a16:creationId xmlns:a16="http://schemas.microsoft.com/office/drawing/2014/main" id="{A79FB509-AFC1-C38C-7876-03684AB1B614}"/>
+                <a16:creationId xmlns:a16="http://schemas.microsoft.com/office/drawing/2014/main" id="{EB57CA5A-B09B-5B13-AB6C-9118E3EF02D6}"/>
               </a:ext>
             </a:extLst>
           </p:cNvPr>
@@ -5585,7 +5576,9 @@
         </p:nvSpPr>
         <p:spPr/>
         <p:txBody>
-          <a:bodyPr/>
+          <a:bodyPr>
+            <a:normAutofit lnSpcReduction="10000"/>
+          </a:bodyPr>
           <a:lstStyle/>
           <a:p>
             <a:pPr marL="0" indent="0">
@@ -5600,7 +5593,7 @@
             </a:br>
             <a:r>
               <a:rPr lang="en-US" dirty="0"/>
-              <a:t>Order By </a:t>
+              <a:t>Group By </a:t>
             </a:r>
             <a:r>
               <a:rPr lang="en-US" dirty="0" err="1"/>
@@ -5620,17 +5613,39 @@
             </a:r>
             <a:r>
               <a:rPr lang="en-US" dirty="0" err="1"/>
-              <a:t>mengurutkan</a:t>
-            </a:r>
-            <a:r>
-              <a:rPr lang="en-US" dirty="0"/>
-              <a:t> data.</a:t>
-            </a:r>
-          </a:p>
-          <a:p>
-            <a:pPr marL="0" indent="0">
-              <a:buNone/>
-            </a:pPr>
+              <a:t>mengelompokkan</a:t>
+            </a:r>
+            <a:r>
+              <a:rPr lang="en-US" dirty="0"/>
+              <a:t> data </a:t>
+            </a:r>
+            <a:r>
+              <a:rPr lang="en-US" dirty="0" err="1"/>
+              <a:t>berdasarkan</a:t>
+            </a:r>
+            <a:r>
+              <a:rPr lang="en-US" dirty="0"/>
+              <a:t> </a:t>
+            </a:r>
+            <a:r>
+              <a:rPr lang="en-US" dirty="0" err="1"/>
+              <a:t>kolom</a:t>
+            </a:r>
+            <a:r>
+              <a:rPr lang="en-US" dirty="0"/>
+              <a:t> </a:t>
+            </a:r>
+            <a:r>
+              <a:rPr lang="en-US" dirty="0" err="1"/>
+              <a:t>tertentu</a:t>
+            </a:r>
+            <a:r>
+              <a:rPr lang="en-US" dirty="0"/>
+              <a:t>.</a:t>
+            </a:r>
+            <a:br>
+              <a:rPr lang="en-US" dirty="0"/>
+            </a:br>
             <a:r>
               <a:rPr lang="en-US" b="1" dirty="0" err="1"/>
               <a:t>Contoh</a:t>
@@ -5642,17 +5657,12 @@
             <a:endParaRPr lang="en-US" dirty="0"/>
           </a:p>
           <a:p>
-            <a:r>
-              <a:rPr lang="en-US" dirty="0" err="1"/>
-              <a:t>Mengurutkan</a:t>
-            </a:r>
-            <a:r>
-              <a:rPr lang="en-US" dirty="0"/>
-              <a:t> </a:t>
-            </a:r>
-            <a:r>
-              <a:rPr lang="en-US" dirty="0" err="1"/>
-              <a:t>nama</a:t>
+            <a:pPr marL="0" indent="0">
+              <a:buNone/>
+            </a:pPr>
+            <a:r>
+              <a:rPr lang="en-US" dirty="0" err="1"/>
+              <a:t>Mengelompokkan</a:t>
             </a:r>
             <a:r>
               <a:rPr lang="en-US" dirty="0"/>
@@ -5676,7 +5686,15 @@
             </a:r>
             <a:r>
               <a:rPr lang="en-US" dirty="0" err="1"/>
-              <a:t>usia</a:t>
+              <a:t>warna</a:t>
+            </a:r>
+            <a:r>
+              <a:rPr lang="en-US" dirty="0"/>
+              <a:t> </a:t>
+            </a:r>
+            <a:r>
+              <a:rPr lang="en-US" dirty="0" err="1"/>
+              <a:t>favorit</a:t>
             </a:r>
             <a:r>
               <a:rPr lang="en-US" dirty="0"/>
@@ -5699,14 +5717,26 @@
                 <a:latin typeface="Courier New" panose="02070309020205020404" pitchFamily="49" charset="0"/>
                 <a:cs typeface="Courier New" panose="02070309020205020404" pitchFamily="49" charset="0"/>
               </a:rPr>
-              <a:t>nama</a:t>
+              <a:t>warna_favorit</a:t>
             </a:r>
             <a:r>
               <a:rPr lang="en-US" sz="2000" dirty="0">
                 <a:latin typeface="Courier New" panose="02070309020205020404" pitchFamily="49" charset="0"/>
                 <a:cs typeface="Courier New" panose="02070309020205020404" pitchFamily="49" charset="0"/>
               </a:rPr>
-              <a:t> FROM </a:t>
+              <a:t>, COUNT(*) </a:t>
+            </a:r>
+          </a:p>
+          <a:p>
+            <a:pPr marL="0" indent="0">
+              <a:buNone/>
+            </a:pPr>
+            <a:r>
+              <a:rPr lang="en-US" sz="2000" dirty="0">
+                <a:latin typeface="Courier New" panose="02070309020205020404" pitchFamily="49" charset="0"/>
+                <a:cs typeface="Courier New" panose="02070309020205020404" pitchFamily="49" charset="0"/>
+              </a:rPr>
+              <a:t>FROM </a:t>
             </a:r>
             <a:r>
               <a:rPr lang="en-US" sz="2000" dirty="0" err="1">
@@ -5720,14 +5750,26 @@
                 <a:latin typeface="Courier New" panose="02070309020205020404" pitchFamily="49" charset="0"/>
                 <a:cs typeface="Courier New" panose="02070309020205020404" pitchFamily="49" charset="0"/>
               </a:rPr>
-              <a:t> ORDER BY </a:t>
+              <a:t> </a:t>
+            </a:r>
+          </a:p>
+          <a:p>
+            <a:pPr marL="0" indent="0">
+              <a:buNone/>
+            </a:pPr>
+            <a:r>
+              <a:rPr lang="en-US" sz="2000" dirty="0">
+                <a:latin typeface="Courier New" panose="02070309020205020404" pitchFamily="49" charset="0"/>
+                <a:cs typeface="Courier New" panose="02070309020205020404" pitchFamily="49" charset="0"/>
+              </a:rPr>
+              <a:t>GROUP BY </a:t>
             </a:r>
             <a:r>
               <a:rPr lang="en-US" sz="2000" dirty="0" err="1">
                 <a:latin typeface="Courier New" panose="02070309020205020404" pitchFamily="49" charset="0"/>
                 <a:cs typeface="Courier New" panose="02070309020205020404" pitchFamily="49" charset="0"/>
               </a:rPr>
-              <a:t>usia</a:t>
+              <a:t>warna_favorit</a:t>
             </a:r>
             <a:r>
               <a:rPr lang="en-US" sz="2000" dirty="0">
@@ -5762,23 +5804,15 @@
             </a:r>
             <a:r>
               <a:rPr lang="en-US" dirty="0" err="1"/>
-              <a:t>mengurutkan</a:t>
-            </a:r>
-            <a:r>
-              <a:rPr lang="en-US" dirty="0"/>
-              <a:t> </a:t>
-            </a:r>
-            <a:r>
-              <a:rPr lang="en-US" dirty="0" err="1"/>
-              <a:t>buku</a:t>
-            </a:r>
-            <a:r>
-              <a:rPr lang="en-US" dirty="0"/>
-              <a:t> di </a:t>
-            </a:r>
-            <a:r>
-              <a:rPr lang="en-US" dirty="0" err="1"/>
-              <a:t>perpustakaan</a:t>
+              <a:t>mengelompokkan</a:t>
+            </a:r>
+            <a:r>
+              <a:rPr lang="en-US" dirty="0"/>
+              <a:t> </a:t>
+            </a:r>
+            <a:r>
+              <a:rPr lang="en-US" dirty="0" err="1"/>
+              <a:t>teman</a:t>
             </a:r>
             <a:r>
               <a:rPr lang="en-US" dirty="0"/>
@@ -5790,32 +5824,42 @@
             </a:r>
             <a:r>
               <a:rPr lang="en-US" dirty="0"/>
-              <a:t> abjad </a:t>
-            </a:r>
-            <a:r>
-              <a:rPr lang="en-US" dirty="0" err="1"/>
-              <a:t>atau</a:t>
-            </a:r>
-            <a:r>
-              <a:rPr lang="en-US" dirty="0"/>
-              <a:t> </a:t>
-            </a:r>
-            <a:r>
-              <a:rPr lang="en-US" dirty="0" err="1"/>
-              <a:t>tinggi</a:t>
-            </a:r>
-            <a:r>
-              <a:rPr lang="en-US" dirty="0"/>
-              <a:t> </a:t>
-            </a:r>
-            <a:r>
-              <a:rPr lang="en-US" dirty="0" err="1"/>
-              <a:t>buku</a:t>
+              <a:t> </a:t>
+            </a:r>
+            <a:r>
+              <a:rPr lang="en-US" dirty="0" err="1"/>
+              <a:t>warna</a:t>
+            </a:r>
+            <a:r>
+              <a:rPr lang="en-US" dirty="0"/>
+              <a:t> </a:t>
+            </a:r>
+            <a:r>
+              <a:rPr lang="en-US" dirty="0" err="1"/>
+              <a:t>favorit</a:t>
+            </a:r>
+            <a:r>
+              <a:rPr lang="en-US" dirty="0"/>
+              <a:t> </a:t>
+            </a:r>
+            <a:r>
+              <a:rPr lang="en-US" dirty="0" err="1"/>
+              <a:t>mereka</a:t>
             </a:r>
             <a:r>
               <a:rPr lang="en-US" dirty="0"/>
               <a:t>.</a:t>
             </a:r>
+            <a:endParaRPr lang="en-US" dirty="0">
+              <a:latin typeface="Courier New" panose="02070309020205020404" pitchFamily="49" charset="0"/>
+              <a:cs typeface="Courier New" panose="02070309020205020404" pitchFamily="49" charset="0"/>
+            </a:endParaRPr>
+          </a:p>
+          <a:p>
+            <a:pPr marL="0" indent="0">
+              <a:buNone/>
+            </a:pPr>
+            <a:endParaRPr lang="en-US" dirty="0"/>
           </a:p>
         </p:txBody>
       </p:sp>
@@ -5824,7 +5868,7 @@
           <p:cNvPr id="4" name="Footer Placeholder 3">
             <a:extLst>
               <a:ext uri="{FF2B5EF4-FFF2-40B4-BE49-F238E27FC236}">
-                <a16:creationId xmlns:a16="http://schemas.microsoft.com/office/drawing/2014/main" id="{0B6E8DC2-6B76-62AB-163F-B61A20650069}"/>
+                <a16:creationId xmlns:a16="http://schemas.microsoft.com/office/drawing/2014/main" id="{834339F1-E249-D5C7-08CB-57B2CA1E5352}"/>
               </a:ext>
             </a:extLst>
           </p:cNvPr>
@@ -5850,7 +5894,7 @@
     </p:spTree>
     <p:extLst>
       <p:ext uri="{BB962C8B-B14F-4D97-AF65-F5344CB8AC3E}">
-        <p14:creationId xmlns:p14="http://schemas.microsoft.com/office/powerpoint/2010/main" val="874282995"/>
+        <p14:creationId xmlns:p14="http://schemas.microsoft.com/office/powerpoint/2010/main" val="1197328736"/>
       </p:ext>
     </p:extLst>
   </p:cSld>
@@ -5882,7 +5926,7 @@
           <p:cNvPr id="2" name="Title 1">
             <a:extLst>
               <a:ext uri="{FF2B5EF4-FFF2-40B4-BE49-F238E27FC236}">
-                <a16:creationId xmlns:a16="http://schemas.microsoft.com/office/drawing/2014/main" id="{9DF19F35-AF38-D09C-F0D4-B38A18224093}"/>
+                <a16:creationId xmlns:a16="http://schemas.microsoft.com/office/drawing/2014/main" id="{D8ED27F2-F15D-795D-517A-E15FE3E31699}"/>
               </a:ext>
             </a:extLst>
           </p:cNvPr>
@@ -5899,9 +5943,18 @@
           <a:lstStyle/>
           <a:p>
             <a:r>
-              <a:rPr lang="en-US" dirty="0"/>
-              <a:t>Group By</a:t>
-            </a:r>
+              <a:rPr lang="en-US" dirty="0" err="1"/>
+              <a:t>Fungsi</a:t>
+            </a:r>
+            <a:r>
+              <a:rPr lang="en-US" dirty="0"/>
+              <a:t> </a:t>
+            </a:r>
+            <a:r>
+              <a:rPr lang="en-US" dirty="0" err="1"/>
+              <a:t>Agregat</a:t>
+            </a:r>
+            <a:endParaRPr lang="en-US" dirty="0"/>
           </a:p>
         </p:txBody>
       </p:sp>
@@ -5910,7 +5963,7 @@
           <p:cNvPr id="3" name="Content Placeholder 2">
             <a:extLst>
               <a:ext uri="{FF2B5EF4-FFF2-40B4-BE49-F238E27FC236}">
-                <a16:creationId xmlns:a16="http://schemas.microsoft.com/office/drawing/2014/main" id="{EB57CA5A-B09B-5B13-AB6C-9118E3EF02D6}"/>
+                <a16:creationId xmlns:a16="http://schemas.microsoft.com/office/drawing/2014/main" id="{9D713D84-1EFB-8F0D-30F2-668A5103E4FF}"/>
               </a:ext>
             </a:extLst>
           </p:cNvPr>
@@ -5923,9 +5976,7 @@
         </p:nvSpPr>
         <p:spPr/>
         <p:txBody>
-          <a:bodyPr>
-            <a:normAutofit lnSpcReduction="10000"/>
-          </a:bodyPr>
+          <a:bodyPr/>
           <a:lstStyle/>
           <a:p>
             <a:pPr marL="0" indent="0">
@@ -5939,8 +5990,20 @@
               <a:rPr lang="en-US" dirty="0"/>
             </a:br>
             <a:r>
-              <a:rPr lang="en-US" dirty="0"/>
-              <a:t>Group By </a:t>
+              <a:rPr lang="en-US" dirty="0" err="1"/>
+              <a:t>Fungsi</a:t>
+            </a:r>
+            <a:r>
+              <a:rPr lang="en-US" dirty="0"/>
+              <a:t> </a:t>
+            </a:r>
+            <a:r>
+              <a:rPr lang="en-US" dirty="0" err="1"/>
+              <a:t>agregat</a:t>
+            </a:r>
+            <a:r>
+              <a:rPr lang="en-US" dirty="0"/>
+              <a:t> </a:t>
             </a:r>
             <a:r>
               <a:rPr lang="en-US" dirty="0" err="1"/>
@@ -5960,184 +6023,107 @@
             </a:r>
             <a:r>
               <a:rPr lang="en-US" dirty="0" err="1"/>
-              <a:t>mengelompokkan</a:t>
-            </a:r>
-            <a:r>
-              <a:rPr lang="en-US" dirty="0"/>
-              <a:t> data </a:t>
-            </a:r>
-            <a:r>
-              <a:rPr lang="en-US" dirty="0" err="1"/>
-              <a:t>berdasarkan</a:t>
-            </a:r>
-            <a:r>
-              <a:rPr lang="en-US" dirty="0"/>
-              <a:t> </a:t>
-            </a:r>
-            <a:r>
-              <a:rPr lang="en-US" dirty="0" err="1"/>
-              <a:t>kolom</a:t>
-            </a:r>
-            <a:r>
-              <a:rPr lang="en-US" dirty="0"/>
-              <a:t> </a:t>
-            </a:r>
-            <a:r>
-              <a:rPr lang="en-US" dirty="0" err="1"/>
-              <a:t>tertentu</a:t>
-            </a:r>
-            <a:r>
-              <a:rPr lang="en-US" dirty="0"/>
-              <a:t>.</a:t>
-            </a:r>
-            <a:br>
-              <a:rPr lang="en-US" dirty="0"/>
-            </a:br>
+              <a:t>melakukan</a:t>
+            </a:r>
+            <a:r>
+              <a:rPr lang="en-US" dirty="0"/>
+              <a:t> </a:t>
+            </a:r>
+            <a:r>
+              <a:rPr lang="en-US" dirty="0" err="1"/>
+              <a:t>operasi</a:t>
+            </a:r>
+            <a:r>
+              <a:rPr lang="en-US" dirty="0"/>
+              <a:t> </a:t>
+            </a:r>
+            <a:r>
+              <a:rPr lang="en-US" dirty="0" err="1"/>
+              <a:t>matematis</a:t>
+            </a:r>
+            <a:r>
+              <a:rPr lang="en-US" dirty="0"/>
+              <a:t> pada data.</a:t>
+            </a:r>
+          </a:p>
+          <a:p>
+            <a:pPr marL="0" indent="0">
+              <a:buNone/>
+            </a:pPr>
+            <a:r>
+              <a:rPr lang="en-US" sz="2000" dirty="0">
+                <a:latin typeface="Courier New" panose="02070309020205020404" pitchFamily="49" charset="0"/>
+                <a:cs typeface="Courier New" panose="02070309020205020404" pitchFamily="49" charset="0"/>
+              </a:rPr>
+              <a:t>SELECT COUNT(*) FROM </a:t>
+            </a:r>
+            <a:r>
+              <a:rPr lang="en-US" sz="2000" dirty="0" err="1">
+                <a:latin typeface="Courier New" panose="02070309020205020404" pitchFamily="49" charset="0"/>
+                <a:cs typeface="Courier New" panose="02070309020205020404" pitchFamily="49" charset="0"/>
+              </a:rPr>
+              <a:t>daftar_kelas</a:t>
+            </a:r>
+            <a:r>
+              <a:rPr lang="en-US" sz="2000" dirty="0">
+                <a:latin typeface="Courier New" panose="02070309020205020404" pitchFamily="49" charset="0"/>
+                <a:cs typeface="Courier New" panose="02070309020205020404" pitchFamily="49" charset="0"/>
+              </a:rPr>
+              <a:t>;</a:t>
+            </a:r>
+          </a:p>
+          <a:p>
+            <a:pPr marL="0" indent="0">
+              <a:buNone/>
+            </a:pPr>
+            <a:r>
+              <a:rPr lang="en-US" sz="2000" dirty="0">
+                <a:latin typeface="Courier New" panose="02070309020205020404" pitchFamily="49" charset="0"/>
+                <a:cs typeface="Courier New" panose="02070309020205020404" pitchFamily="49" charset="0"/>
+              </a:rPr>
+              <a:t>SELECT AVG(</a:t>
+            </a:r>
+            <a:r>
+              <a:rPr lang="en-US" sz="2000" dirty="0" err="1">
+                <a:latin typeface="Courier New" panose="02070309020205020404" pitchFamily="49" charset="0"/>
+                <a:cs typeface="Courier New" panose="02070309020205020404" pitchFamily="49" charset="0"/>
+              </a:rPr>
+              <a:t>usia</a:t>
+            </a:r>
+            <a:r>
+              <a:rPr lang="en-US" sz="2000" dirty="0">
+                <a:latin typeface="Courier New" panose="02070309020205020404" pitchFamily="49" charset="0"/>
+                <a:cs typeface="Courier New" panose="02070309020205020404" pitchFamily="49" charset="0"/>
+              </a:rPr>
+              <a:t>) FROM </a:t>
+            </a:r>
+            <a:r>
+              <a:rPr lang="en-US" sz="2000" dirty="0" err="1">
+                <a:latin typeface="Courier New" panose="02070309020205020404" pitchFamily="49" charset="0"/>
+                <a:cs typeface="Courier New" panose="02070309020205020404" pitchFamily="49" charset="0"/>
+              </a:rPr>
+              <a:t>daftar_kelas</a:t>
+            </a:r>
+            <a:r>
+              <a:rPr lang="en-US" sz="2000" dirty="0">
+                <a:latin typeface="Courier New" panose="02070309020205020404" pitchFamily="49" charset="0"/>
+                <a:cs typeface="Courier New" panose="02070309020205020404" pitchFamily="49" charset="0"/>
+              </a:rPr>
+              <a:t>;</a:t>
+            </a:r>
+          </a:p>
+          <a:p>
+            <a:pPr marL="0" indent="0">
+              <a:buNone/>
+            </a:pPr>
             <a:r>
               <a:rPr lang="en-US" b="1" dirty="0" err="1"/>
-              <a:t>Contoh</a:t>
+              <a:t>Analogi</a:t>
             </a:r>
             <a:r>
               <a:rPr lang="en-US" b="1" dirty="0"/>
               <a:t>:</a:t>
             </a:r>
-            <a:endParaRPr lang="en-US" dirty="0"/>
-          </a:p>
-          <a:p>
-            <a:pPr marL="0" indent="0">
-              <a:buNone/>
-            </a:pPr>
-            <a:r>
-              <a:rPr lang="en-US" dirty="0" err="1"/>
-              <a:t>Mengelompokkan</a:t>
-            </a:r>
-            <a:r>
-              <a:rPr lang="en-US" dirty="0"/>
-              <a:t> </a:t>
-            </a:r>
-            <a:r>
-              <a:rPr lang="en-US" dirty="0" err="1"/>
-              <a:t>teman</a:t>
-            </a:r>
-            <a:r>
-              <a:rPr lang="en-US" dirty="0"/>
-              <a:t> </a:t>
-            </a:r>
-            <a:r>
-              <a:rPr lang="en-US" dirty="0" err="1"/>
-              <a:t>berdasarkan</a:t>
-            </a:r>
-            <a:r>
-              <a:rPr lang="en-US" dirty="0"/>
-              <a:t> </a:t>
-            </a:r>
-            <a:r>
-              <a:rPr lang="en-US" dirty="0" err="1"/>
-              <a:t>warna</a:t>
-            </a:r>
-            <a:r>
-              <a:rPr lang="en-US" dirty="0"/>
-              <a:t> </a:t>
-            </a:r>
-            <a:r>
-              <a:rPr lang="en-US" dirty="0" err="1"/>
-              <a:t>favorit</a:t>
-            </a:r>
-            <a:r>
-              <a:rPr lang="en-US" dirty="0"/>
-              <a:t>:</a:t>
-            </a:r>
-          </a:p>
-          <a:p>
-            <a:pPr marL="0" indent="0">
-              <a:buNone/>
-            </a:pPr>
-            <a:r>
-              <a:rPr lang="en-US" sz="2000" dirty="0">
-                <a:latin typeface="Courier New" panose="02070309020205020404" pitchFamily="49" charset="0"/>
-                <a:cs typeface="Courier New" panose="02070309020205020404" pitchFamily="49" charset="0"/>
-              </a:rPr>
-              <a:t>SELECT </a:t>
-            </a:r>
-            <a:r>
-              <a:rPr lang="en-US" sz="2000" dirty="0" err="1">
-                <a:latin typeface="Courier New" panose="02070309020205020404" pitchFamily="49" charset="0"/>
-                <a:cs typeface="Courier New" panose="02070309020205020404" pitchFamily="49" charset="0"/>
-              </a:rPr>
-              <a:t>warna_favorit</a:t>
-            </a:r>
-            <a:r>
-              <a:rPr lang="en-US" sz="2000" dirty="0">
-                <a:latin typeface="Courier New" panose="02070309020205020404" pitchFamily="49" charset="0"/>
-                <a:cs typeface="Courier New" panose="02070309020205020404" pitchFamily="49" charset="0"/>
-              </a:rPr>
-              <a:t>, COUNT(*) </a:t>
-            </a:r>
-          </a:p>
-          <a:p>
-            <a:pPr marL="0" indent="0">
-              <a:buNone/>
-            </a:pPr>
-            <a:r>
-              <a:rPr lang="en-US" sz="2000" dirty="0">
-                <a:latin typeface="Courier New" panose="02070309020205020404" pitchFamily="49" charset="0"/>
-                <a:cs typeface="Courier New" panose="02070309020205020404" pitchFamily="49" charset="0"/>
-              </a:rPr>
-              <a:t>FROM </a:t>
-            </a:r>
-            <a:r>
-              <a:rPr lang="en-US" sz="2000" dirty="0" err="1">
-                <a:latin typeface="Courier New" panose="02070309020205020404" pitchFamily="49" charset="0"/>
-                <a:cs typeface="Courier New" panose="02070309020205020404" pitchFamily="49" charset="0"/>
-              </a:rPr>
-              <a:t>daftar_kelas</a:t>
-            </a:r>
-            <a:r>
-              <a:rPr lang="en-US" sz="2000" dirty="0">
-                <a:latin typeface="Courier New" panose="02070309020205020404" pitchFamily="49" charset="0"/>
-                <a:cs typeface="Courier New" panose="02070309020205020404" pitchFamily="49" charset="0"/>
-              </a:rPr>
-              <a:t> </a:t>
-            </a:r>
-          </a:p>
-          <a:p>
-            <a:pPr marL="0" indent="0">
-              <a:buNone/>
-            </a:pPr>
-            <a:r>
-              <a:rPr lang="en-US" sz="2000" dirty="0">
-                <a:latin typeface="Courier New" panose="02070309020205020404" pitchFamily="49" charset="0"/>
-                <a:cs typeface="Courier New" panose="02070309020205020404" pitchFamily="49" charset="0"/>
-              </a:rPr>
-              <a:t>GROUP BY </a:t>
-            </a:r>
-            <a:r>
-              <a:rPr lang="en-US" sz="2000" dirty="0" err="1">
-                <a:latin typeface="Courier New" panose="02070309020205020404" pitchFamily="49" charset="0"/>
-                <a:cs typeface="Courier New" panose="02070309020205020404" pitchFamily="49" charset="0"/>
-              </a:rPr>
-              <a:t>warna_favorit</a:t>
-            </a:r>
-            <a:r>
-              <a:rPr lang="en-US" sz="2000" dirty="0">
-                <a:latin typeface="Courier New" panose="02070309020205020404" pitchFamily="49" charset="0"/>
-                <a:cs typeface="Courier New" panose="02070309020205020404" pitchFamily="49" charset="0"/>
-              </a:rPr>
-              <a:t>;</a:t>
-            </a:r>
-          </a:p>
-          <a:p>
-            <a:pPr marL="0" indent="0">
-              <a:buNone/>
-            </a:pPr>
-            <a:r>
-              <a:rPr lang="en-US" b="1" dirty="0" err="1"/>
-              <a:t>Analogi</a:t>
-            </a:r>
-            <a:r>
-              <a:rPr lang="en-US" b="1" dirty="0"/>
-              <a:t>:</a:t>
-            </a:r>
             <a:br>
               <a:rPr lang="en-US" dirty="0"/>
             </a:br>
@@ -6151,62 +6137,76 @@
             </a:r>
             <a:r>
               <a:rPr lang="en-US" dirty="0" err="1"/>
-              <a:t>mengelompokkan</a:t>
-            </a:r>
-            <a:r>
-              <a:rPr lang="en-US" dirty="0"/>
-              <a:t> </a:t>
-            </a:r>
-            <a:r>
-              <a:rPr lang="en-US" dirty="0" err="1"/>
-              <a:t>teman</a:t>
-            </a:r>
-            <a:r>
-              <a:rPr lang="en-US" dirty="0"/>
-              <a:t> </a:t>
-            </a:r>
-            <a:r>
-              <a:rPr lang="en-US" dirty="0" err="1"/>
-              <a:t>berdasarkan</a:t>
-            </a:r>
-            <a:r>
-              <a:rPr lang="en-US" dirty="0"/>
-              <a:t> </a:t>
-            </a:r>
-            <a:r>
-              <a:rPr lang="en-US" dirty="0" err="1"/>
-              <a:t>warna</a:t>
-            </a:r>
-            <a:r>
-              <a:rPr lang="en-US" dirty="0"/>
-              <a:t> </a:t>
-            </a:r>
-            <a:r>
-              <a:rPr lang="en-US" dirty="0" err="1"/>
-              <a:t>favorit</a:t>
-            </a:r>
-            <a:r>
-              <a:rPr lang="en-US" dirty="0"/>
-              <a:t> </a:t>
-            </a:r>
-            <a:r>
-              <a:rPr lang="en-US" dirty="0" err="1"/>
-              <a:t>mereka</a:t>
+              <a:t>menghitung</a:t>
+            </a:r>
+            <a:r>
+              <a:rPr lang="en-US" dirty="0"/>
+              <a:t> </a:t>
+            </a:r>
+            <a:r>
+              <a:rPr lang="en-US" dirty="0" err="1"/>
+              <a:t>jumlah</a:t>
+            </a:r>
+            <a:r>
+              <a:rPr lang="en-US" dirty="0"/>
+              <a:t> </a:t>
+            </a:r>
+            <a:r>
+              <a:rPr lang="en-US" dirty="0" err="1"/>
+              <a:t>buku</a:t>
+            </a:r>
+            <a:r>
+              <a:rPr lang="en-US" dirty="0"/>
+              <a:t> di </a:t>
+            </a:r>
+            <a:r>
+              <a:rPr lang="en-US" dirty="0" err="1"/>
+              <a:t>perpustakaan</a:t>
+            </a:r>
+            <a:r>
+              <a:rPr lang="en-US" dirty="0"/>
+              <a:t> </a:t>
+            </a:r>
+            <a:r>
+              <a:rPr lang="en-US" dirty="0" err="1"/>
+              <a:t>atau</a:t>
+            </a:r>
+            <a:r>
+              <a:rPr lang="en-US" dirty="0"/>
+              <a:t> </a:t>
+            </a:r>
+            <a:r>
+              <a:rPr lang="en-US" dirty="0" err="1"/>
+              <a:t>menghitung</a:t>
+            </a:r>
+            <a:r>
+              <a:rPr lang="en-US" dirty="0"/>
+              <a:t> rata-rata </a:t>
+            </a:r>
+            <a:r>
+              <a:rPr lang="en-US" dirty="0" err="1"/>
+              <a:t>umur</a:t>
+            </a:r>
+            <a:r>
+              <a:rPr lang="en-US" dirty="0"/>
+              <a:t> </a:t>
+            </a:r>
+            <a:r>
+              <a:rPr lang="en-US" dirty="0" err="1"/>
+              <a:t>anak-anak</a:t>
+            </a:r>
+            <a:r>
+              <a:rPr lang="en-US" dirty="0"/>
+              <a:t> di </a:t>
+            </a:r>
+            <a:r>
+              <a:rPr lang="en-US" dirty="0" err="1"/>
+              <a:t>kelas</a:t>
             </a:r>
             <a:r>
               <a:rPr lang="en-US" dirty="0"/>
               <a:t>.</a:t>
             </a:r>
-            <a:endParaRPr lang="en-US" dirty="0">
-              <a:latin typeface="Courier New" panose="02070309020205020404" pitchFamily="49" charset="0"/>
-              <a:cs typeface="Courier New" panose="02070309020205020404" pitchFamily="49" charset="0"/>
-            </a:endParaRPr>
-          </a:p>
-          <a:p>
-            <a:pPr marL="0" indent="0">
-              <a:buNone/>
-            </a:pPr>
-            <a:endParaRPr lang="en-US" dirty="0"/>
           </a:p>
         </p:txBody>
       </p:sp>
@@ -6215,7 +6215,7 @@
           <p:cNvPr id="4" name="Footer Placeholder 3">
             <a:extLst>
               <a:ext uri="{FF2B5EF4-FFF2-40B4-BE49-F238E27FC236}">
-                <a16:creationId xmlns:a16="http://schemas.microsoft.com/office/drawing/2014/main" id="{834339F1-E249-D5C7-08CB-57B2CA1E5352}"/>
+                <a16:creationId xmlns:a16="http://schemas.microsoft.com/office/drawing/2014/main" id="{F99187CB-BCC5-D5FD-4023-6FCB0EFBAC00}"/>
               </a:ext>
             </a:extLst>
           </p:cNvPr>
@@ -6241,7 +6241,7 @@
     </p:spTree>
     <p:extLst>
       <p:ext uri="{BB962C8B-B14F-4D97-AF65-F5344CB8AC3E}">
-        <p14:creationId xmlns:p14="http://schemas.microsoft.com/office/powerpoint/2010/main" val="1197328736"/>
+        <p14:creationId xmlns:p14="http://schemas.microsoft.com/office/powerpoint/2010/main" val="1469305316"/>
       </p:ext>
     </p:extLst>
   </p:cSld>
@@ -6798,7 +6798,7 @@
         </p:spPr>
         <p:txBody>
           <a:bodyPr>
-            <a:normAutofit fontScale="92500" lnSpcReduction="20000"/>
+            <a:normAutofit lnSpcReduction="10000"/>
           </a:bodyPr>
           <a:lstStyle/>
           <a:p>
@@ -6921,7 +6921,27 @@
             <a:pPr marL="0" indent="0">
               <a:buNone/>
             </a:pPr>
-            <a:endParaRPr lang="en-US" sz="1600" dirty="0"/>
+            <a:r>
+              <a:rPr lang="en-US" sz="1600" dirty="0">
+                <a:latin typeface="Courier New" panose="02070309020205020404" pitchFamily="49" charset="0"/>
+                <a:cs typeface="Courier New" panose="02070309020205020404" pitchFamily="49" charset="0"/>
+              </a:rPr>
+              <a:t>CREATE TABLE </a:t>
+            </a:r>
+            <a:r>
+              <a:rPr lang="en-US" sz="1600" dirty="0" err="1">
+                <a:latin typeface="Courier New" panose="02070309020205020404" pitchFamily="49" charset="0"/>
+                <a:cs typeface="Courier New" panose="02070309020205020404" pitchFamily="49" charset="0"/>
+              </a:rPr>
+              <a:t>daftar_kelas</a:t>
+            </a:r>
+            <a:r>
+              <a:rPr lang="en-US" sz="1600" dirty="0">
+                <a:latin typeface="Courier New" panose="02070309020205020404" pitchFamily="49" charset="0"/>
+                <a:cs typeface="Courier New" panose="02070309020205020404" pitchFamily="49" charset="0"/>
+              </a:rPr>
+              <a:t> (</a:t>
+            </a:r>
           </a:p>
           <a:p>
             <a:pPr marL="0" indent="0">
@@ -6932,21 +6952,21 @@
                 <a:latin typeface="Courier New" panose="02070309020205020404" pitchFamily="49" charset="0"/>
                 <a:cs typeface="Courier New" panose="02070309020205020404" pitchFamily="49" charset="0"/>
               </a:rPr>
-              <a:t>CREATE TABLE </a:t>
+              <a:t>  </a:t>
             </a:r>
             <a:r>
               <a:rPr lang="en-US" sz="1600" dirty="0" err="1">
                 <a:latin typeface="Courier New" panose="02070309020205020404" pitchFamily="49" charset="0"/>
                 <a:cs typeface="Courier New" panose="02070309020205020404" pitchFamily="49" charset="0"/>
               </a:rPr>
-              <a:t>daftar_kelas</a:t>
+              <a:t>nama</a:t>
             </a:r>
             <a:r>
               <a:rPr lang="en-US" sz="1600" dirty="0">
                 <a:latin typeface="Courier New" panose="02070309020205020404" pitchFamily="49" charset="0"/>
                 <a:cs typeface="Courier New" panose="02070309020205020404" pitchFamily="49" charset="0"/>
               </a:rPr>
-              <a:t> (</a:t>
+              <a:t> VARCHAR(50),</a:t>
             </a:r>
           </a:p>
           <a:p>
@@ -6965,13 +6985,39 @@
                 <a:latin typeface="Courier New" panose="02070309020205020404" pitchFamily="49" charset="0"/>
                 <a:cs typeface="Courier New" panose="02070309020205020404" pitchFamily="49" charset="0"/>
               </a:rPr>
-              <a:t>nama</a:t>
+              <a:t>usia</a:t>
             </a:r>
             <a:r>
               <a:rPr lang="en-US" sz="1600" dirty="0">
                 <a:latin typeface="Courier New" panose="02070309020205020404" pitchFamily="49" charset="0"/>
                 <a:cs typeface="Courier New" panose="02070309020205020404" pitchFamily="49" charset="0"/>
               </a:rPr>
+              <a:t> INT,</a:t>
+            </a:r>
+          </a:p>
+          <a:p>
+            <a:pPr marL="0" indent="0">
+              <a:buNone/>
+            </a:pPr>
+            <a:r>
+              <a:rPr lang="en-US" sz="1600" dirty="0">
+                <a:latin typeface="Courier New" panose="02070309020205020404" pitchFamily="49" charset="0"/>
+                <a:cs typeface="Courier New" panose="02070309020205020404" pitchFamily="49" charset="0"/>
+              </a:rPr>
+              <a:t>  </a:t>
+            </a:r>
+            <a:r>
+              <a:rPr lang="en-US" sz="1600" dirty="0" err="1">
+                <a:latin typeface="Courier New" panose="02070309020205020404" pitchFamily="49" charset="0"/>
+                <a:cs typeface="Courier New" panose="02070309020205020404" pitchFamily="49" charset="0"/>
+              </a:rPr>
+              <a:t>hobi</a:t>
+            </a:r>
+            <a:r>
+              <a:rPr lang="en-US" sz="1600" dirty="0">
+                <a:latin typeface="Courier New" panose="02070309020205020404" pitchFamily="49" charset="0"/>
+                <a:cs typeface="Courier New" panose="02070309020205020404" pitchFamily="49" charset="0"/>
+              </a:rPr>
               <a:t> VARCHAR(50),</a:t>
             </a:r>
           </a:p>
@@ -6991,14 +7037,14 @@
                 <a:latin typeface="Courier New" panose="02070309020205020404" pitchFamily="49" charset="0"/>
                 <a:cs typeface="Courier New" panose="02070309020205020404" pitchFamily="49" charset="0"/>
               </a:rPr>
-              <a:t>usia</a:t>
+              <a:t>warna_favorit</a:t>
             </a:r>
             <a:r>
               <a:rPr lang="en-US" sz="1600" dirty="0">
                 <a:latin typeface="Courier New" panose="02070309020205020404" pitchFamily="49" charset="0"/>
                 <a:cs typeface="Courier New" panose="02070309020205020404" pitchFamily="49" charset="0"/>
               </a:rPr>
-              <a:t> INT,</a:t>
+              <a:t> VARCHAR(50),</a:t>
             </a:r>
           </a:p>
           <a:p>
@@ -7017,14 +7063,14 @@
                 <a:latin typeface="Courier New" panose="02070309020205020404" pitchFamily="49" charset="0"/>
                 <a:cs typeface="Courier New" panose="02070309020205020404" pitchFamily="49" charset="0"/>
               </a:rPr>
-              <a:t>hobi</a:t>
+              <a:t>kota</a:t>
             </a:r>
             <a:r>
               <a:rPr lang="en-US" sz="1600" dirty="0">
                 <a:latin typeface="Courier New" panose="02070309020205020404" pitchFamily="49" charset="0"/>
                 <a:cs typeface="Courier New" panose="02070309020205020404" pitchFamily="49" charset="0"/>
               </a:rPr>
-              <a:t> VARCHAR(50),</a:t>
+              <a:t> VARCHAR(50)</a:t>
             </a:r>
           </a:p>
           <a:p>
@@ -7036,65 +7082,8 @@
                 <a:latin typeface="Courier New" panose="02070309020205020404" pitchFamily="49" charset="0"/>
                 <a:cs typeface="Courier New" panose="02070309020205020404" pitchFamily="49" charset="0"/>
               </a:rPr>
-              <a:t>  </a:t>
-            </a:r>
-            <a:r>
-              <a:rPr lang="en-US" sz="1600" dirty="0" err="1">
-                <a:latin typeface="Courier New" panose="02070309020205020404" pitchFamily="49" charset="0"/>
-                <a:cs typeface="Courier New" panose="02070309020205020404" pitchFamily="49" charset="0"/>
-              </a:rPr>
-              <a:t>warna_favorit</a:t>
-            </a:r>
-            <a:r>
-              <a:rPr lang="en-US" sz="1600" dirty="0">
-                <a:latin typeface="Courier New" panose="02070309020205020404" pitchFamily="49" charset="0"/>
-                <a:cs typeface="Courier New" panose="02070309020205020404" pitchFamily="49" charset="0"/>
-              </a:rPr>
-              <a:t> VARCHAR(50),</a:t>
-            </a:r>
-          </a:p>
-          <a:p>
-            <a:pPr marL="0" indent="0">
-              <a:buNone/>
-            </a:pPr>
-            <a:r>
-              <a:rPr lang="en-US" sz="1600" dirty="0">
-                <a:latin typeface="Courier New" panose="02070309020205020404" pitchFamily="49" charset="0"/>
-                <a:cs typeface="Courier New" panose="02070309020205020404" pitchFamily="49" charset="0"/>
-              </a:rPr>
-              <a:t>  </a:t>
-            </a:r>
-            <a:r>
-              <a:rPr lang="en-US" sz="1600" dirty="0" err="1">
-                <a:latin typeface="Courier New" panose="02070309020205020404" pitchFamily="49" charset="0"/>
-                <a:cs typeface="Courier New" panose="02070309020205020404" pitchFamily="49" charset="0"/>
-              </a:rPr>
-              <a:t>kota</a:t>
-            </a:r>
-            <a:r>
-              <a:rPr lang="en-US" sz="1600" dirty="0">
-                <a:latin typeface="Courier New" panose="02070309020205020404" pitchFamily="49" charset="0"/>
-                <a:cs typeface="Courier New" panose="02070309020205020404" pitchFamily="49" charset="0"/>
-              </a:rPr>
-              <a:t> VARCHAR(50)</a:t>
-            </a:r>
-          </a:p>
-          <a:p>
-            <a:pPr marL="0" indent="0">
-              <a:buNone/>
-            </a:pPr>
-            <a:r>
-              <a:rPr lang="en-US" sz="1600" dirty="0">
-                <a:latin typeface="Courier New" panose="02070309020205020404" pitchFamily="49" charset="0"/>
-                <a:cs typeface="Courier New" panose="02070309020205020404" pitchFamily="49" charset="0"/>
-              </a:rPr>
               <a:t>);</a:t>
             </a:r>
-          </a:p>
-          <a:p>
-            <a:pPr marL="0" indent="0">
-              <a:buNone/>
-            </a:pPr>
             <a:r>
               <a:rPr lang="en-US" sz="1600" b="1" dirty="0"/>
               <a:t>Masukkan Data</a:t>
